--- a/MajorProject.pptx
+++ b/MajorProject.pptx
@@ -5,7 +5,7 @@
     <p:sldMasterId id="2147483648" r:id="rId1"/>
   </p:sldMasterIdLst>
   <p:notesMasterIdLst>
-    <p:notesMasterId r:id="rId22"/>
+    <p:notesMasterId r:id="rId23"/>
   </p:notesMasterIdLst>
   <p:sldIdLst>
     <p:sldId id="257" r:id="rId2"/>
@@ -13,21 +13,22 @@
     <p:sldId id="267" r:id="rId4"/>
     <p:sldId id="281" r:id="rId5"/>
     <p:sldId id="268" r:id="rId6"/>
-    <p:sldId id="274" r:id="rId7"/>
-    <p:sldId id="282" r:id="rId8"/>
-    <p:sldId id="269" r:id="rId9"/>
-    <p:sldId id="283" r:id="rId10"/>
-    <p:sldId id="270" r:id="rId11"/>
-    <p:sldId id="284" r:id="rId12"/>
-    <p:sldId id="271" r:id="rId13"/>
-    <p:sldId id="285" r:id="rId14"/>
-    <p:sldId id="273" r:id="rId15"/>
-    <p:sldId id="277" r:id="rId16"/>
-    <p:sldId id="278" r:id="rId17"/>
-    <p:sldId id="279" r:id="rId18"/>
-    <p:sldId id="276" r:id="rId19"/>
-    <p:sldId id="275" r:id="rId20"/>
-    <p:sldId id="263" r:id="rId21"/>
+    <p:sldId id="286" r:id="rId7"/>
+    <p:sldId id="274" r:id="rId8"/>
+    <p:sldId id="282" r:id="rId9"/>
+    <p:sldId id="269" r:id="rId10"/>
+    <p:sldId id="283" r:id="rId11"/>
+    <p:sldId id="270" r:id="rId12"/>
+    <p:sldId id="284" r:id="rId13"/>
+    <p:sldId id="271" r:id="rId14"/>
+    <p:sldId id="285" r:id="rId15"/>
+    <p:sldId id="273" r:id="rId16"/>
+    <p:sldId id="277" r:id="rId17"/>
+    <p:sldId id="278" r:id="rId18"/>
+    <p:sldId id="279" r:id="rId19"/>
+    <p:sldId id="276" r:id="rId20"/>
+    <p:sldId id="275" r:id="rId21"/>
+    <p:sldId id="263" r:id="rId22"/>
   </p:sldIdLst>
   <p:sldSz cx="12192000" cy="6858000"/>
   <p:notesSz cx="6858000" cy="9144000"/>
@@ -1382,7 +1383,7 @@
           <a:p>
             <a:fld id="{27C5FB0D-2D15-42EE-A55F-A16259431666}" type="datetimeFigureOut">
               <a:rPr lang="en-US" smtClean="0"/>
-              <a:t>8/7/2022</a:t>
+              <a:t>8/8/2022</a:t>
             </a:fld>
             <a:endParaRPr lang="en-US"/>
           </a:p>
@@ -1858,7 +1859,7 @@
     </p:spTree>
     <p:extLst>
       <p:ext uri="{BB962C8B-B14F-4D97-AF65-F5344CB8AC3E}">
-        <p14:creationId xmlns:p14="http://schemas.microsoft.com/office/powerpoint/2010/main" val="1534785266"/>
+        <p14:creationId xmlns:p14="http://schemas.microsoft.com/office/powerpoint/2010/main" val="2711090138"/>
       </p:ext>
     </p:extLst>
   </p:cSld>
@@ -1967,7 +1968,7 @@
     </p:spTree>
     <p:extLst>
       <p:ext uri="{BB962C8B-B14F-4D97-AF65-F5344CB8AC3E}">
-        <p14:creationId xmlns:p14="http://schemas.microsoft.com/office/powerpoint/2010/main" val="3810833240"/>
+        <p14:creationId xmlns:p14="http://schemas.microsoft.com/office/powerpoint/2010/main" val="1534785266"/>
       </p:ext>
     </p:extLst>
   </p:cSld>
@@ -2076,7 +2077,7 @@
     </p:spTree>
     <p:extLst>
       <p:ext uri="{BB962C8B-B14F-4D97-AF65-F5344CB8AC3E}">
-        <p14:creationId xmlns:p14="http://schemas.microsoft.com/office/powerpoint/2010/main" val="969738262"/>
+        <p14:creationId xmlns:p14="http://schemas.microsoft.com/office/powerpoint/2010/main" val="3810833240"/>
       </p:ext>
     </p:extLst>
   </p:cSld>
@@ -2185,7 +2186,7 @@
     </p:spTree>
     <p:extLst>
       <p:ext uri="{BB962C8B-B14F-4D97-AF65-F5344CB8AC3E}">
-        <p14:creationId xmlns:p14="http://schemas.microsoft.com/office/powerpoint/2010/main" val="64324967"/>
+        <p14:creationId xmlns:p14="http://schemas.microsoft.com/office/powerpoint/2010/main" val="969738262"/>
       </p:ext>
     </p:extLst>
   </p:cSld>
@@ -2294,7 +2295,7 @@
     </p:spTree>
     <p:extLst>
       <p:ext uri="{BB962C8B-B14F-4D97-AF65-F5344CB8AC3E}">
-        <p14:creationId xmlns:p14="http://schemas.microsoft.com/office/powerpoint/2010/main" val="719489353"/>
+        <p14:creationId xmlns:p14="http://schemas.microsoft.com/office/powerpoint/2010/main" val="64324967"/>
       </p:ext>
     </p:extLst>
   </p:cSld>
@@ -2403,7 +2404,7 @@
     </p:spTree>
     <p:extLst>
       <p:ext uri="{BB962C8B-B14F-4D97-AF65-F5344CB8AC3E}">
-        <p14:creationId xmlns:p14="http://schemas.microsoft.com/office/powerpoint/2010/main" val="714213225"/>
+        <p14:creationId xmlns:p14="http://schemas.microsoft.com/office/powerpoint/2010/main" val="719489353"/>
       </p:ext>
     </p:extLst>
   </p:cSld>
@@ -2512,7 +2513,7 @@
     </p:spTree>
     <p:extLst>
       <p:ext uri="{BB962C8B-B14F-4D97-AF65-F5344CB8AC3E}">
-        <p14:creationId xmlns:p14="http://schemas.microsoft.com/office/powerpoint/2010/main" val="3945283694"/>
+        <p14:creationId xmlns:p14="http://schemas.microsoft.com/office/powerpoint/2010/main" val="714213225"/>
       </p:ext>
     </p:extLst>
   </p:cSld>
@@ -2621,7 +2622,7 @@
     </p:spTree>
     <p:extLst>
       <p:ext uri="{BB962C8B-B14F-4D97-AF65-F5344CB8AC3E}">
-        <p14:creationId xmlns:p14="http://schemas.microsoft.com/office/powerpoint/2010/main" val="207218535"/>
+        <p14:creationId xmlns:p14="http://schemas.microsoft.com/office/powerpoint/2010/main" val="3945283694"/>
       </p:ext>
     </p:extLst>
   </p:cSld>
@@ -2730,7 +2731,7 @@
     </p:spTree>
     <p:extLst>
       <p:ext uri="{BB962C8B-B14F-4D97-AF65-F5344CB8AC3E}">
-        <p14:creationId xmlns:p14="http://schemas.microsoft.com/office/powerpoint/2010/main" val="2407059132"/>
+        <p14:creationId xmlns:p14="http://schemas.microsoft.com/office/powerpoint/2010/main" val="207218535"/>
       </p:ext>
     </p:extLst>
   </p:cSld>
@@ -2839,7 +2840,7 @@
     </p:spTree>
     <p:extLst>
       <p:ext uri="{BB962C8B-B14F-4D97-AF65-F5344CB8AC3E}">
-        <p14:creationId xmlns:p14="http://schemas.microsoft.com/office/powerpoint/2010/main" val="3631176032"/>
+        <p14:creationId xmlns:p14="http://schemas.microsoft.com/office/powerpoint/2010/main" val="2407059132"/>
       </p:ext>
     </p:extLst>
   </p:cSld>
@@ -2949,6 +2950,115 @@
     <p:extLst>
       <p:ext uri="{BB962C8B-B14F-4D97-AF65-F5344CB8AC3E}">
         <p14:creationId xmlns:p14="http://schemas.microsoft.com/office/powerpoint/2010/main" val="2855121128"/>
+      </p:ext>
+    </p:extLst>
+  </p:cSld>
+  <p:clrMapOvr>
+    <a:masterClrMapping/>
+  </p:clrMapOvr>
+</p:notes>
+</file>
+
+<file path=ppt/notesSlides/notesSlide20.xml><?xml version="1.0" encoding="utf-8"?>
+<p:notes xmlns:a="http://schemas.openxmlformats.org/drawingml/2006/main" xmlns:r="http://schemas.openxmlformats.org/officeDocument/2006/relationships" xmlns:p="http://schemas.openxmlformats.org/presentationml/2006/main" showMasterSp="0" showMasterPhAnim="0">
+  <p:cSld>
+    <p:spTree>
+      <p:nvGrpSpPr>
+        <p:cNvPr id="1" name="Shape 66"/>
+        <p:cNvGrpSpPr/>
+        <p:nvPr/>
+      </p:nvGrpSpPr>
+      <p:grpSpPr>
+        <a:xfrm>
+          <a:off x="0" y="0"/>
+          <a:ext cx="0" cy="0"/>
+          <a:chOff x="0" y="0"/>
+          <a:chExt cx="0" cy="0"/>
+        </a:xfrm>
+      </p:grpSpPr>
+      <p:sp>
+        <p:nvSpPr>
+          <p:cNvPr id="67" name="Google Shape;67;g35f391192_00:notes"/>
+          <p:cNvSpPr>
+            <a:spLocks noGrp="1" noRot="1" noChangeAspect="1"/>
+          </p:cNvSpPr>
+          <p:nvPr>
+            <p:ph type="sldImg" idx="2"/>
+          </p:nvPr>
+        </p:nvSpPr>
+        <p:spPr>
+          <a:xfrm>
+            <a:off x="381000" y="685800"/>
+            <a:ext cx="6096000" cy="3429000"/>
+          </a:xfrm>
+          <a:custGeom>
+            <a:avLst/>
+            <a:gdLst/>
+            <a:ahLst/>
+            <a:cxnLst/>
+            <a:rect l="l" t="t" r="r" b="b"/>
+            <a:pathLst>
+              <a:path w="120000" h="120000" extrusionOk="0">
+                <a:moveTo>
+                  <a:pt x="0" y="0"/>
+                </a:moveTo>
+                <a:lnTo>
+                  <a:pt x="120000" y="0"/>
+                </a:lnTo>
+                <a:lnTo>
+                  <a:pt x="120000" y="120000"/>
+                </a:lnTo>
+                <a:lnTo>
+                  <a:pt x="0" y="120000"/>
+                </a:lnTo>
+                <a:close/>
+              </a:path>
+            </a:pathLst>
+          </a:custGeom>
+        </p:spPr>
+      </p:sp>
+      <p:sp>
+        <p:nvSpPr>
+          <p:cNvPr id="68" name="Google Shape;68;g35f391192_00:notes"/>
+          <p:cNvSpPr txBox="1">
+            <a:spLocks noGrp="1"/>
+          </p:cNvSpPr>
+          <p:nvPr>
+            <p:ph type="body" idx="1"/>
+          </p:nvPr>
+        </p:nvSpPr>
+        <p:spPr>
+          <a:xfrm>
+            <a:off x="685800" y="4343400"/>
+            <a:ext cx="5486400" cy="4114800"/>
+          </a:xfrm>
+          <a:prstGeom prst="rect">
+            <a:avLst/>
+          </a:prstGeom>
+        </p:spPr>
+        <p:txBody>
+          <a:bodyPr spcFirstLastPara="1" wrap="square" lIns="91425" tIns="91425" rIns="91425" bIns="91425" anchor="t" anchorCtr="0">
+            <a:noAutofit/>
+          </a:bodyPr>
+          <a:lstStyle/>
+          <a:p>
+            <a:pPr marL="0" lvl="0" indent="0" algn="l" rtl="0">
+              <a:spcBef>
+                <a:spcPts val="0"/>
+              </a:spcBef>
+              <a:spcAft>
+                <a:spcPts val="0"/>
+              </a:spcAft>
+              <a:buNone/>
+            </a:pPr>
+            <a:endParaRPr/>
+          </a:p>
+        </p:txBody>
+      </p:sp>
+    </p:spTree>
+    <p:extLst>
+      <p:ext uri="{BB962C8B-B14F-4D97-AF65-F5344CB8AC3E}">
+        <p14:creationId xmlns:p14="http://schemas.microsoft.com/office/powerpoint/2010/main" val="3631176032"/>
       </p:ext>
     </p:extLst>
   </p:cSld>
@@ -3384,7 +3494,7 @@
     </p:spTree>
     <p:extLst>
       <p:ext uri="{BB962C8B-B14F-4D97-AF65-F5344CB8AC3E}">
-        <p14:creationId xmlns:p14="http://schemas.microsoft.com/office/powerpoint/2010/main" val="278562626"/>
+        <p14:creationId xmlns:p14="http://schemas.microsoft.com/office/powerpoint/2010/main" val="3196452720"/>
       </p:ext>
     </p:extLst>
   </p:cSld>
@@ -3493,7 +3603,7 @@
     </p:spTree>
     <p:extLst>
       <p:ext uri="{BB962C8B-B14F-4D97-AF65-F5344CB8AC3E}">
-        <p14:creationId xmlns:p14="http://schemas.microsoft.com/office/powerpoint/2010/main" val="2449994233"/>
+        <p14:creationId xmlns:p14="http://schemas.microsoft.com/office/powerpoint/2010/main" val="278562626"/>
       </p:ext>
     </p:extLst>
   </p:cSld>
@@ -3602,7 +3712,7 @@
     </p:spTree>
     <p:extLst>
       <p:ext uri="{BB962C8B-B14F-4D97-AF65-F5344CB8AC3E}">
-        <p14:creationId xmlns:p14="http://schemas.microsoft.com/office/powerpoint/2010/main" val="382439620"/>
+        <p14:creationId xmlns:p14="http://schemas.microsoft.com/office/powerpoint/2010/main" val="2449994233"/>
       </p:ext>
     </p:extLst>
   </p:cSld>
@@ -3711,7 +3821,7 @@
     </p:spTree>
     <p:extLst>
       <p:ext uri="{BB962C8B-B14F-4D97-AF65-F5344CB8AC3E}">
-        <p14:creationId xmlns:p14="http://schemas.microsoft.com/office/powerpoint/2010/main" val="2711090138"/>
+        <p14:creationId xmlns:p14="http://schemas.microsoft.com/office/powerpoint/2010/main" val="382439620"/>
       </p:ext>
     </p:extLst>
   </p:cSld>
@@ -3852,7 +3962,7 @@
           <a:p>
             <a:fld id="{297D71AF-9362-4C75-B6E0-ABF85A557A78}" type="datetimeFigureOut">
               <a:rPr lang="en-US" smtClean="0"/>
-              <a:t>8/7/2022</a:t>
+              <a:t>8/8/2022</a:t>
             </a:fld>
             <a:endParaRPr lang="en-US"/>
           </a:p>
@@ -4022,7 +4132,7 @@
           <a:p>
             <a:fld id="{297D71AF-9362-4C75-B6E0-ABF85A557A78}" type="datetimeFigureOut">
               <a:rPr lang="en-US" smtClean="0"/>
-              <a:t>8/7/2022</a:t>
+              <a:t>8/8/2022</a:t>
             </a:fld>
             <a:endParaRPr lang="en-US"/>
           </a:p>
@@ -4202,7 +4312,7 @@
           <a:p>
             <a:fld id="{297D71AF-9362-4C75-B6E0-ABF85A557A78}" type="datetimeFigureOut">
               <a:rPr lang="en-US" smtClean="0"/>
-              <a:t>8/7/2022</a:t>
+              <a:t>8/8/2022</a:t>
             </a:fld>
             <a:endParaRPr lang="en-US"/>
           </a:p>
@@ -4736,7 +4846,7 @@
           <a:p>
             <a:fld id="{297D71AF-9362-4C75-B6E0-ABF85A557A78}" type="datetimeFigureOut">
               <a:rPr lang="en-US" smtClean="0"/>
-              <a:t>8/7/2022</a:t>
+              <a:t>8/8/2022</a:t>
             </a:fld>
             <a:endParaRPr lang="en-US"/>
           </a:p>
@@ -4982,7 +5092,7 @@
           <a:p>
             <a:fld id="{297D71AF-9362-4C75-B6E0-ABF85A557A78}" type="datetimeFigureOut">
               <a:rPr lang="en-US" smtClean="0"/>
-              <a:t>8/7/2022</a:t>
+              <a:t>8/8/2022</a:t>
             </a:fld>
             <a:endParaRPr lang="en-US"/>
           </a:p>
@@ -5214,7 +5324,7 @@
           <a:p>
             <a:fld id="{297D71AF-9362-4C75-B6E0-ABF85A557A78}" type="datetimeFigureOut">
               <a:rPr lang="en-US" smtClean="0"/>
-              <a:t>8/7/2022</a:t>
+              <a:t>8/8/2022</a:t>
             </a:fld>
             <a:endParaRPr lang="en-US"/>
           </a:p>
@@ -5581,7 +5691,7 @@
           <a:p>
             <a:fld id="{297D71AF-9362-4C75-B6E0-ABF85A557A78}" type="datetimeFigureOut">
               <a:rPr lang="en-US" smtClean="0"/>
-              <a:t>8/7/2022</a:t>
+              <a:t>8/8/2022</a:t>
             </a:fld>
             <a:endParaRPr lang="en-US"/>
           </a:p>
@@ -5699,7 +5809,7 @@
           <a:p>
             <a:fld id="{297D71AF-9362-4C75-B6E0-ABF85A557A78}" type="datetimeFigureOut">
               <a:rPr lang="en-US" smtClean="0"/>
-              <a:t>8/7/2022</a:t>
+              <a:t>8/8/2022</a:t>
             </a:fld>
             <a:endParaRPr lang="en-US"/>
           </a:p>
@@ -5794,7 +5904,7 @@
           <a:p>
             <a:fld id="{297D71AF-9362-4C75-B6E0-ABF85A557A78}" type="datetimeFigureOut">
               <a:rPr lang="en-US" smtClean="0"/>
-              <a:t>8/7/2022</a:t>
+              <a:t>8/8/2022</a:t>
             </a:fld>
             <a:endParaRPr lang="en-US"/>
           </a:p>
@@ -6071,7 +6181,7 @@
           <a:p>
             <a:fld id="{297D71AF-9362-4C75-B6E0-ABF85A557A78}" type="datetimeFigureOut">
               <a:rPr lang="en-US" smtClean="0"/>
-              <a:t>8/7/2022</a:t>
+              <a:t>8/8/2022</a:t>
             </a:fld>
             <a:endParaRPr lang="en-US"/>
           </a:p>
@@ -6324,7 +6434,7 @@
           <a:p>
             <a:fld id="{297D71AF-9362-4C75-B6E0-ABF85A557A78}" type="datetimeFigureOut">
               <a:rPr lang="en-US" smtClean="0"/>
-              <a:t>8/7/2022</a:t>
+              <a:t>8/8/2022</a:t>
             </a:fld>
             <a:endParaRPr lang="en-US"/>
           </a:p>
@@ -6537,7 +6647,7 @@
           <a:p>
             <a:fld id="{297D71AF-9362-4C75-B6E0-ABF85A557A78}" type="datetimeFigureOut">
               <a:rPr lang="en-US" smtClean="0"/>
-              <a:t>8/7/2022</a:t>
+              <a:t>8/8/2022</a:t>
             </a:fld>
             <a:endParaRPr lang="en-US"/>
           </a:p>
@@ -6995,7 +7105,11 @@
             </a:br>
             <a:r>
               <a:rPr lang="en" sz="3200" b="0" dirty="0" smtClean="0"/>
-              <a:t>Sudhashu Pal</a:t>
+              <a:t>Sudhanshu </a:t>
+            </a:r>
+            <a:r>
+              <a:rPr lang="en" sz="3200" b="0" dirty="0" smtClean="0"/>
+              <a:t>Pal</a:t>
             </a:r>
             <a:r>
               <a:rPr lang="en" sz="3200" b="0" dirty="0"/>
@@ -7262,7 +7376,7 @@
         </p:blipFill>
         <p:spPr>
           <a:xfrm>
-            <a:off x="8812551" y="276743"/>
+            <a:off x="9200479" y="230561"/>
             <a:ext cx="2688569" cy="652329"/>
           </a:xfrm>
           <a:prstGeom prst="rect">
@@ -7278,256 +7392,7 @@
         </p:nvSpPr>
         <p:spPr>
           <a:xfrm>
-            <a:off x="1721367" y="1987278"/>
-            <a:ext cx="8791074" cy="5539978"/>
-          </a:xfrm>
-          <a:prstGeom prst="rect">
-            <a:avLst/>
-          </a:prstGeom>
-          <a:noFill/>
-        </p:spPr>
-        <p:txBody>
-          <a:bodyPr wrap="square" rtlCol="0">
-            <a:spAutoFit/>
-          </a:bodyPr>
-          <a:lstStyle/>
-          <a:p>
-            <a:pPr marL="342900" indent="-342900">
-              <a:buFont typeface="Wingdings" panose="05000000000000000000" pitchFamily="2" charset="2"/>
-              <a:buChar char="§"/>
-            </a:pPr>
-            <a:r>
-              <a:rPr lang="en-US" sz="2400" dirty="0" smtClean="0"/>
-              <a:t>To Design The Appropriate Database.</a:t>
-            </a:r>
-          </a:p>
-          <a:p>
-            <a:endParaRPr lang="en-US" sz="2400" dirty="0" smtClean="0"/>
-          </a:p>
-          <a:p>
-            <a:pPr marL="342900" indent="-342900">
-              <a:buFont typeface="Wingdings" panose="05000000000000000000" pitchFamily="2" charset="2"/>
-              <a:buChar char="§"/>
-            </a:pPr>
-            <a:r>
-              <a:rPr lang="en-US" sz="2400" dirty="0" smtClean="0"/>
-              <a:t>To </a:t>
-            </a:r>
-            <a:r>
-              <a:rPr lang="en-US" sz="2400" dirty="0" smtClean="0"/>
-              <a:t>improve </a:t>
-            </a:r>
-            <a:r>
-              <a:rPr lang="en-US" sz="2400" dirty="0" smtClean="0"/>
-              <a:t>UI Design.</a:t>
-            </a:r>
-            <a:endParaRPr lang="en-US" sz="2400" dirty="0" smtClean="0"/>
-          </a:p>
-          <a:p>
-            <a:pPr marL="342900" indent="-342900">
-              <a:buFont typeface="Wingdings" panose="05000000000000000000" pitchFamily="2" charset="2"/>
-              <a:buChar char="§"/>
-            </a:pPr>
-            <a:endParaRPr lang="en-US" sz="2400" dirty="0"/>
-          </a:p>
-          <a:p>
-            <a:pPr marL="342900" indent="-342900">
-              <a:buFont typeface="Wingdings" panose="05000000000000000000" pitchFamily="2" charset="2"/>
-              <a:buChar char="§"/>
-            </a:pPr>
-            <a:r>
-              <a:rPr lang="en-US" sz="2400" dirty="0" smtClean="0"/>
-              <a:t>Allow vehicle owners to pay for </a:t>
-            </a:r>
-            <a:r>
-              <a:rPr lang="en-US" sz="2400" dirty="0" smtClean="0"/>
-              <a:t>Assigned </a:t>
-            </a:r>
-            <a:r>
-              <a:rPr lang="en-US" sz="2400" dirty="0" smtClean="0"/>
-              <a:t>challans only in due time.</a:t>
-            </a:r>
-          </a:p>
-          <a:p>
-            <a:pPr marL="342900" indent="-342900">
-              <a:buFont typeface="Wingdings" panose="05000000000000000000" pitchFamily="2" charset="2"/>
-              <a:buChar char="§"/>
-            </a:pPr>
-            <a:endParaRPr lang="en-US" sz="2400" dirty="0" smtClean="0"/>
-          </a:p>
-          <a:p>
-            <a:pPr marL="342900" indent="-342900">
-              <a:buFont typeface="Wingdings" panose="05000000000000000000" pitchFamily="2" charset="2"/>
-              <a:buChar char="§"/>
-            </a:pPr>
-            <a:r>
-              <a:rPr lang="en-US" sz="2400" dirty="0" smtClean="0"/>
-              <a:t>Maintaining data flow rate.</a:t>
-            </a:r>
-          </a:p>
-          <a:p>
-            <a:pPr marL="342900" indent="-342900">
-              <a:buFont typeface="Wingdings" panose="05000000000000000000" pitchFamily="2" charset="2"/>
-              <a:buChar char="§"/>
-            </a:pPr>
-            <a:endParaRPr lang="en-US" sz="2400" dirty="0"/>
-          </a:p>
-          <a:p>
-            <a:pPr marL="342900" indent="-342900">
-              <a:buFont typeface="Wingdings" panose="05000000000000000000" pitchFamily="2" charset="2"/>
-              <a:buChar char="§"/>
-            </a:pPr>
-            <a:r>
-              <a:rPr lang="en-US" sz="2400" dirty="0" smtClean="0"/>
-              <a:t>To provide g-map visualization on the basis of pin code.</a:t>
-            </a:r>
-          </a:p>
-          <a:p>
-            <a:pPr marL="342900" indent="-342900">
-              <a:buFont typeface="Wingdings" panose="05000000000000000000" pitchFamily="2" charset="2"/>
-              <a:buChar char="q"/>
-            </a:pPr>
-            <a:endParaRPr lang="en-US" sz="2400" dirty="0"/>
-          </a:p>
-          <a:p>
-            <a:pPr marL="342900" indent="-342900">
-              <a:buFont typeface="Wingdings" panose="05000000000000000000" pitchFamily="2" charset="2"/>
-              <a:buChar char="q"/>
-            </a:pPr>
-            <a:endParaRPr lang="en-US" sz="2400" dirty="0" smtClean="0"/>
-          </a:p>
-          <a:p>
-            <a:pPr marL="342900" indent="-342900">
-              <a:buFont typeface="Wingdings" panose="05000000000000000000" pitchFamily="2" charset="2"/>
-              <a:buChar char="q"/>
-            </a:pPr>
-            <a:endParaRPr lang="en-US" sz="2400" dirty="0"/>
-          </a:p>
-          <a:p>
-            <a:pPr marL="342900" indent="-342900">
-              <a:buFont typeface="Wingdings" panose="05000000000000000000" pitchFamily="2" charset="2"/>
-              <a:buChar char="q"/>
-            </a:pPr>
-            <a:endParaRPr lang="en-US" sz="2400" dirty="0"/>
-          </a:p>
-          <a:p>
-            <a:pPr marL="342900" indent="-342900">
-              <a:buFont typeface="Wingdings" panose="05000000000000000000" pitchFamily="2" charset="2"/>
-              <a:buChar char="q"/>
-            </a:pPr>
-            <a:endParaRPr lang="en-US" sz="2400" dirty="0" smtClean="0"/>
-          </a:p>
-          <a:p>
-            <a:endParaRPr lang="en-US" dirty="0"/>
-          </a:p>
-        </p:txBody>
-      </p:sp>
-    </p:spTree>
-    <p:extLst>
-      <p:ext uri="{BB962C8B-B14F-4D97-AF65-F5344CB8AC3E}">
-        <p14:creationId xmlns:p14="http://schemas.microsoft.com/office/powerpoint/2010/main" val="2092903419"/>
-      </p:ext>
-    </p:extLst>
-  </p:cSld>
-  <p:clrMapOvr>
-    <a:masterClrMapping/>
-  </p:clrMapOvr>
-  <p:timing>
-    <p:tnLst>
-      <p:par>
-        <p:cTn id="1" dur="indefinite" restart="never" nodeType="tmRoot"/>
-      </p:par>
-    </p:tnLst>
-  </p:timing>
-</p:sld>
-</file>
-
-<file path=ppt/slides/slide11.xml><?xml version="1.0" encoding="utf-8"?>
-<p:sld xmlns:a="http://schemas.openxmlformats.org/drawingml/2006/main" xmlns:r="http://schemas.openxmlformats.org/officeDocument/2006/relationships" xmlns:p="http://schemas.openxmlformats.org/presentationml/2006/main">
-  <p:cSld>
-    <p:spTree>
-      <p:nvGrpSpPr>
-        <p:cNvPr id="1" name="Shape 69"/>
-        <p:cNvGrpSpPr/>
-        <p:nvPr/>
-      </p:nvGrpSpPr>
-      <p:grpSpPr>
-        <a:xfrm>
-          <a:off x="0" y="0"/>
-          <a:ext cx="0" cy="0"/>
-          <a:chOff x="0" y="0"/>
-          <a:chExt cx="0" cy="0"/>
-        </a:xfrm>
-      </p:grpSpPr>
-      <p:pic>
-        <p:nvPicPr>
-          <p:cNvPr id="5" name="Picture 4"/>
-          <p:cNvPicPr>
-            <a:picLocks noChangeAspect="1"/>
-          </p:cNvPicPr>
-          <p:nvPr/>
-        </p:nvPicPr>
-        <p:blipFill>
-          <a:blip r:embed="rId3">
-            <a:extLst>
-              <a:ext uri="{28A0092B-C50C-407E-A947-70E740481C1C}">
-                <a14:useLocalDpi xmlns:a14="http://schemas.microsoft.com/office/drawing/2010/main" val="0"/>
-              </a:ext>
-            </a:extLst>
-          </a:blip>
-          <a:stretch>
-            <a:fillRect/>
-          </a:stretch>
-        </p:blipFill>
-        <p:spPr>
-          <a:xfrm>
-            <a:off x="23697" y="113696"/>
-            <a:ext cx="2243522" cy="1024217"/>
-          </a:xfrm>
-          <a:prstGeom prst="rect">
-            <a:avLst/>
-          </a:prstGeom>
-        </p:spPr>
-      </p:pic>
-      <p:pic>
-        <p:nvPicPr>
-          <p:cNvPr id="6" name="Picture 5"/>
-          <p:cNvPicPr>
-            <a:picLocks noChangeAspect="1"/>
-          </p:cNvPicPr>
-          <p:nvPr/>
-        </p:nvPicPr>
-        <p:blipFill>
-          <a:blip r:embed="rId4">
-            <a:extLst>
-              <a:ext uri="{28A0092B-C50C-407E-A947-70E740481C1C}">
-                <a14:useLocalDpi xmlns:a14="http://schemas.microsoft.com/office/drawing/2010/main" val="0"/>
-              </a:ext>
-            </a:extLst>
-          </a:blip>
-          <a:stretch>
-            <a:fillRect/>
-          </a:stretch>
-        </p:blipFill>
-        <p:spPr>
-          <a:xfrm>
-            <a:off x="9200479" y="230561"/>
-            <a:ext cx="2688569" cy="652329"/>
-          </a:xfrm>
-          <a:prstGeom prst="rect">
-            <a:avLst/>
-          </a:prstGeom>
-        </p:spPr>
-      </p:pic>
-      <p:sp>
-        <p:nvSpPr>
-          <p:cNvPr id="4" name="TextBox 3"/>
-          <p:cNvSpPr txBox="1"/>
-          <p:nvPr/>
-        </p:nvSpPr>
-        <p:spPr>
-          <a:xfrm>
-            <a:off x="2267219" y="4199707"/>
+            <a:off x="2267219" y="4190470"/>
             <a:ext cx="5670562" cy="1446550"/>
           </a:xfrm>
           <a:prstGeom prst="rect">
@@ -7552,7 +7417,7 @@
                   </a:outerShdw>
                 </a:effectLst>
               </a:rPr>
-              <a:t>05</a:t>
+              <a:t>04</a:t>
             </a:r>
           </a:p>
           <a:p>
@@ -7567,7 +7432,7 @@
                   </a:outerShdw>
                 </a:effectLst>
               </a:rPr>
-              <a:t>STATISCTICS</a:t>
+              <a:t>CHALLENGES</a:t>
             </a:r>
           </a:p>
         </p:txBody>
@@ -7575,18 +7440,18 @@
     </p:spTree>
     <p:extLst>
       <p:ext uri="{BB962C8B-B14F-4D97-AF65-F5344CB8AC3E}">
-        <p14:creationId xmlns:p14="http://schemas.microsoft.com/office/powerpoint/2010/main" val="2437040232"/>
+        <p14:creationId xmlns:p14="http://schemas.microsoft.com/office/powerpoint/2010/main" val="3076554432"/>
       </p:ext>
     </p:extLst>
   </p:cSld>
   <p:clrMapOvr>
     <a:masterClrMapping/>
   </p:clrMapOvr>
-  <mc:AlternateContent xmlns:mc="http://schemas.openxmlformats.org/markup-compatibility/2006">
-    <mc:Choice xmlns:p14="http://schemas.microsoft.com/office/powerpoint/2010/main" Requires="p14">
+  <mc:AlternateContent xmlns:mc="http://schemas.openxmlformats.org/markup-compatibility/2006" xmlns:p14="http://schemas.microsoft.com/office/powerpoint/2010/main">
+    <mc:Choice Requires="p14">
       <p:transition p14:dur="0"/>
     </mc:Choice>
-    <mc:Fallback>
+    <mc:Fallback xmlns="">
       <p:transition/>
     </mc:Fallback>
   </mc:AlternateContent>
@@ -7720,160 +7585,7 @@
 </p:sld>
 </file>
 
-<file path=ppt/slides/slide12.xml><?xml version="1.0" encoding="utf-8"?>
-<p:sld xmlns:a="http://schemas.openxmlformats.org/drawingml/2006/main" xmlns:r="http://schemas.openxmlformats.org/officeDocument/2006/relationships" xmlns:p="http://schemas.openxmlformats.org/presentationml/2006/main" showMasterSp="0">
-  <p:cSld>
-    <p:bg>
-      <p:bgPr>
-        <a:gradFill>
-          <a:gsLst>
-            <a:gs pos="0">
-              <a:schemeClr val="accent1">
-                <a:lumMod val="5000"/>
-                <a:lumOff val="95000"/>
-              </a:schemeClr>
-            </a:gs>
-            <a:gs pos="74000">
-              <a:schemeClr val="accent1">
-                <a:lumMod val="45000"/>
-                <a:lumOff val="55000"/>
-              </a:schemeClr>
-            </a:gs>
-            <a:gs pos="83000">
-              <a:schemeClr val="accent1">
-                <a:lumMod val="45000"/>
-                <a:lumOff val="55000"/>
-              </a:schemeClr>
-            </a:gs>
-            <a:gs pos="100000">
-              <a:schemeClr val="accent1">
-                <a:lumMod val="30000"/>
-                <a:lumOff val="70000"/>
-              </a:schemeClr>
-            </a:gs>
-          </a:gsLst>
-          <a:lin ang="5400000" scaled="1"/>
-        </a:gradFill>
-        <a:effectLst/>
-      </p:bgPr>
-    </p:bg>
-    <p:spTree>
-      <p:nvGrpSpPr>
-        <p:cNvPr id="1" name="Shape 69"/>
-        <p:cNvGrpSpPr/>
-        <p:nvPr/>
-      </p:nvGrpSpPr>
-      <p:grpSpPr>
-        <a:xfrm>
-          <a:off x="0" y="0"/>
-          <a:ext cx="0" cy="0"/>
-          <a:chOff x="0" y="0"/>
-          <a:chExt cx="0" cy="0"/>
-        </a:xfrm>
-      </p:grpSpPr>
-      <p:pic>
-        <p:nvPicPr>
-          <p:cNvPr id="5" name="Picture 4"/>
-          <p:cNvPicPr>
-            <a:picLocks noChangeAspect="1"/>
-          </p:cNvPicPr>
-          <p:nvPr/>
-        </p:nvPicPr>
-        <p:blipFill>
-          <a:blip r:embed="rId3">
-            <a:extLst>
-              <a:ext uri="{28A0092B-C50C-407E-A947-70E740481C1C}">
-                <a14:useLocalDpi xmlns:a14="http://schemas.microsoft.com/office/drawing/2010/main" val="0"/>
-              </a:ext>
-            </a:extLst>
-          </a:blip>
-          <a:stretch>
-            <a:fillRect/>
-          </a:stretch>
-        </p:blipFill>
-        <p:spPr>
-          <a:xfrm>
-            <a:off x="23697" y="113696"/>
-            <a:ext cx="2243522" cy="1024217"/>
-          </a:xfrm>
-          <a:prstGeom prst="rect">
-            <a:avLst/>
-          </a:prstGeom>
-        </p:spPr>
-      </p:pic>
-      <p:pic>
-        <p:nvPicPr>
-          <p:cNvPr id="6" name="Picture 5"/>
-          <p:cNvPicPr>
-            <a:picLocks noChangeAspect="1"/>
-          </p:cNvPicPr>
-          <p:nvPr/>
-        </p:nvPicPr>
-        <p:blipFill>
-          <a:blip r:embed="rId4">
-            <a:extLst>
-              <a:ext uri="{28A0092B-C50C-407E-A947-70E740481C1C}">
-                <a14:useLocalDpi xmlns:a14="http://schemas.microsoft.com/office/drawing/2010/main" val="0"/>
-              </a:ext>
-            </a:extLst>
-          </a:blip>
-          <a:stretch>
-            <a:fillRect/>
-          </a:stretch>
-        </p:blipFill>
-        <p:spPr>
-          <a:xfrm>
-            <a:off x="8812551" y="276743"/>
-            <a:ext cx="2688569" cy="652329"/>
-          </a:xfrm>
-          <a:prstGeom prst="rect">
-            <a:avLst/>
-          </a:prstGeom>
-        </p:spPr>
-      </p:pic>
-      <p:graphicFrame>
-        <p:nvGraphicFramePr>
-          <p:cNvPr id="17" name="Chart 16"/>
-          <p:cNvGraphicFramePr/>
-          <p:nvPr>
-            <p:extLst>
-              <p:ext uri="{D42A27DB-BD31-4B8C-83A1-F6EECF244321}">
-                <p14:modId xmlns:p14="http://schemas.microsoft.com/office/powerpoint/2010/main" val="3438188215"/>
-              </p:ext>
-            </p:extLst>
-          </p:nvPr>
-        </p:nvGraphicFramePr>
-        <p:xfrm>
-          <a:off x="2032000" y="929072"/>
-          <a:ext cx="8331200" cy="5209261"/>
-        </p:xfrm>
-        <a:graphic>
-          <a:graphicData uri="http://schemas.openxmlformats.org/drawingml/2006/chart">
-            <c:chart xmlns:c="http://schemas.openxmlformats.org/drawingml/2006/chart" xmlns:r="http://schemas.openxmlformats.org/officeDocument/2006/relationships" r:id="rId5"/>
-          </a:graphicData>
-        </a:graphic>
-      </p:graphicFrame>
-    </p:spTree>
-    <p:extLst>
-      <p:ext uri="{BB962C8B-B14F-4D97-AF65-F5344CB8AC3E}">
-        <p14:creationId xmlns:p14="http://schemas.microsoft.com/office/powerpoint/2010/main" val="1740485523"/>
-      </p:ext>
-    </p:extLst>
-  </p:cSld>
-  <p:clrMapOvr>
-    <a:masterClrMapping/>
-  </p:clrMapOvr>
-  <p:timing>
-    <p:tnLst>
-      <p:par>
-        <p:cTn id="1" dur="indefinite" restart="never" nodeType="tmRoot"/>
-      </p:par>
-    </p:tnLst>
-  </p:timing>
-</p:sld>
-</file>
-
-<file path=ppt/slides/slide13.xml><?xml version="1.0" encoding="utf-8"?>
+<file path=ppt/slides/slide11.xml><?xml version="1.0" encoding="utf-8"?>
 <p:sld xmlns:a="http://schemas.openxmlformats.org/drawingml/2006/main" xmlns:r="http://schemas.openxmlformats.org/officeDocument/2006/relationships" xmlns:p="http://schemas.openxmlformats.org/presentationml/2006/main">
   <p:cSld>
     <p:spTree>
@@ -7942,7 +7654,7 @@
         </p:blipFill>
         <p:spPr>
           <a:xfrm>
-            <a:off x="9200479" y="230561"/>
+            <a:off x="8812551" y="276743"/>
             <a:ext cx="2688569" cy="652329"/>
           </a:xfrm>
           <a:prstGeom prst="rect">
@@ -7958,7 +7670,222 @@
         </p:nvSpPr>
         <p:spPr>
           <a:xfrm>
-            <a:off x="2267219" y="4494347"/>
+            <a:off x="1721367" y="1987278"/>
+            <a:ext cx="8791074" cy="4801314"/>
+          </a:xfrm>
+          <a:prstGeom prst="rect">
+            <a:avLst/>
+          </a:prstGeom>
+          <a:noFill/>
+        </p:spPr>
+        <p:txBody>
+          <a:bodyPr wrap="square" rtlCol="0">
+            <a:spAutoFit/>
+          </a:bodyPr>
+          <a:lstStyle/>
+          <a:p>
+            <a:pPr marL="342900" indent="-342900">
+              <a:buFont typeface="Wingdings" panose="05000000000000000000" pitchFamily="2" charset="2"/>
+              <a:buChar char="§"/>
+            </a:pPr>
+            <a:r>
+              <a:rPr lang="en-US" sz="2400" dirty="0" smtClean="0"/>
+              <a:t>To Design The Appropriate Database.</a:t>
+            </a:r>
+          </a:p>
+          <a:p>
+            <a:endParaRPr lang="en-US" sz="2400" dirty="0"/>
+          </a:p>
+          <a:p>
+            <a:pPr marL="342900" indent="-342900">
+              <a:buFont typeface="Wingdings" panose="05000000000000000000" pitchFamily="2" charset="2"/>
+              <a:buChar char="§"/>
+            </a:pPr>
+            <a:r>
+              <a:rPr lang="en-US" sz="2400" dirty="0" smtClean="0"/>
+              <a:t>Allow vehicle owners to pay for Assigned challans only in due time.</a:t>
+            </a:r>
+          </a:p>
+          <a:p>
+            <a:pPr marL="342900" indent="-342900">
+              <a:buFont typeface="Wingdings" panose="05000000000000000000" pitchFamily="2" charset="2"/>
+              <a:buChar char="§"/>
+            </a:pPr>
+            <a:endParaRPr lang="en-US" sz="2400" dirty="0" smtClean="0"/>
+          </a:p>
+          <a:p>
+            <a:pPr marL="342900" indent="-342900">
+              <a:buFont typeface="Wingdings" panose="05000000000000000000" pitchFamily="2" charset="2"/>
+              <a:buChar char="§"/>
+            </a:pPr>
+            <a:r>
+              <a:rPr lang="en-US" sz="2400" dirty="0" smtClean="0"/>
+              <a:t>Maintaining data flow rate.</a:t>
+            </a:r>
+          </a:p>
+          <a:p>
+            <a:pPr marL="342900" indent="-342900">
+              <a:buFont typeface="Wingdings" panose="05000000000000000000" pitchFamily="2" charset="2"/>
+              <a:buChar char="§"/>
+            </a:pPr>
+            <a:endParaRPr lang="en-US" sz="2400" dirty="0"/>
+          </a:p>
+          <a:p>
+            <a:pPr marL="342900" indent="-342900">
+              <a:buFont typeface="Wingdings" panose="05000000000000000000" pitchFamily="2" charset="2"/>
+              <a:buChar char="§"/>
+            </a:pPr>
+            <a:r>
+              <a:rPr lang="en-US" sz="2400" dirty="0" smtClean="0"/>
+              <a:t>To provide g-map visualization on the basis of pin code.</a:t>
+            </a:r>
+          </a:p>
+          <a:p>
+            <a:pPr marL="342900" indent="-342900">
+              <a:buFont typeface="Wingdings" panose="05000000000000000000" pitchFamily="2" charset="2"/>
+              <a:buChar char="q"/>
+            </a:pPr>
+            <a:endParaRPr lang="en-US" sz="2400" dirty="0"/>
+          </a:p>
+          <a:p>
+            <a:pPr marL="342900" indent="-342900">
+              <a:buFont typeface="Wingdings" panose="05000000000000000000" pitchFamily="2" charset="2"/>
+              <a:buChar char="q"/>
+            </a:pPr>
+            <a:endParaRPr lang="en-US" sz="2400" dirty="0" smtClean="0"/>
+          </a:p>
+          <a:p>
+            <a:pPr marL="342900" indent="-342900">
+              <a:buFont typeface="Wingdings" panose="05000000000000000000" pitchFamily="2" charset="2"/>
+              <a:buChar char="q"/>
+            </a:pPr>
+            <a:endParaRPr lang="en-US" sz="2400" dirty="0"/>
+          </a:p>
+          <a:p>
+            <a:pPr marL="342900" indent="-342900">
+              <a:buFont typeface="Wingdings" panose="05000000000000000000" pitchFamily="2" charset="2"/>
+              <a:buChar char="q"/>
+            </a:pPr>
+            <a:endParaRPr lang="en-US" sz="2400" dirty="0"/>
+          </a:p>
+          <a:p>
+            <a:pPr marL="342900" indent="-342900">
+              <a:buFont typeface="Wingdings" panose="05000000000000000000" pitchFamily="2" charset="2"/>
+              <a:buChar char="q"/>
+            </a:pPr>
+            <a:endParaRPr lang="en-US" sz="2400" dirty="0" smtClean="0"/>
+          </a:p>
+          <a:p>
+            <a:endParaRPr lang="en-US" dirty="0"/>
+          </a:p>
+        </p:txBody>
+      </p:sp>
+    </p:spTree>
+    <p:extLst>
+      <p:ext uri="{BB962C8B-B14F-4D97-AF65-F5344CB8AC3E}">
+        <p14:creationId xmlns:p14="http://schemas.microsoft.com/office/powerpoint/2010/main" val="2092903419"/>
+      </p:ext>
+    </p:extLst>
+  </p:cSld>
+  <p:clrMapOvr>
+    <a:masterClrMapping/>
+  </p:clrMapOvr>
+  <p:timing>
+    <p:tnLst>
+      <p:par>
+        <p:cTn id="1" dur="indefinite" restart="never" nodeType="tmRoot"/>
+      </p:par>
+    </p:tnLst>
+  </p:timing>
+</p:sld>
+</file>
+
+<file path=ppt/slides/slide12.xml><?xml version="1.0" encoding="utf-8"?>
+<p:sld xmlns:a="http://schemas.openxmlformats.org/drawingml/2006/main" xmlns:r="http://schemas.openxmlformats.org/officeDocument/2006/relationships" xmlns:p="http://schemas.openxmlformats.org/presentationml/2006/main">
+  <p:cSld>
+    <p:spTree>
+      <p:nvGrpSpPr>
+        <p:cNvPr id="1" name="Shape 69"/>
+        <p:cNvGrpSpPr/>
+        <p:nvPr/>
+      </p:nvGrpSpPr>
+      <p:grpSpPr>
+        <a:xfrm>
+          <a:off x="0" y="0"/>
+          <a:ext cx="0" cy="0"/>
+          <a:chOff x="0" y="0"/>
+          <a:chExt cx="0" cy="0"/>
+        </a:xfrm>
+      </p:grpSpPr>
+      <p:pic>
+        <p:nvPicPr>
+          <p:cNvPr id="5" name="Picture 4"/>
+          <p:cNvPicPr>
+            <a:picLocks noChangeAspect="1"/>
+          </p:cNvPicPr>
+          <p:nvPr/>
+        </p:nvPicPr>
+        <p:blipFill>
+          <a:blip r:embed="rId3">
+            <a:extLst>
+              <a:ext uri="{28A0092B-C50C-407E-A947-70E740481C1C}">
+                <a14:useLocalDpi xmlns:a14="http://schemas.microsoft.com/office/drawing/2010/main" val="0"/>
+              </a:ext>
+            </a:extLst>
+          </a:blip>
+          <a:stretch>
+            <a:fillRect/>
+          </a:stretch>
+        </p:blipFill>
+        <p:spPr>
+          <a:xfrm>
+            <a:off x="23697" y="113696"/>
+            <a:ext cx="2243522" cy="1024217"/>
+          </a:xfrm>
+          <a:prstGeom prst="rect">
+            <a:avLst/>
+          </a:prstGeom>
+        </p:spPr>
+      </p:pic>
+      <p:pic>
+        <p:nvPicPr>
+          <p:cNvPr id="6" name="Picture 5"/>
+          <p:cNvPicPr>
+            <a:picLocks noChangeAspect="1"/>
+          </p:cNvPicPr>
+          <p:nvPr/>
+        </p:nvPicPr>
+        <p:blipFill>
+          <a:blip r:embed="rId4">
+            <a:extLst>
+              <a:ext uri="{28A0092B-C50C-407E-A947-70E740481C1C}">
+                <a14:useLocalDpi xmlns:a14="http://schemas.microsoft.com/office/drawing/2010/main" val="0"/>
+              </a:ext>
+            </a:extLst>
+          </a:blip>
+          <a:stretch>
+            <a:fillRect/>
+          </a:stretch>
+        </p:blipFill>
+        <p:spPr>
+          <a:xfrm>
+            <a:off x="9200479" y="230561"/>
+            <a:ext cx="2688569" cy="652329"/>
+          </a:xfrm>
+          <a:prstGeom prst="rect">
+            <a:avLst/>
+          </a:prstGeom>
+        </p:spPr>
+      </p:pic>
+      <p:sp>
+        <p:nvSpPr>
+          <p:cNvPr id="4" name="TextBox 3"/>
+          <p:cNvSpPr txBox="1"/>
+          <p:nvPr/>
+        </p:nvSpPr>
+        <p:spPr>
+          <a:xfrm>
+            <a:off x="2267219" y="4199707"/>
             <a:ext cx="5670562" cy="1446550"/>
           </a:xfrm>
           <a:prstGeom prst="rect">
@@ -7983,7 +7910,7 @@
                   </a:outerShdw>
                 </a:effectLst>
               </a:rPr>
-              <a:t>06</a:t>
+              <a:t>05</a:t>
             </a:r>
           </a:p>
           <a:p>
@@ -7998,7 +7925,7 @@
                   </a:outerShdw>
                 </a:effectLst>
               </a:rPr>
-              <a:t>MOCKUPS</a:t>
+              <a:t>STATISCTICS</a:t>
             </a:r>
           </a:p>
         </p:txBody>
@@ -8006,18 +7933,18 @@
     </p:spTree>
     <p:extLst>
       <p:ext uri="{BB962C8B-B14F-4D97-AF65-F5344CB8AC3E}">
-        <p14:creationId xmlns:p14="http://schemas.microsoft.com/office/powerpoint/2010/main" val="1315313416"/>
+        <p14:creationId xmlns:p14="http://schemas.microsoft.com/office/powerpoint/2010/main" val="2437040232"/>
       </p:ext>
     </p:extLst>
   </p:cSld>
   <p:clrMapOvr>
     <a:masterClrMapping/>
   </p:clrMapOvr>
-  <mc:AlternateContent xmlns:mc="http://schemas.openxmlformats.org/markup-compatibility/2006">
-    <mc:Choice xmlns:p14="http://schemas.microsoft.com/office/powerpoint/2010/main" Requires="p14">
+  <mc:AlternateContent xmlns:mc="http://schemas.openxmlformats.org/markup-compatibility/2006" xmlns:p14="http://schemas.microsoft.com/office/powerpoint/2010/main">
+    <mc:Choice Requires="p14">
       <p:transition p14:dur="0"/>
     </mc:Choice>
-    <mc:Fallback>
+    <mc:Fallback xmlns="">
       <p:transition/>
     </mc:Fallback>
   </mc:AlternateContent>
@@ -8151,6 +8078,159 @@
 </p:sld>
 </file>
 
+<file path=ppt/slides/slide13.xml><?xml version="1.0" encoding="utf-8"?>
+<p:sld xmlns:a="http://schemas.openxmlformats.org/drawingml/2006/main" xmlns:r="http://schemas.openxmlformats.org/officeDocument/2006/relationships" xmlns:p="http://schemas.openxmlformats.org/presentationml/2006/main" showMasterSp="0">
+  <p:cSld>
+    <p:bg>
+      <p:bgPr>
+        <a:gradFill>
+          <a:gsLst>
+            <a:gs pos="0">
+              <a:schemeClr val="accent1">
+                <a:lumMod val="5000"/>
+                <a:lumOff val="95000"/>
+              </a:schemeClr>
+            </a:gs>
+            <a:gs pos="74000">
+              <a:schemeClr val="accent1">
+                <a:lumMod val="45000"/>
+                <a:lumOff val="55000"/>
+              </a:schemeClr>
+            </a:gs>
+            <a:gs pos="83000">
+              <a:schemeClr val="accent1">
+                <a:lumMod val="45000"/>
+                <a:lumOff val="55000"/>
+              </a:schemeClr>
+            </a:gs>
+            <a:gs pos="100000">
+              <a:schemeClr val="accent1">
+                <a:lumMod val="30000"/>
+                <a:lumOff val="70000"/>
+              </a:schemeClr>
+            </a:gs>
+          </a:gsLst>
+          <a:lin ang="5400000" scaled="1"/>
+        </a:gradFill>
+        <a:effectLst/>
+      </p:bgPr>
+    </p:bg>
+    <p:spTree>
+      <p:nvGrpSpPr>
+        <p:cNvPr id="1" name="Shape 69"/>
+        <p:cNvGrpSpPr/>
+        <p:nvPr/>
+      </p:nvGrpSpPr>
+      <p:grpSpPr>
+        <a:xfrm>
+          <a:off x="0" y="0"/>
+          <a:ext cx="0" cy="0"/>
+          <a:chOff x="0" y="0"/>
+          <a:chExt cx="0" cy="0"/>
+        </a:xfrm>
+      </p:grpSpPr>
+      <p:pic>
+        <p:nvPicPr>
+          <p:cNvPr id="5" name="Picture 4"/>
+          <p:cNvPicPr>
+            <a:picLocks noChangeAspect="1"/>
+          </p:cNvPicPr>
+          <p:nvPr/>
+        </p:nvPicPr>
+        <p:blipFill>
+          <a:blip r:embed="rId3">
+            <a:extLst>
+              <a:ext uri="{28A0092B-C50C-407E-A947-70E740481C1C}">
+                <a14:useLocalDpi xmlns:a14="http://schemas.microsoft.com/office/drawing/2010/main" val="0"/>
+              </a:ext>
+            </a:extLst>
+          </a:blip>
+          <a:stretch>
+            <a:fillRect/>
+          </a:stretch>
+        </p:blipFill>
+        <p:spPr>
+          <a:xfrm>
+            <a:off x="23697" y="113696"/>
+            <a:ext cx="2243522" cy="1024217"/>
+          </a:xfrm>
+          <a:prstGeom prst="rect">
+            <a:avLst/>
+          </a:prstGeom>
+        </p:spPr>
+      </p:pic>
+      <p:pic>
+        <p:nvPicPr>
+          <p:cNvPr id="6" name="Picture 5"/>
+          <p:cNvPicPr>
+            <a:picLocks noChangeAspect="1"/>
+          </p:cNvPicPr>
+          <p:nvPr/>
+        </p:nvPicPr>
+        <p:blipFill>
+          <a:blip r:embed="rId4">
+            <a:extLst>
+              <a:ext uri="{28A0092B-C50C-407E-A947-70E740481C1C}">
+                <a14:useLocalDpi xmlns:a14="http://schemas.microsoft.com/office/drawing/2010/main" val="0"/>
+              </a:ext>
+            </a:extLst>
+          </a:blip>
+          <a:stretch>
+            <a:fillRect/>
+          </a:stretch>
+        </p:blipFill>
+        <p:spPr>
+          <a:xfrm>
+            <a:off x="8812551" y="276743"/>
+            <a:ext cx="2688569" cy="652329"/>
+          </a:xfrm>
+          <a:prstGeom prst="rect">
+            <a:avLst/>
+          </a:prstGeom>
+        </p:spPr>
+      </p:pic>
+      <p:graphicFrame>
+        <p:nvGraphicFramePr>
+          <p:cNvPr id="17" name="Chart 16"/>
+          <p:cNvGraphicFramePr/>
+          <p:nvPr>
+            <p:extLst>
+              <p:ext uri="{D42A27DB-BD31-4B8C-83A1-F6EECF244321}">
+                <p14:modId xmlns:p14="http://schemas.microsoft.com/office/powerpoint/2010/main" val="3438188215"/>
+              </p:ext>
+            </p:extLst>
+          </p:nvPr>
+        </p:nvGraphicFramePr>
+        <p:xfrm>
+          <a:off x="2032000" y="929072"/>
+          <a:ext cx="8331200" cy="5209261"/>
+        </p:xfrm>
+        <a:graphic>
+          <a:graphicData uri="http://schemas.openxmlformats.org/drawingml/2006/chart">
+            <c:chart xmlns:c="http://schemas.openxmlformats.org/drawingml/2006/chart" xmlns:r="http://schemas.openxmlformats.org/officeDocument/2006/relationships" r:id="rId5"/>
+          </a:graphicData>
+        </a:graphic>
+      </p:graphicFrame>
+    </p:spTree>
+    <p:extLst>
+      <p:ext uri="{BB962C8B-B14F-4D97-AF65-F5344CB8AC3E}">
+        <p14:creationId xmlns:p14="http://schemas.microsoft.com/office/powerpoint/2010/main" val="1740485523"/>
+      </p:ext>
+    </p:extLst>
+  </p:cSld>
+  <p:clrMapOvr>
+    <a:masterClrMapping/>
+  </p:clrMapOvr>
+  <p:timing>
+    <p:tnLst>
+      <p:par>
+        <p:cTn id="1" dur="indefinite" restart="never" nodeType="tmRoot"/>
+      </p:par>
+    </p:tnLst>
+  </p:timing>
+</p:sld>
+</file>
+
 <file path=ppt/slides/slide14.xml><?xml version="1.0" encoding="utf-8"?>
 <p:sld xmlns:a="http://schemas.openxmlformats.org/drawingml/2006/main" xmlns:r="http://schemas.openxmlformats.org/officeDocument/2006/relationships" xmlns:p="http://schemas.openxmlformats.org/presentationml/2006/main">
   <p:cSld>
@@ -8220,7 +8300,7 @@
         </p:blipFill>
         <p:spPr>
           <a:xfrm>
-            <a:off x="8812551" y="276743"/>
+            <a:off x="9200479" y="230561"/>
             <a:ext cx="2688569" cy="652329"/>
           </a:xfrm>
           <a:prstGeom prst="rect">
@@ -8228,110 +8308,203 @@
           </a:prstGeom>
         </p:spPr>
       </p:pic>
-      <p:pic>
-        <p:nvPicPr>
-          <p:cNvPr id="2" name="Picture 1"/>
-          <p:cNvPicPr>
-            <a:picLocks noChangeAspect="1"/>
-          </p:cNvPicPr>
+      <p:sp>
+        <p:nvSpPr>
+          <p:cNvPr id="4" name="TextBox 3"/>
+          <p:cNvSpPr txBox="1"/>
           <p:nvPr/>
-        </p:nvPicPr>
-        <p:blipFill>
-          <a:blip r:embed="rId5" cstate="print">
-            <a:extLst>
-              <a:ext uri="{28A0092B-C50C-407E-A947-70E740481C1C}">
-                <a14:useLocalDpi xmlns:a14="http://schemas.microsoft.com/office/drawing/2010/main" val="0"/>
-              </a:ext>
-            </a:extLst>
-          </a:blip>
-          <a:stretch>
-            <a:fillRect/>
-          </a:stretch>
-        </p:blipFill>
-        <p:spPr>
-          <a:xfrm>
-            <a:off x="2889552" y="929072"/>
-            <a:ext cx="5604762" cy="2470345"/>
+        </p:nvSpPr>
+        <p:spPr>
+          <a:xfrm>
+            <a:off x="2267219" y="4494347"/>
+            <a:ext cx="5670562" cy="1446550"/>
           </a:xfrm>
           <a:prstGeom prst="rect">
             <a:avLst/>
           </a:prstGeom>
-          <a:ln w="38100" cap="sq">
-            <a:solidFill>
-              <a:srgbClr val="000000"/>
-            </a:solidFill>
-            <a:prstDash val="solid"/>
-            <a:miter lim="800000"/>
-          </a:ln>
-          <a:effectLst>
-            <a:outerShdw blurRad="50800" dist="38100" dir="2700000" algn="tl" rotWithShape="0">
-              <a:srgbClr val="000000">
-                <a:alpha val="43000"/>
-              </a:srgbClr>
-            </a:outerShdw>
-          </a:effectLst>
-        </p:spPr>
-      </p:pic>
-      <p:pic>
-        <p:nvPicPr>
-          <p:cNvPr id="3" name="Picture 2"/>
-          <p:cNvPicPr>
-            <a:picLocks noChangeAspect="1"/>
-          </p:cNvPicPr>
-          <p:nvPr/>
-        </p:nvPicPr>
-        <p:blipFill>
-          <a:blip r:embed="rId6" cstate="print">
-            <a:extLst>
-              <a:ext uri="{28A0092B-C50C-407E-A947-70E740481C1C}">
-                <a14:useLocalDpi xmlns:a14="http://schemas.microsoft.com/office/drawing/2010/main" val="0"/>
-              </a:ext>
-            </a:extLst>
-          </a:blip>
-          <a:stretch>
-            <a:fillRect/>
-          </a:stretch>
-        </p:blipFill>
-        <p:spPr>
-          <a:xfrm>
-            <a:off x="2903054" y="3851564"/>
-            <a:ext cx="5591260" cy="2499796"/>
-          </a:xfrm>
-          <a:prstGeom prst="rect">
-            <a:avLst/>
-          </a:prstGeom>
-          <a:ln w="38100" cap="sq">
-            <a:solidFill>
-              <a:srgbClr val="000000"/>
-            </a:solidFill>
-            <a:prstDash val="solid"/>
-            <a:miter lim="800000"/>
-          </a:ln>
-          <a:effectLst>
-            <a:outerShdw blurRad="50800" dist="38100" dir="2700000" algn="tl" rotWithShape="0">
-              <a:srgbClr val="000000">
-                <a:alpha val="43000"/>
-              </a:srgbClr>
-            </a:outerShdw>
-          </a:effectLst>
-        </p:spPr>
-      </p:pic>
+          <a:noFill/>
+        </p:spPr>
+        <p:txBody>
+          <a:bodyPr wrap="square" rtlCol="0">
+            <a:spAutoFit/>
+          </a:bodyPr>
+          <a:lstStyle/>
+          <a:p>
+            <a:r>
+              <a:rPr lang="en-US" sz="4400" dirty="0" smtClean="0">
+                <a:ln w="0"/>
+                <a:effectLst>
+                  <a:outerShdw blurRad="38100" dist="19050" dir="2700000" algn="tl" rotWithShape="0">
+                    <a:schemeClr val="dk1">
+                      <a:alpha val="40000"/>
+                    </a:schemeClr>
+                  </a:outerShdw>
+                </a:effectLst>
+              </a:rPr>
+              <a:t>06</a:t>
+            </a:r>
+          </a:p>
+          <a:p>
+            <a:r>
+              <a:rPr lang="en-US" sz="4400" dirty="0" smtClean="0">
+                <a:ln w="0"/>
+                <a:effectLst>
+                  <a:outerShdw blurRad="38100" dist="19050" dir="2700000" algn="tl" rotWithShape="0">
+                    <a:schemeClr val="dk1">
+                      <a:alpha val="40000"/>
+                    </a:schemeClr>
+                  </a:outerShdw>
+                </a:effectLst>
+              </a:rPr>
+              <a:t>MOCKUPS</a:t>
+            </a:r>
+          </a:p>
+        </p:txBody>
+      </p:sp>
     </p:spTree>
     <p:extLst>
       <p:ext uri="{BB962C8B-B14F-4D97-AF65-F5344CB8AC3E}">
-        <p14:creationId xmlns:p14="http://schemas.microsoft.com/office/powerpoint/2010/main" val="480723295"/>
+        <p14:creationId xmlns:p14="http://schemas.microsoft.com/office/powerpoint/2010/main" val="1315313416"/>
       </p:ext>
     </p:extLst>
   </p:cSld>
   <p:clrMapOvr>
     <a:masterClrMapping/>
   </p:clrMapOvr>
+  <mc:AlternateContent xmlns:mc="http://schemas.openxmlformats.org/markup-compatibility/2006" xmlns:p14="http://schemas.microsoft.com/office/powerpoint/2010/main">
+    <mc:Choice Requires="p14">
+      <p:transition p14:dur="0"/>
+    </mc:Choice>
+    <mc:Fallback xmlns="">
+      <p:transition/>
+    </mc:Fallback>
+  </mc:AlternateContent>
   <p:timing>
     <p:tnLst>
       <p:par>
-        <p:cTn id="1" dur="indefinite" restart="never" nodeType="tmRoot"/>
+        <p:cTn id="1" dur="indefinite" restart="never" nodeType="tmRoot">
+          <p:childTnLst>
+            <p:seq concurrent="1" nextAc="seek">
+              <p:cTn id="2" dur="indefinite" nodeType="mainSeq">
+                <p:childTnLst>
+                  <p:par>
+                    <p:cTn id="3" fill="hold">
+                      <p:stCondLst>
+                        <p:cond delay="indefinite"/>
+                        <p:cond evt="onBegin" delay="0">
+                          <p:tn val="2"/>
+                        </p:cond>
+                      </p:stCondLst>
+                      <p:childTnLst>
+                        <p:par>
+                          <p:cTn id="4" fill="hold">
+                            <p:stCondLst>
+                              <p:cond delay="0"/>
+                            </p:stCondLst>
+                            <p:childTnLst>
+                              <p:par>
+                                <p:cTn id="5" presetID="2" presetClass="entr" presetSubtype="4" fill="hold" grpId="0" nodeType="withEffect">
+                                  <p:stCondLst>
+                                    <p:cond delay="0"/>
+                                  </p:stCondLst>
+                                  <p:childTnLst>
+                                    <p:set>
+                                      <p:cBhvr>
+                                        <p:cTn id="6" dur="1" fill="hold">
+                                          <p:stCondLst>
+                                            <p:cond delay="0"/>
+                                          </p:stCondLst>
+                                        </p:cTn>
+                                        <p:tgtEl>
+                                          <p:spTgt spid="4"/>
+                                        </p:tgtEl>
+                                        <p:attrNameLst>
+                                          <p:attrName>style.visibility</p:attrName>
+                                        </p:attrNameLst>
+                                      </p:cBhvr>
+                                      <p:to>
+                                        <p:strVal val="visible"/>
+                                      </p:to>
+                                    </p:set>
+                                    <p:anim calcmode="lin" valueType="num">
+                                      <p:cBhvr additive="base">
+                                        <p:cTn id="7" dur="500" fill="hold"/>
+                                        <p:tgtEl>
+                                          <p:spTgt spid="4"/>
+                                        </p:tgtEl>
+                                        <p:attrNameLst>
+                                          <p:attrName>ppt_x</p:attrName>
+                                        </p:attrNameLst>
+                                      </p:cBhvr>
+                                      <p:tavLst>
+                                        <p:tav tm="0">
+                                          <p:val>
+                                            <p:strVal val="#ppt_x"/>
+                                          </p:val>
+                                        </p:tav>
+                                        <p:tav tm="100000">
+                                          <p:val>
+                                            <p:strVal val="#ppt_x"/>
+                                          </p:val>
+                                        </p:tav>
+                                      </p:tavLst>
+                                    </p:anim>
+                                    <p:anim calcmode="lin" valueType="num">
+                                      <p:cBhvr additive="base">
+                                        <p:cTn id="8" dur="500" fill="hold"/>
+                                        <p:tgtEl>
+                                          <p:spTgt spid="4"/>
+                                        </p:tgtEl>
+                                        <p:attrNameLst>
+                                          <p:attrName>ppt_y</p:attrName>
+                                        </p:attrNameLst>
+                                      </p:cBhvr>
+                                      <p:tavLst>
+                                        <p:tav tm="0">
+                                          <p:val>
+                                            <p:strVal val="1+#ppt_h/2"/>
+                                          </p:val>
+                                        </p:tav>
+                                        <p:tav tm="100000">
+                                          <p:val>
+                                            <p:strVal val="#ppt_y"/>
+                                          </p:val>
+                                        </p:tav>
+                                      </p:tavLst>
+                                    </p:anim>
+                                  </p:childTnLst>
+                                </p:cTn>
+                              </p:par>
+                            </p:childTnLst>
+                          </p:cTn>
+                        </p:par>
+                      </p:childTnLst>
+                    </p:cTn>
+                  </p:par>
+                </p:childTnLst>
+              </p:cTn>
+              <p:prevCondLst>
+                <p:cond evt="onPrev" delay="0">
+                  <p:tgtEl>
+                    <p:sldTgt/>
+                  </p:tgtEl>
+                </p:cond>
+              </p:prevCondLst>
+              <p:nextCondLst>
+                <p:cond evt="onNext" delay="0">
+                  <p:tgtEl>
+                    <p:sldTgt/>
+                  </p:tgtEl>
+                </p:cond>
+              </p:nextCondLst>
+            </p:seq>
+          </p:childTnLst>
+        </p:cTn>
       </p:par>
     </p:tnLst>
+    <p:bldLst>
+      <p:bldP spid="4" grpId="0"/>
+    </p:bldLst>
   </p:timing>
 </p:sld>
 </file>
@@ -8435,8 +8608,8 @@
         </p:blipFill>
         <p:spPr>
           <a:xfrm>
-            <a:off x="2267219" y="1103860"/>
-            <a:ext cx="6530109" cy="2806014"/>
+            <a:off x="2889552" y="929072"/>
+            <a:ext cx="5604762" cy="2470345"/>
           </a:xfrm>
           <a:prstGeom prst="rect">
             <a:avLst/>
@@ -8479,8 +8652,8 @@
         </p:blipFill>
         <p:spPr>
           <a:xfrm>
-            <a:off x="2267220" y="4112370"/>
-            <a:ext cx="6545332" cy="2593104"/>
+            <a:off x="2903054" y="3851564"/>
+            <a:ext cx="5591260" cy="2499796"/>
           </a:xfrm>
           <a:prstGeom prst="rect">
             <a:avLst/>
@@ -8504,7 +8677,7 @@
     </p:spTree>
     <p:extLst>
       <p:ext uri="{BB962C8B-B14F-4D97-AF65-F5344CB8AC3E}">
-        <p14:creationId xmlns:p14="http://schemas.microsoft.com/office/powerpoint/2010/main" val="2399702132"/>
+        <p14:creationId xmlns:p14="http://schemas.microsoft.com/office/powerpoint/2010/main" val="480723295"/>
       </p:ext>
     </p:extLst>
   </p:cSld>
@@ -8620,8 +8793,8 @@
         </p:blipFill>
         <p:spPr>
           <a:xfrm>
-            <a:off x="2680931" y="1016001"/>
-            <a:ext cx="5717907" cy="2673956"/>
+            <a:off x="2267219" y="1103860"/>
+            <a:ext cx="6530109" cy="2806014"/>
           </a:xfrm>
           <a:prstGeom prst="rect">
             <a:avLst/>
@@ -8664,8 +8837,8 @@
         </p:blipFill>
         <p:spPr>
           <a:xfrm>
-            <a:off x="2680931" y="3901069"/>
-            <a:ext cx="5717907" cy="2739876"/>
+            <a:off x="2267220" y="4112370"/>
+            <a:ext cx="6545332" cy="2593104"/>
           </a:xfrm>
           <a:prstGeom prst="rect">
             <a:avLst/>
@@ -8689,7 +8862,7 @@
     </p:spTree>
     <p:extLst>
       <p:ext uri="{BB962C8B-B14F-4D97-AF65-F5344CB8AC3E}">
-        <p14:creationId xmlns:p14="http://schemas.microsoft.com/office/powerpoint/2010/main" val="707336617"/>
+        <p14:creationId xmlns:p14="http://schemas.microsoft.com/office/powerpoint/2010/main" val="2399702132"/>
       </p:ext>
     </p:extLst>
   </p:cSld>
@@ -8805,8 +8978,8 @@
         </p:blipFill>
         <p:spPr>
           <a:xfrm>
-            <a:off x="2267219" y="1137913"/>
-            <a:ext cx="7026295" cy="2627278"/>
+            <a:off x="2680931" y="1016001"/>
+            <a:ext cx="5717907" cy="2673956"/>
           </a:xfrm>
           <a:prstGeom prst="rect">
             <a:avLst/>
@@ -8849,8 +9022,8 @@
         </p:blipFill>
         <p:spPr>
           <a:xfrm>
-            <a:off x="2228118" y="4112702"/>
-            <a:ext cx="7104496" cy="2569807"/>
+            <a:off x="2680931" y="3901069"/>
+            <a:ext cx="5717907" cy="2739876"/>
           </a:xfrm>
           <a:prstGeom prst="rect">
             <a:avLst/>
@@ -8874,7 +9047,7 @@
     </p:spTree>
     <p:extLst>
       <p:ext uri="{BB962C8B-B14F-4D97-AF65-F5344CB8AC3E}">
-        <p14:creationId xmlns:p14="http://schemas.microsoft.com/office/powerpoint/2010/main" val="49470548"/>
+        <p14:creationId xmlns:p14="http://schemas.microsoft.com/office/powerpoint/2010/main" val="707336617"/>
       </p:ext>
     </p:extLst>
   </p:cSld>
@@ -8970,7 +9143,7 @@
       </p:pic>
       <p:pic>
         <p:nvPicPr>
-          <p:cNvPr id="3" name="Picture 2"/>
+          <p:cNvPr id="2" name="Picture 1"/>
           <p:cNvPicPr>
             <a:picLocks noChangeAspect="1"/>
           </p:cNvPicPr>
@@ -8990,8 +9163,8 @@
         </p:blipFill>
         <p:spPr>
           <a:xfrm>
-            <a:off x="2535655" y="1036312"/>
-            <a:ext cx="6479036" cy="2732123"/>
+            <a:off x="2267219" y="1137913"/>
+            <a:ext cx="7026295" cy="2627278"/>
           </a:xfrm>
           <a:prstGeom prst="rect">
             <a:avLst/>
@@ -9014,7 +9187,7 @@
       </p:pic>
       <p:pic>
         <p:nvPicPr>
-          <p:cNvPr id="4" name="Picture 3"/>
+          <p:cNvPr id="3" name="Picture 2"/>
           <p:cNvPicPr>
             <a:picLocks noChangeAspect="1"/>
           </p:cNvPicPr>
@@ -9034,8 +9207,8 @@
         </p:blipFill>
         <p:spPr>
           <a:xfrm>
-            <a:off x="2535655" y="4064762"/>
-            <a:ext cx="6479036" cy="2594656"/>
+            <a:off x="2228118" y="4112702"/>
+            <a:ext cx="7104496" cy="2569807"/>
           </a:xfrm>
           <a:prstGeom prst="rect">
             <a:avLst/>
@@ -9059,7 +9232,7 @@
     </p:spTree>
     <p:extLst>
       <p:ext uri="{BB962C8B-B14F-4D97-AF65-F5344CB8AC3E}">
-        <p14:creationId xmlns:p14="http://schemas.microsoft.com/office/powerpoint/2010/main" val="1960619832"/>
+        <p14:creationId xmlns:p14="http://schemas.microsoft.com/office/powerpoint/2010/main" val="49470548"/>
       </p:ext>
     </p:extLst>
   </p:cSld>
@@ -9155,7 +9328,7 @@
       </p:pic>
       <p:pic>
         <p:nvPicPr>
-          <p:cNvPr id="2" name="Picture 1"/>
+          <p:cNvPr id="3" name="Picture 2"/>
           <p:cNvPicPr>
             <a:picLocks noChangeAspect="1"/>
           </p:cNvPicPr>
@@ -9175,8 +9348,8 @@
         </p:blipFill>
         <p:spPr>
           <a:xfrm>
-            <a:off x="2186398" y="1045799"/>
-            <a:ext cx="6976076" cy="2633339"/>
+            <a:off x="2535655" y="1036312"/>
+            <a:ext cx="6479036" cy="2732123"/>
           </a:xfrm>
           <a:prstGeom prst="rect">
             <a:avLst/>
@@ -9199,7 +9372,7 @@
       </p:pic>
       <p:pic>
         <p:nvPicPr>
-          <p:cNvPr id="3" name="Picture 2"/>
+          <p:cNvPr id="4" name="Picture 3"/>
           <p:cNvPicPr>
             <a:picLocks noChangeAspect="1"/>
           </p:cNvPicPr>
@@ -9219,8 +9392,8 @@
         </p:blipFill>
         <p:spPr>
           <a:xfrm>
-            <a:off x="2186398" y="3795865"/>
-            <a:ext cx="6976076" cy="2688313"/>
+            <a:off x="2535655" y="4064762"/>
+            <a:ext cx="6479036" cy="2594656"/>
           </a:xfrm>
           <a:prstGeom prst="rect">
             <a:avLst/>
@@ -9244,7 +9417,7 @@
     </p:spTree>
     <p:extLst>
       <p:ext uri="{BB962C8B-B14F-4D97-AF65-F5344CB8AC3E}">
-        <p14:creationId xmlns:p14="http://schemas.microsoft.com/office/powerpoint/2010/main" val="2898717642"/>
+        <p14:creationId xmlns:p14="http://schemas.microsoft.com/office/powerpoint/2010/main" val="1960619832"/>
       </p:ext>
     </p:extLst>
   </p:cSld>
@@ -9394,11 +9567,11 @@
   <p:clrMapOvr>
     <a:masterClrMapping/>
   </p:clrMapOvr>
-  <mc:AlternateContent xmlns:mc="http://schemas.openxmlformats.org/markup-compatibility/2006">
-    <mc:Choice xmlns:p14="http://schemas.microsoft.com/office/powerpoint/2010/main" Requires="p14">
+  <mc:AlternateContent xmlns:mc="http://schemas.openxmlformats.org/markup-compatibility/2006" xmlns:p14="http://schemas.microsoft.com/office/powerpoint/2010/main">
+    <mc:Choice Requires="p14">
       <p:transition p14:dur="10"/>
     </mc:Choice>
-    <mc:Fallback>
+    <mc:Fallback xmlns="">
       <p:transition/>
     </mc:Fallback>
   </mc:AlternateContent>
@@ -9542,6 +9715,191 @@
   <p:cSld>
     <p:spTree>
       <p:nvGrpSpPr>
+        <p:cNvPr id="1" name="Shape 69"/>
+        <p:cNvGrpSpPr/>
+        <p:nvPr/>
+      </p:nvGrpSpPr>
+      <p:grpSpPr>
+        <a:xfrm>
+          <a:off x="0" y="0"/>
+          <a:ext cx="0" cy="0"/>
+          <a:chOff x="0" y="0"/>
+          <a:chExt cx="0" cy="0"/>
+        </a:xfrm>
+      </p:grpSpPr>
+      <p:pic>
+        <p:nvPicPr>
+          <p:cNvPr id="5" name="Picture 4"/>
+          <p:cNvPicPr>
+            <a:picLocks noChangeAspect="1"/>
+          </p:cNvPicPr>
+          <p:nvPr/>
+        </p:nvPicPr>
+        <p:blipFill>
+          <a:blip r:embed="rId3">
+            <a:extLst>
+              <a:ext uri="{28A0092B-C50C-407E-A947-70E740481C1C}">
+                <a14:useLocalDpi xmlns:a14="http://schemas.microsoft.com/office/drawing/2010/main" val="0"/>
+              </a:ext>
+            </a:extLst>
+          </a:blip>
+          <a:stretch>
+            <a:fillRect/>
+          </a:stretch>
+        </p:blipFill>
+        <p:spPr>
+          <a:xfrm>
+            <a:off x="23697" y="113696"/>
+            <a:ext cx="2243522" cy="1024217"/>
+          </a:xfrm>
+          <a:prstGeom prst="rect">
+            <a:avLst/>
+          </a:prstGeom>
+        </p:spPr>
+      </p:pic>
+      <p:pic>
+        <p:nvPicPr>
+          <p:cNvPr id="6" name="Picture 5"/>
+          <p:cNvPicPr>
+            <a:picLocks noChangeAspect="1"/>
+          </p:cNvPicPr>
+          <p:nvPr/>
+        </p:nvPicPr>
+        <p:blipFill>
+          <a:blip r:embed="rId4">
+            <a:extLst>
+              <a:ext uri="{28A0092B-C50C-407E-A947-70E740481C1C}">
+                <a14:useLocalDpi xmlns:a14="http://schemas.microsoft.com/office/drawing/2010/main" val="0"/>
+              </a:ext>
+            </a:extLst>
+          </a:blip>
+          <a:stretch>
+            <a:fillRect/>
+          </a:stretch>
+        </p:blipFill>
+        <p:spPr>
+          <a:xfrm>
+            <a:off x="8812551" y="276743"/>
+            <a:ext cx="2688569" cy="652329"/>
+          </a:xfrm>
+          <a:prstGeom prst="rect">
+            <a:avLst/>
+          </a:prstGeom>
+        </p:spPr>
+      </p:pic>
+      <p:pic>
+        <p:nvPicPr>
+          <p:cNvPr id="2" name="Picture 1"/>
+          <p:cNvPicPr>
+            <a:picLocks noChangeAspect="1"/>
+          </p:cNvPicPr>
+          <p:nvPr/>
+        </p:nvPicPr>
+        <p:blipFill>
+          <a:blip r:embed="rId5" cstate="print">
+            <a:extLst>
+              <a:ext uri="{28A0092B-C50C-407E-A947-70E740481C1C}">
+                <a14:useLocalDpi xmlns:a14="http://schemas.microsoft.com/office/drawing/2010/main" val="0"/>
+              </a:ext>
+            </a:extLst>
+          </a:blip>
+          <a:stretch>
+            <a:fillRect/>
+          </a:stretch>
+        </p:blipFill>
+        <p:spPr>
+          <a:xfrm>
+            <a:off x="2186398" y="1045799"/>
+            <a:ext cx="6976076" cy="2633339"/>
+          </a:xfrm>
+          <a:prstGeom prst="rect">
+            <a:avLst/>
+          </a:prstGeom>
+          <a:ln w="38100" cap="sq">
+            <a:solidFill>
+              <a:srgbClr val="000000"/>
+            </a:solidFill>
+            <a:prstDash val="solid"/>
+            <a:miter lim="800000"/>
+          </a:ln>
+          <a:effectLst>
+            <a:outerShdw blurRad="50800" dist="38100" dir="2700000" algn="tl" rotWithShape="0">
+              <a:srgbClr val="000000">
+                <a:alpha val="43000"/>
+              </a:srgbClr>
+            </a:outerShdw>
+          </a:effectLst>
+        </p:spPr>
+      </p:pic>
+      <p:pic>
+        <p:nvPicPr>
+          <p:cNvPr id="3" name="Picture 2"/>
+          <p:cNvPicPr>
+            <a:picLocks noChangeAspect="1"/>
+          </p:cNvPicPr>
+          <p:nvPr/>
+        </p:nvPicPr>
+        <p:blipFill>
+          <a:blip r:embed="rId6" cstate="print">
+            <a:extLst>
+              <a:ext uri="{28A0092B-C50C-407E-A947-70E740481C1C}">
+                <a14:useLocalDpi xmlns:a14="http://schemas.microsoft.com/office/drawing/2010/main" val="0"/>
+              </a:ext>
+            </a:extLst>
+          </a:blip>
+          <a:stretch>
+            <a:fillRect/>
+          </a:stretch>
+        </p:blipFill>
+        <p:spPr>
+          <a:xfrm>
+            <a:off x="2186398" y="3795865"/>
+            <a:ext cx="6976076" cy="2688313"/>
+          </a:xfrm>
+          <a:prstGeom prst="rect">
+            <a:avLst/>
+          </a:prstGeom>
+          <a:ln w="38100" cap="sq">
+            <a:solidFill>
+              <a:srgbClr val="000000"/>
+            </a:solidFill>
+            <a:prstDash val="solid"/>
+            <a:miter lim="800000"/>
+          </a:ln>
+          <a:effectLst>
+            <a:outerShdw blurRad="50800" dist="38100" dir="2700000" algn="tl" rotWithShape="0">
+              <a:srgbClr val="000000">
+                <a:alpha val="43000"/>
+              </a:srgbClr>
+            </a:outerShdw>
+          </a:effectLst>
+        </p:spPr>
+      </p:pic>
+    </p:spTree>
+    <p:extLst>
+      <p:ext uri="{BB962C8B-B14F-4D97-AF65-F5344CB8AC3E}">
+        <p14:creationId xmlns:p14="http://schemas.microsoft.com/office/powerpoint/2010/main" val="2898717642"/>
+      </p:ext>
+    </p:extLst>
+  </p:cSld>
+  <p:clrMapOvr>
+    <a:masterClrMapping/>
+  </p:clrMapOvr>
+  <p:timing>
+    <p:tnLst>
+      <p:par>
+        <p:cTn id="1" dur="indefinite" restart="never" nodeType="tmRoot"/>
+      </p:par>
+    </p:tnLst>
+  </p:timing>
+</p:sld>
+</file>
+
+<file path=ppt/slides/slide21.xml><?xml version="1.0" encoding="utf-8"?>
+<p:sld xmlns:a="http://schemas.openxmlformats.org/drawingml/2006/main" xmlns:r="http://schemas.openxmlformats.org/officeDocument/2006/relationships" xmlns:p="http://schemas.openxmlformats.org/presentationml/2006/main">
+  <p:cSld>
+    <p:spTree>
+      <p:nvGrpSpPr>
         <p:cNvPr id="1" name=""/>
         <p:cNvGrpSpPr/>
         <p:nvPr/>
@@ -9734,11 +10092,7 @@
             </a:pPr>
             <a:r>
               <a:rPr lang="en-US" sz="2400" dirty="0" smtClean="0"/>
-              <a:t> A </a:t>
-            </a:r>
-            <a:r>
-              <a:rPr lang="en-US" sz="2400" dirty="0" smtClean="0"/>
-              <a:t> Portal for </a:t>
+              <a:t> A  Portal for </a:t>
             </a:r>
             <a:r>
               <a:rPr lang="en-US" sz="2400" dirty="0"/>
@@ -9784,17 +10138,8 @@
             </a:pPr>
             <a:r>
               <a:rPr lang="en-US" sz="2400" dirty="0" smtClean="0"/>
-              <a:t>Purpose</a:t>
-            </a:r>
-            <a:r>
-              <a:rPr lang="en-US" sz="2400" dirty="0" smtClean="0"/>
-              <a:t> to imple</a:t>
-            </a:r>
-            <a:r>
-              <a:rPr lang="en-US" sz="2400" dirty="0" smtClean="0"/>
-              <a:t>ment Online challan is to minimize the  effort and load of both the Police and Users in doing the operations.</a:t>
-            </a:r>
-            <a:endParaRPr lang="en-US" sz="2400" dirty="0" smtClean="0"/>
+              <a:t>Purpose to implement Online challan is to minimize the  effort and load of both the Police and Users in doing the operations.</a:t>
+            </a:r>
           </a:p>
           <a:p>
             <a:pPr marL="342900" indent="-342900">
@@ -9810,15 +10155,7 @@
             </a:pPr>
             <a:r>
               <a:rPr lang="en-US" sz="2400" dirty="0" smtClean="0"/>
-              <a:t> </a:t>
-            </a:r>
-            <a:r>
-              <a:rPr lang="en-US" sz="2400" dirty="0" smtClean="0"/>
-              <a:t>For that we </a:t>
-            </a:r>
-            <a:r>
-              <a:rPr lang="en-US" sz="2400" dirty="0" smtClean="0"/>
-              <a:t>have </a:t>
+              <a:t> For that we have </a:t>
             </a:r>
             <a:r>
               <a:rPr lang="en-US" sz="2400" dirty="0"/>
@@ -9834,11 +10171,7 @@
             </a:r>
             <a:r>
               <a:rPr lang="en-US" sz="2400" dirty="0" smtClean="0"/>
-              <a:t>Login for</a:t>
-            </a:r>
-            <a:r>
-              <a:rPr lang="en-US" sz="2400" dirty="0" smtClean="0"/>
-              <a:t> Traffic </a:t>
+              <a:t>Login for Traffic </a:t>
             </a:r>
             <a:r>
               <a:rPr lang="en-US" sz="2400" dirty="0"/>
@@ -9884,11 +10217,7 @@
             </a:r>
             <a:r>
               <a:rPr lang="en-US" sz="2400" dirty="0" smtClean="0"/>
-              <a:t>roof</a:t>
-            </a:r>
-            <a:r>
-              <a:rPr lang="en-US" sz="2400" dirty="0" smtClean="0"/>
-              <a:t>.</a:t>
+              <a:t>roof.</a:t>
             </a:r>
           </a:p>
           <a:p>
@@ -10080,11 +10409,11 @@
   <p:clrMapOvr>
     <a:masterClrMapping/>
   </p:clrMapOvr>
-  <mc:AlternateContent xmlns:mc="http://schemas.openxmlformats.org/markup-compatibility/2006">
-    <mc:Choice xmlns:p14="http://schemas.microsoft.com/office/powerpoint/2010/main" Requires="p14">
+  <mc:AlternateContent xmlns:mc="http://schemas.openxmlformats.org/markup-compatibility/2006" xmlns:p14="http://schemas.microsoft.com/office/powerpoint/2010/main">
+    <mc:Choice Requires="p14">
       <p:transition p14:dur="0"/>
     </mc:Choice>
-    <mc:Fallback>
+    <mc:Fallback xmlns="">
       <p:transition/>
     </mc:Fallback>
   </mc:AlternateContent>
@@ -10323,25 +10652,8 @@
             </a:pPr>
             <a:r>
               <a:rPr lang="en-US" sz="2400" dirty="0" smtClean="0"/>
-              <a:t>Analysis of the </a:t>
-            </a:r>
-            <a:r>
-              <a:rPr lang="en-US" sz="2400" dirty="0" smtClean="0"/>
-              <a:t>R</a:t>
-            </a:r>
-            <a:r>
-              <a:rPr lang="en-US" sz="2400" dirty="0" smtClean="0"/>
-              <a:t>equirements </a:t>
-            </a:r>
-            <a:r>
-              <a:rPr lang="en-US" sz="2400" dirty="0" smtClean="0"/>
-              <a:t>needed in </a:t>
-            </a:r>
-            <a:r>
-              <a:rPr lang="en-US" sz="2400" dirty="0" smtClean="0"/>
-              <a:t>Design and Data Flow.</a:t>
-            </a:r>
-            <a:endParaRPr lang="en-US" sz="2400" dirty="0" smtClean="0"/>
+              <a:t>Analysis of the Requirements needed in Design and Data Flow.</a:t>
+            </a:r>
           </a:p>
           <a:p>
             <a:pPr marL="342900" indent="-342900">
@@ -10357,11 +10669,7 @@
             </a:pPr>
             <a:r>
               <a:rPr lang="en-US" sz="2400" dirty="0" smtClean="0"/>
-              <a:t>Designed ER  </a:t>
-            </a:r>
-            <a:r>
-              <a:rPr lang="en-US" sz="2400" dirty="0" smtClean="0"/>
-              <a:t>diagram and Database, Angular </a:t>
+              <a:t>Designed ER  diagram and Database, Angular </a:t>
             </a:r>
             <a:r>
               <a:rPr lang="en-US" sz="2400" dirty="0"/>
@@ -10369,19 +10677,7 @@
             </a:r>
             <a:r>
               <a:rPr lang="en-US" sz="2400" dirty="0" smtClean="0"/>
-              <a:t>ndpoints </a:t>
-            </a:r>
-            <a:r>
-              <a:rPr lang="en-US" sz="2400" dirty="0" smtClean="0"/>
-              <a:t>and flow chart  of </a:t>
-            </a:r>
-            <a:r>
-              <a:rPr lang="en-US" sz="2400" dirty="0" smtClean="0"/>
-              <a:t>Portal</a:t>
-            </a:r>
-            <a:r>
-              <a:rPr lang="en-US" sz="2400" dirty="0" smtClean="0"/>
-              <a:t>.</a:t>
+              <a:t>ndpoints and flow chart  of Portal.</a:t>
             </a:r>
           </a:p>
           <a:p>
@@ -10400,7 +10696,6 @@
               <a:rPr lang="en-US" sz="2400" dirty="0" smtClean="0"/>
               <a:t>Generated Three Main Components </a:t>
             </a:r>
-            <a:endParaRPr lang="en-US" sz="2400" dirty="0" smtClean="0"/>
           </a:p>
           <a:p>
             <a:pPr>
@@ -10424,13 +10719,8 @@
             </a:r>
             <a:r>
               <a:rPr lang="en-US" sz="2000" dirty="0" smtClean="0"/>
-              <a:t>  </a:t>
-            </a:r>
-            <a:r>
-              <a:rPr lang="en-US" sz="2000" dirty="0" smtClean="0"/>
-              <a:t>Welcome Page</a:t>
-            </a:r>
-            <a:endParaRPr lang="en-US" sz="2000" dirty="0" smtClean="0"/>
+              <a:t>  Welcome Page</a:t>
+            </a:r>
           </a:p>
           <a:p>
             <a:pPr marL="800100" lvl="1" indent="-342900">
@@ -10446,15 +10736,7 @@
             </a:r>
             <a:r>
               <a:rPr lang="en-US" sz="2000" dirty="0" smtClean="0"/>
-              <a:t>   </a:t>
-            </a:r>
-            <a:r>
-              <a:rPr lang="en-US" sz="2000" dirty="0" smtClean="0"/>
-              <a:t>Police </a:t>
-            </a:r>
-            <a:r>
-              <a:rPr lang="en-US" sz="2000" dirty="0" smtClean="0"/>
-              <a:t>Homepage</a:t>
+              <a:t>   Police Homepage</a:t>
             </a:r>
           </a:p>
           <a:p>
@@ -10471,15 +10753,7 @@
             </a:r>
             <a:r>
               <a:rPr lang="en-US" sz="2000" dirty="0" smtClean="0"/>
-              <a:t>   </a:t>
-            </a:r>
-            <a:r>
-              <a:rPr lang="en-US" sz="2000" dirty="0" smtClean="0"/>
-              <a:t>Vehicle </a:t>
-            </a:r>
-            <a:r>
-              <a:rPr lang="en-US" sz="2000" dirty="0" smtClean="0"/>
-              <a:t>owner page</a:t>
+              <a:t>   Vehicle owner page</a:t>
             </a:r>
           </a:p>
           <a:p>
@@ -10625,222 +10899,40 @@
           </a:prstGeom>
         </p:spPr>
       </p:pic>
-      <p:sp>
-        <p:nvSpPr>
-          <p:cNvPr id="7" name="TextBox 6"/>
-          <p:cNvSpPr txBox="1"/>
+      <p:pic>
+        <p:nvPicPr>
+          <p:cNvPr id="2" name="Picture 1"/>
+          <p:cNvPicPr>
+            <a:picLocks noChangeAspect="1"/>
+          </p:cNvPicPr>
           <p:nvPr/>
-        </p:nvSpPr>
-        <p:spPr>
-          <a:xfrm>
-            <a:off x="2448782" y="762817"/>
-            <a:ext cx="8095981" cy="7663636"/>
+        </p:nvPicPr>
+        <p:blipFill>
+          <a:blip r:embed="rId5">
+            <a:extLst>
+              <a:ext uri="{28A0092B-C50C-407E-A947-70E740481C1C}">
+                <a14:useLocalDpi xmlns:a14="http://schemas.microsoft.com/office/drawing/2010/main" val="0"/>
+              </a:ext>
+            </a:extLst>
+          </a:blip>
+          <a:stretch>
+            <a:fillRect/>
+          </a:stretch>
+        </p:blipFill>
+        <p:spPr>
+          <a:xfrm>
+            <a:off x="2017387" y="1400055"/>
+            <a:ext cx="7048862" cy="4667490"/>
           </a:xfrm>
           <a:prstGeom prst="rect">
             <a:avLst/>
           </a:prstGeom>
-          <a:noFill/>
-        </p:spPr>
-        <p:txBody>
-          <a:bodyPr wrap="square" rtlCol="0">
-            <a:spAutoFit/>
-          </a:bodyPr>
-          <a:lstStyle/>
-          <a:p>
-            <a:pPr marL="514350" indent="-514350">
-              <a:buAutoNum type="arabicPeriod"/>
-            </a:pPr>
-            <a:r>
-              <a:rPr lang="en-US" sz="2800" b="1" dirty="0" smtClean="0"/>
-              <a:t>Welcome Component</a:t>
-            </a:r>
-          </a:p>
-          <a:p>
-            <a:pPr marL="971550" lvl="1" indent="-514350">
-              <a:buFont typeface="Wingdings" panose="05000000000000000000" pitchFamily="2" charset="2"/>
-              <a:buChar char="§"/>
-            </a:pPr>
-            <a:r>
-              <a:rPr lang="en-US" sz="2400" dirty="0" smtClean="0"/>
-              <a:t>Police log in</a:t>
-            </a:r>
-          </a:p>
-          <a:p>
-            <a:pPr marL="971550" lvl="1" indent="-514350">
-              <a:buFont typeface="Wingdings" panose="05000000000000000000" pitchFamily="2" charset="2"/>
-              <a:buChar char="§"/>
-            </a:pPr>
-            <a:r>
-              <a:rPr lang="en-US" sz="2400" dirty="0" smtClean="0"/>
-              <a:t>Vehicle owner log in</a:t>
-            </a:r>
-          </a:p>
-          <a:p>
-            <a:endParaRPr lang="en-US" dirty="0" smtClean="0"/>
-          </a:p>
-          <a:p>
-            <a:r>
-              <a:rPr lang="en-US" sz="2800" b="1" dirty="0" smtClean="0"/>
-              <a:t>2. Police Home Page</a:t>
-            </a:r>
-          </a:p>
-          <a:p>
-            <a:pPr marL="971550" lvl="1" indent="-514350">
-              <a:buFont typeface="Wingdings" panose="05000000000000000000" pitchFamily="2" charset="2"/>
-              <a:buChar char="§"/>
-            </a:pPr>
-            <a:r>
-              <a:rPr lang="en-US" sz="2400" dirty="0" smtClean="0"/>
-              <a:t>View Issued Challan</a:t>
-            </a:r>
-          </a:p>
-          <a:p>
-            <a:pPr marL="971550" lvl="1" indent="-514350">
-              <a:buFont typeface="Wingdings" panose="05000000000000000000" pitchFamily="2" charset="2"/>
-              <a:buChar char="§"/>
-            </a:pPr>
-            <a:r>
-              <a:rPr lang="en-US" sz="2400" dirty="0" smtClean="0"/>
-              <a:t>View Disputed Challan</a:t>
-            </a:r>
-          </a:p>
-          <a:p>
-            <a:pPr marL="971550" lvl="1" indent="-514350">
-              <a:buFont typeface="Wingdings" panose="05000000000000000000" pitchFamily="2" charset="2"/>
-              <a:buChar char="§"/>
-            </a:pPr>
-            <a:r>
-              <a:rPr lang="en-US" sz="2400" dirty="0" smtClean="0"/>
-              <a:t>View Paid Challan</a:t>
-            </a:r>
-          </a:p>
-          <a:p>
-            <a:pPr marL="971550" lvl="1" indent="-514350">
-              <a:buFont typeface="Wingdings" panose="05000000000000000000" pitchFamily="2" charset="2"/>
-              <a:buChar char="§"/>
-            </a:pPr>
-            <a:r>
-              <a:rPr lang="en-US" sz="2400" dirty="0" smtClean="0"/>
-              <a:t>View Violation Report</a:t>
-            </a:r>
-          </a:p>
-          <a:p>
-            <a:pPr marL="971550" lvl="1" indent="-514350">
-              <a:buFont typeface="Wingdings" panose="05000000000000000000" pitchFamily="2" charset="2"/>
-              <a:buChar char="§"/>
-            </a:pPr>
-            <a:r>
-              <a:rPr lang="en-US" sz="2400" dirty="0" smtClean="0"/>
-              <a:t>Generate New Challan</a:t>
-            </a:r>
-          </a:p>
-          <a:p>
-            <a:pPr marL="971550" lvl="1" indent="-514350">
-              <a:buFont typeface="Wingdings" panose="05000000000000000000" pitchFamily="2" charset="2"/>
-              <a:buChar char="§"/>
-            </a:pPr>
-            <a:endParaRPr lang="en-US" sz="2400" dirty="0" smtClean="0"/>
-          </a:p>
-          <a:p>
-            <a:r>
-              <a:rPr lang="en-US" sz="2800" b="1" dirty="0"/>
-              <a:t>3. Vehicle Log </a:t>
-            </a:r>
-            <a:r>
-              <a:rPr lang="en-US" sz="2800" b="1" dirty="0" smtClean="0"/>
-              <a:t>in</a:t>
-            </a:r>
-            <a:endParaRPr lang="en-US" b="1" dirty="0"/>
-          </a:p>
-          <a:p>
-            <a:pPr marL="971550" lvl="1" indent="-514350">
-              <a:buFont typeface="Wingdings" panose="05000000000000000000" pitchFamily="2" charset="2"/>
-              <a:buChar char="§"/>
-            </a:pPr>
-            <a:r>
-              <a:rPr lang="en-US" sz="2400" dirty="0"/>
-              <a:t>View </a:t>
-            </a:r>
-            <a:r>
-              <a:rPr lang="en-US" sz="2400" dirty="0" smtClean="0"/>
-              <a:t>challans</a:t>
-            </a:r>
-            <a:endParaRPr lang="en-US" dirty="0"/>
-          </a:p>
-          <a:p>
-            <a:pPr marL="1371600" lvl="2" indent="-457200">
-              <a:buFont typeface="Wingdings" panose="05000000000000000000" pitchFamily="2" charset="2"/>
-              <a:buChar char="§"/>
-            </a:pPr>
-            <a:r>
-              <a:rPr lang="en-US" dirty="0"/>
-              <a:t>Raise a </a:t>
-            </a:r>
-            <a:r>
-              <a:rPr lang="en-US" dirty="0" smtClean="0"/>
-              <a:t>dispute</a:t>
-            </a:r>
-            <a:endParaRPr lang="en-US" dirty="0"/>
-          </a:p>
-          <a:p>
-            <a:pPr marL="1371600" lvl="2" indent="-457200">
-              <a:buFont typeface="Wingdings" panose="05000000000000000000" pitchFamily="2" charset="2"/>
-              <a:buChar char="§"/>
-            </a:pPr>
-            <a:r>
-              <a:rPr lang="en-US" dirty="0"/>
-              <a:t>To </a:t>
-            </a:r>
-            <a:r>
-              <a:rPr lang="en-US" dirty="0" smtClean="0"/>
-              <a:t>Pay</a:t>
-            </a:r>
-            <a:endParaRPr lang="en-US" dirty="0" smtClean="0"/>
-          </a:p>
-          <a:p>
-            <a:pPr marL="742950" lvl="1" indent="-285750">
-              <a:buFont typeface="Wingdings" panose="05000000000000000000" pitchFamily="2" charset="2"/>
-              <a:buChar char="§"/>
-            </a:pPr>
-            <a:r>
-              <a:rPr lang="en-US" b="1" dirty="0" smtClean="0"/>
-              <a:t>   </a:t>
-            </a:r>
-            <a:r>
-              <a:rPr lang="en-US" b="1" dirty="0" smtClean="0"/>
-              <a:t>Guidelines</a:t>
-            </a:r>
-            <a:endParaRPr lang="en-US" b="1" dirty="0"/>
-          </a:p>
-          <a:p>
-            <a:pPr marL="514350" indent="-514350">
-              <a:buAutoNum type="alphaLcPeriod"/>
-            </a:pPr>
-            <a:endParaRPr lang="en-US" dirty="0"/>
-          </a:p>
-          <a:p>
-            <a:pPr lvl="1"/>
-            <a:endParaRPr lang="en-US" sz="2400" dirty="0" smtClean="0"/>
-          </a:p>
-          <a:p>
-            <a:pPr lvl="1"/>
-            <a:endParaRPr lang="en-US" sz="2400" dirty="0" smtClean="0"/>
-          </a:p>
-          <a:p>
-            <a:pPr marL="514350" indent="-514350">
-              <a:buAutoNum type="alphaLcPeriod"/>
-            </a:pPr>
-            <a:endParaRPr lang="en-US" dirty="0" smtClean="0"/>
-          </a:p>
-          <a:p>
-            <a:endParaRPr lang="en-US" dirty="0"/>
-          </a:p>
-        </p:txBody>
-      </p:sp>
+        </p:spPr>
+      </p:pic>
     </p:spTree>
     <p:extLst>
       <p:ext uri="{BB962C8B-B14F-4D97-AF65-F5344CB8AC3E}">
-        <p14:creationId xmlns:p14="http://schemas.microsoft.com/office/powerpoint/2010/main" val="2532784210"/>
+        <p14:creationId xmlns:p14="http://schemas.microsoft.com/office/powerpoint/2010/main" val="2267890543"/>
       </p:ext>
     </p:extLst>
   </p:cSld>
@@ -10926,6 +11018,310 @@
         </p:blipFill>
         <p:spPr>
           <a:xfrm>
+            <a:off x="8812551" y="276743"/>
+            <a:ext cx="2688569" cy="652329"/>
+          </a:xfrm>
+          <a:prstGeom prst="rect">
+            <a:avLst/>
+          </a:prstGeom>
+        </p:spPr>
+      </p:pic>
+      <p:sp>
+        <p:nvSpPr>
+          <p:cNvPr id="7" name="TextBox 6"/>
+          <p:cNvSpPr txBox="1"/>
+          <p:nvPr/>
+        </p:nvSpPr>
+        <p:spPr>
+          <a:xfrm>
+            <a:off x="2448782" y="762817"/>
+            <a:ext cx="8095981" cy="7663636"/>
+          </a:xfrm>
+          <a:prstGeom prst="rect">
+            <a:avLst/>
+          </a:prstGeom>
+          <a:noFill/>
+        </p:spPr>
+        <p:txBody>
+          <a:bodyPr wrap="square" rtlCol="0">
+            <a:spAutoFit/>
+          </a:bodyPr>
+          <a:lstStyle/>
+          <a:p>
+            <a:pPr marL="514350" indent="-514350">
+              <a:buAutoNum type="arabicPeriod"/>
+            </a:pPr>
+            <a:r>
+              <a:rPr lang="en-US" sz="2800" b="1" dirty="0" smtClean="0"/>
+              <a:t>Welcome Component</a:t>
+            </a:r>
+          </a:p>
+          <a:p>
+            <a:pPr marL="971550" lvl="1" indent="-514350">
+              <a:buFont typeface="Wingdings" panose="05000000000000000000" pitchFamily="2" charset="2"/>
+              <a:buChar char="§"/>
+            </a:pPr>
+            <a:r>
+              <a:rPr lang="en-US" sz="2400" dirty="0" smtClean="0"/>
+              <a:t>Police log in</a:t>
+            </a:r>
+          </a:p>
+          <a:p>
+            <a:pPr marL="971550" lvl="1" indent="-514350">
+              <a:buFont typeface="Wingdings" panose="05000000000000000000" pitchFamily="2" charset="2"/>
+              <a:buChar char="§"/>
+            </a:pPr>
+            <a:r>
+              <a:rPr lang="en-US" sz="2400" dirty="0" smtClean="0"/>
+              <a:t>Vehicle owner log in</a:t>
+            </a:r>
+          </a:p>
+          <a:p>
+            <a:endParaRPr lang="en-US" dirty="0" smtClean="0"/>
+          </a:p>
+          <a:p>
+            <a:r>
+              <a:rPr lang="en-US" sz="2800" b="1" dirty="0" smtClean="0"/>
+              <a:t>2. Police Home Page</a:t>
+            </a:r>
+          </a:p>
+          <a:p>
+            <a:pPr marL="971550" lvl="1" indent="-514350">
+              <a:buFont typeface="Wingdings" panose="05000000000000000000" pitchFamily="2" charset="2"/>
+              <a:buChar char="§"/>
+            </a:pPr>
+            <a:r>
+              <a:rPr lang="en-US" sz="2400" dirty="0" smtClean="0"/>
+              <a:t>View Issued Challan</a:t>
+            </a:r>
+          </a:p>
+          <a:p>
+            <a:pPr marL="971550" lvl="1" indent="-514350">
+              <a:buFont typeface="Wingdings" panose="05000000000000000000" pitchFamily="2" charset="2"/>
+              <a:buChar char="§"/>
+            </a:pPr>
+            <a:r>
+              <a:rPr lang="en-US" sz="2400" dirty="0" smtClean="0"/>
+              <a:t>View Disputed Challan</a:t>
+            </a:r>
+          </a:p>
+          <a:p>
+            <a:pPr marL="971550" lvl="1" indent="-514350">
+              <a:buFont typeface="Wingdings" panose="05000000000000000000" pitchFamily="2" charset="2"/>
+              <a:buChar char="§"/>
+            </a:pPr>
+            <a:r>
+              <a:rPr lang="en-US" sz="2400" dirty="0" smtClean="0"/>
+              <a:t>View Paid Challan</a:t>
+            </a:r>
+          </a:p>
+          <a:p>
+            <a:pPr marL="971550" lvl="1" indent="-514350">
+              <a:buFont typeface="Wingdings" panose="05000000000000000000" pitchFamily="2" charset="2"/>
+              <a:buChar char="§"/>
+            </a:pPr>
+            <a:r>
+              <a:rPr lang="en-US" sz="2400" dirty="0" smtClean="0"/>
+              <a:t>View Violation Report</a:t>
+            </a:r>
+          </a:p>
+          <a:p>
+            <a:pPr marL="971550" lvl="1" indent="-514350">
+              <a:buFont typeface="Wingdings" panose="05000000000000000000" pitchFamily="2" charset="2"/>
+              <a:buChar char="§"/>
+            </a:pPr>
+            <a:r>
+              <a:rPr lang="en-US" sz="2400" dirty="0" smtClean="0"/>
+              <a:t>Generate New Challan</a:t>
+            </a:r>
+          </a:p>
+          <a:p>
+            <a:pPr marL="971550" lvl="1" indent="-514350">
+              <a:buFont typeface="Wingdings" panose="05000000000000000000" pitchFamily="2" charset="2"/>
+              <a:buChar char="§"/>
+            </a:pPr>
+            <a:endParaRPr lang="en-US" sz="2400" dirty="0" smtClean="0"/>
+          </a:p>
+          <a:p>
+            <a:r>
+              <a:rPr lang="en-US" sz="2800" b="1" dirty="0"/>
+              <a:t>3. Vehicle Log </a:t>
+            </a:r>
+            <a:r>
+              <a:rPr lang="en-US" sz="2800" b="1" dirty="0" smtClean="0"/>
+              <a:t>in</a:t>
+            </a:r>
+            <a:endParaRPr lang="en-US" b="1" dirty="0"/>
+          </a:p>
+          <a:p>
+            <a:pPr marL="971550" lvl="1" indent="-514350">
+              <a:buFont typeface="Wingdings" panose="05000000000000000000" pitchFamily="2" charset="2"/>
+              <a:buChar char="§"/>
+            </a:pPr>
+            <a:r>
+              <a:rPr lang="en-US" sz="2400" dirty="0"/>
+              <a:t>View </a:t>
+            </a:r>
+            <a:r>
+              <a:rPr lang="en-US" sz="2400" dirty="0" smtClean="0"/>
+              <a:t>challans</a:t>
+            </a:r>
+            <a:endParaRPr lang="en-US" dirty="0"/>
+          </a:p>
+          <a:p>
+            <a:pPr marL="1371600" lvl="2" indent="-457200">
+              <a:buFont typeface="Wingdings" panose="05000000000000000000" pitchFamily="2" charset="2"/>
+              <a:buChar char="§"/>
+            </a:pPr>
+            <a:r>
+              <a:rPr lang="en-US" dirty="0"/>
+              <a:t>Raise a </a:t>
+            </a:r>
+            <a:r>
+              <a:rPr lang="en-US" dirty="0" smtClean="0"/>
+              <a:t>dispute</a:t>
+            </a:r>
+            <a:endParaRPr lang="en-US" dirty="0"/>
+          </a:p>
+          <a:p>
+            <a:pPr marL="1371600" lvl="2" indent="-457200">
+              <a:buFont typeface="Wingdings" panose="05000000000000000000" pitchFamily="2" charset="2"/>
+              <a:buChar char="§"/>
+            </a:pPr>
+            <a:r>
+              <a:rPr lang="en-US" dirty="0"/>
+              <a:t>To </a:t>
+            </a:r>
+            <a:r>
+              <a:rPr lang="en-US" dirty="0" smtClean="0"/>
+              <a:t>Pay</a:t>
+            </a:r>
+          </a:p>
+          <a:p>
+            <a:pPr marL="742950" lvl="1" indent="-285750">
+              <a:buFont typeface="Wingdings" panose="05000000000000000000" pitchFamily="2" charset="2"/>
+              <a:buChar char="§"/>
+            </a:pPr>
+            <a:r>
+              <a:rPr lang="en-US" b="1" dirty="0" smtClean="0"/>
+              <a:t>   Guidelines</a:t>
+            </a:r>
+            <a:endParaRPr lang="en-US" b="1" dirty="0"/>
+          </a:p>
+          <a:p>
+            <a:pPr marL="514350" indent="-514350">
+              <a:buAutoNum type="alphaLcPeriod"/>
+            </a:pPr>
+            <a:endParaRPr lang="en-US" dirty="0"/>
+          </a:p>
+          <a:p>
+            <a:pPr lvl="1"/>
+            <a:endParaRPr lang="en-US" sz="2400" dirty="0" smtClean="0"/>
+          </a:p>
+          <a:p>
+            <a:pPr lvl="1"/>
+            <a:endParaRPr lang="en-US" sz="2400" dirty="0" smtClean="0"/>
+          </a:p>
+          <a:p>
+            <a:pPr marL="514350" indent="-514350">
+              <a:buAutoNum type="alphaLcPeriod"/>
+            </a:pPr>
+            <a:endParaRPr lang="en-US" dirty="0" smtClean="0"/>
+          </a:p>
+          <a:p>
+            <a:endParaRPr lang="en-US" dirty="0"/>
+          </a:p>
+        </p:txBody>
+      </p:sp>
+    </p:spTree>
+    <p:extLst>
+      <p:ext uri="{BB962C8B-B14F-4D97-AF65-F5344CB8AC3E}">
+        <p14:creationId xmlns:p14="http://schemas.microsoft.com/office/powerpoint/2010/main" val="2532784210"/>
+      </p:ext>
+    </p:extLst>
+  </p:cSld>
+  <p:clrMapOvr>
+    <a:masterClrMapping/>
+  </p:clrMapOvr>
+  <p:timing>
+    <p:tnLst>
+      <p:par>
+        <p:cTn id="1" dur="indefinite" restart="never" nodeType="tmRoot"/>
+      </p:par>
+    </p:tnLst>
+  </p:timing>
+</p:sld>
+</file>
+
+<file path=ppt/slides/slide8.xml><?xml version="1.0" encoding="utf-8"?>
+<p:sld xmlns:a="http://schemas.openxmlformats.org/drawingml/2006/main" xmlns:r="http://schemas.openxmlformats.org/officeDocument/2006/relationships" xmlns:p="http://schemas.openxmlformats.org/presentationml/2006/main">
+  <p:cSld>
+    <p:spTree>
+      <p:nvGrpSpPr>
+        <p:cNvPr id="1" name="Shape 69"/>
+        <p:cNvGrpSpPr/>
+        <p:nvPr/>
+      </p:nvGrpSpPr>
+      <p:grpSpPr>
+        <a:xfrm>
+          <a:off x="0" y="0"/>
+          <a:ext cx="0" cy="0"/>
+          <a:chOff x="0" y="0"/>
+          <a:chExt cx="0" cy="0"/>
+        </a:xfrm>
+      </p:grpSpPr>
+      <p:pic>
+        <p:nvPicPr>
+          <p:cNvPr id="5" name="Picture 4"/>
+          <p:cNvPicPr>
+            <a:picLocks noChangeAspect="1"/>
+          </p:cNvPicPr>
+          <p:nvPr/>
+        </p:nvPicPr>
+        <p:blipFill>
+          <a:blip r:embed="rId3">
+            <a:extLst>
+              <a:ext uri="{28A0092B-C50C-407E-A947-70E740481C1C}">
+                <a14:useLocalDpi xmlns:a14="http://schemas.microsoft.com/office/drawing/2010/main" val="0"/>
+              </a:ext>
+            </a:extLst>
+          </a:blip>
+          <a:stretch>
+            <a:fillRect/>
+          </a:stretch>
+        </p:blipFill>
+        <p:spPr>
+          <a:xfrm>
+            <a:off x="23697" y="113696"/>
+            <a:ext cx="2243522" cy="1024217"/>
+          </a:xfrm>
+          <a:prstGeom prst="rect">
+            <a:avLst/>
+          </a:prstGeom>
+        </p:spPr>
+      </p:pic>
+      <p:pic>
+        <p:nvPicPr>
+          <p:cNvPr id="6" name="Picture 5"/>
+          <p:cNvPicPr>
+            <a:picLocks noChangeAspect="1"/>
+          </p:cNvPicPr>
+          <p:nvPr/>
+        </p:nvPicPr>
+        <p:blipFill>
+          <a:blip r:embed="rId4">
+            <a:extLst>
+              <a:ext uri="{28A0092B-C50C-407E-A947-70E740481C1C}">
+                <a14:useLocalDpi xmlns:a14="http://schemas.microsoft.com/office/drawing/2010/main" val="0"/>
+              </a:ext>
+            </a:extLst>
+          </a:blip>
+          <a:stretch>
+            <a:fillRect/>
+          </a:stretch>
+        </p:blipFill>
+        <p:spPr>
+          <a:xfrm>
             <a:off x="9200479" y="230561"/>
             <a:ext cx="2688569" cy="652329"/>
           </a:xfrm>
@@ -10997,11 +11393,11 @@
   <p:clrMapOvr>
     <a:masterClrMapping/>
   </p:clrMapOvr>
-  <mc:AlternateContent xmlns:mc="http://schemas.openxmlformats.org/markup-compatibility/2006">
-    <mc:Choice xmlns:p14="http://schemas.microsoft.com/office/powerpoint/2010/main" Requires="p14">
+  <mc:AlternateContent xmlns:mc="http://schemas.openxmlformats.org/markup-compatibility/2006" xmlns:p14="http://schemas.microsoft.com/office/powerpoint/2010/main">
+    <mc:Choice Requires="p14">
       <p:transition p14:dur="0"/>
     </mc:Choice>
-    <mc:Fallback>
+    <mc:Fallback xmlns="">
       <p:transition/>
     </mc:Fallback>
   </mc:AlternateContent>
@@ -11135,239 +11531,6 @@
 </p:sld>
 </file>
 
-<file path=ppt/slides/slide8.xml><?xml version="1.0" encoding="utf-8"?>
-<p:sld xmlns:a="http://schemas.openxmlformats.org/drawingml/2006/main" xmlns:r="http://schemas.openxmlformats.org/officeDocument/2006/relationships" xmlns:p="http://schemas.openxmlformats.org/presentationml/2006/main">
-  <p:cSld>
-    <p:spTree>
-      <p:nvGrpSpPr>
-        <p:cNvPr id="1" name="Shape 69"/>
-        <p:cNvGrpSpPr/>
-        <p:nvPr/>
-      </p:nvGrpSpPr>
-      <p:grpSpPr>
-        <a:xfrm>
-          <a:off x="0" y="0"/>
-          <a:ext cx="0" cy="0"/>
-          <a:chOff x="0" y="0"/>
-          <a:chExt cx="0" cy="0"/>
-        </a:xfrm>
-      </p:grpSpPr>
-      <p:pic>
-        <p:nvPicPr>
-          <p:cNvPr id="5" name="Picture 4"/>
-          <p:cNvPicPr>
-            <a:picLocks noChangeAspect="1"/>
-          </p:cNvPicPr>
-          <p:nvPr/>
-        </p:nvPicPr>
-        <p:blipFill>
-          <a:blip r:embed="rId3">
-            <a:extLst>
-              <a:ext uri="{28A0092B-C50C-407E-A947-70E740481C1C}">
-                <a14:useLocalDpi xmlns:a14="http://schemas.microsoft.com/office/drawing/2010/main" val="0"/>
-              </a:ext>
-            </a:extLst>
-          </a:blip>
-          <a:stretch>
-            <a:fillRect/>
-          </a:stretch>
-        </p:blipFill>
-        <p:spPr>
-          <a:xfrm>
-            <a:off x="23697" y="113696"/>
-            <a:ext cx="2243522" cy="1024217"/>
-          </a:xfrm>
-          <a:prstGeom prst="rect">
-            <a:avLst/>
-          </a:prstGeom>
-        </p:spPr>
-      </p:pic>
-      <p:pic>
-        <p:nvPicPr>
-          <p:cNvPr id="6" name="Picture 5"/>
-          <p:cNvPicPr>
-            <a:picLocks noChangeAspect="1"/>
-          </p:cNvPicPr>
-          <p:nvPr/>
-        </p:nvPicPr>
-        <p:blipFill>
-          <a:blip r:embed="rId4">
-            <a:extLst>
-              <a:ext uri="{28A0092B-C50C-407E-A947-70E740481C1C}">
-                <a14:useLocalDpi xmlns:a14="http://schemas.microsoft.com/office/drawing/2010/main" val="0"/>
-              </a:ext>
-            </a:extLst>
-          </a:blip>
-          <a:stretch>
-            <a:fillRect/>
-          </a:stretch>
-        </p:blipFill>
-        <p:spPr>
-          <a:xfrm>
-            <a:off x="8812551" y="276743"/>
-            <a:ext cx="2688569" cy="652329"/>
-          </a:xfrm>
-          <a:prstGeom prst="rect">
-            <a:avLst/>
-          </a:prstGeom>
-        </p:spPr>
-      </p:pic>
-      <p:sp>
-        <p:nvSpPr>
-          <p:cNvPr id="4" name="TextBox 3"/>
-          <p:cNvSpPr txBox="1"/>
-          <p:nvPr/>
-        </p:nvSpPr>
-        <p:spPr>
-          <a:xfrm>
-            <a:off x="1779216" y="1773382"/>
-            <a:ext cx="8288420" cy="5632311"/>
-          </a:xfrm>
-          <a:prstGeom prst="rect">
-            <a:avLst/>
-          </a:prstGeom>
-          <a:noFill/>
-        </p:spPr>
-        <p:txBody>
-          <a:bodyPr wrap="square" rtlCol="0">
-            <a:spAutoFit/>
-          </a:bodyPr>
-          <a:lstStyle/>
-          <a:p>
-            <a:pPr marL="342900" indent="-342900">
-              <a:buFont typeface="Wingdings" panose="05000000000000000000" pitchFamily="2" charset="2"/>
-              <a:buChar char="§"/>
-            </a:pPr>
-            <a:r>
-              <a:rPr lang="en-US" sz="2400" dirty="0" smtClean="0"/>
-              <a:t>Clear Idea About Designing A Web Portal/Application.</a:t>
-            </a:r>
-          </a:p>
-          <a:p>
-            <a:pPr marL="342900" indent="-342900">
-              <a:buFont typeface="Wingdings" panose="05000000000000000000" pitchFamily="2" charset="2"/>
-              <a:buChar char="§"/>
-            </a:pPr>
-            <a:endParaRPr lang="en-US" sz="2400" dirty="0" smtClean="0"/>
-          </a:p>
-          <a:p>
-            <a:pPr marL="342900" indent="-342900">
-              <a:buFont typeface="Wingdings" panose="05000000000000000000" pitchFamily="2" charset="2"/>
-              <a:buChar char="§"/>
-            </a:pPr>
-            <a:r>
-              <a:rPr lang="en-US" sz="2400" dirty="0" smtClean="0"/>
-              <a:t>Understood Api Integration.</a:t>
-            </a:r>
-          </a:p>
-          <a:p>
-            <a:pPr marL="342900" indent="-342900">
-              <a:buFont typeface="Wingdings" panose="05000000000000000000" pitchFamily="2" charset="2"/>
-              <a:buChar char="§"/>
-            </a:pPr>
-            <a:endParaRPr lang="en-US" sz="2400" dirty="0" smtClean="0"/>
-          </a:p>
-          <a:p>
-            <a:pPr marL="342900" indent="-342900">
-              <a:buFont typeface="Wingdings" panose="05000000000000000000" pitchFamily="2" charset="2"/>
-              <a:buChar char="§"/>
-            </a:pPr>
-            <a:r>
-              <a:rPr lang="en-US" sz="2400" dirty="0" smtClean="0"/>
-              <a:t>Understood Requirements Of Good UI Design.</a:t>
-            </a:r>
-          </a:p>
-          <a:p>
-            <a:pPr marL="342900" indent="-342900">
-              <a:buFont typeface="Wingdings" panose="05000000000000000000" pitchFamily="2" charset="2"/>
-              <a:buChar char="§"/>
-            </a:pPr>
-            <a:endParaRPr lang="en-US" sz="2400" dirty="0" smtClean="0"/>
-          </a:p>
-          <a:p>
-            <a:pPr marL="342900" indent="-342900">
-              <a:buFont typeface="Wingdings" panose="05000000000000000000" pitchFamily="2" charset="2"/>
-              <a:buChar char="§"/>
-            </a:pPr>
-            <a:r>
-              <a:rPr lang="en-US" sz="2400" dirty="0" smtClean="0"/>
-              <a:t>Understood The Advantages Of Angular Framework.</a:t>
-            </a:r>
-          </a:p>
-          <a:p>
-            <a:pPr marL="342900" indent="-342900">
-              <a:buFont typeface="Wingdings" panose="05000000000000000000" pitchFamily="2" charset="2"/>
-              <a:buChar char="§"/>
-            </a:pPr>
-            <a:endParaRPr lang="en-US" sz="2400" dirty="0"/>
-          </a:p>
-          <a:p>
-            <a:pPr marL="342900" indent="-342900">
-              <a:buFont typeface="Wingdings" panose="05000000000000000000" pitchFamily="2" charset="2"/>
-              <a:buChar char="§"/>
-            </a:pPr>
-            <a:r>
-              <a:rPr lang="en-US" sz="2400" dirty="0" smtClean="0"/>
-              <a:t>Understood How To Connect Different Services to Each Other Like MySQL ,STS and Angular.</a:t>
-            </a:r>
-          </a:p>
-          <a:p>
-            <a:pPr marL="342900" indent="-342900">
-              <a:buFont typeface="Wingdings" panose="05000000000000000000" pitchFamily="2" charset="2"/>
-              <a:buChar char="q"/>
-            </a:pPr>
-            <a:endParaRPr lang="en-US" sz="2400" dirty="0"/>
-          </a:p>
-          <a:p>
-            <a:pPr marL="342900" indent="-342900">
-              <a:buFont typeface="Wingdings" panose="05000000000000000000" pitchFamily="2" charset="2"/>
-              <a:buChar char="q"/>
-            </a:pPr>
-            <a:endParaRPr lang="en-US" sz="2400" dirty="0"/>
-          </a:p>
-          <a:p>
-            <a:pPr marL="342900" indent="-342900">
-              <a:buFont typeface="Wingdings" panose="05000000000000000000" pitchFamily="2" charset="2"/>
-              <a:buChar char="q"/>
-            </a:pPr>
-            <a:endParaRPr lang="en-US" sz="2400" dirty="0" smtClean="0"/>
-          </a:p>
-          <a:p>
-            <a:pPr marL="285750" indent="-285750">
-              <a:buFont typeface="Wingdings" panose="05000000000000000000" pitchFamily="2" charset="2"/>
-              <a:buChar char="q"/>
-            </a:pPr>
-            <a:endParaRPr lang="en-US" sz="2400" dirty="0"/>
-          </a:p>
-          <a:p>
-            <a:pPr marL="285750" indent="-285750">
-              <a:buFont typeface="Wingdings" panose="05000000000000000000" pitchFamily="2" charset="2"/>
-              <a:buChar char="q"/>
-            </a:pPr>
-            <a:endParaRPr lang="en-US" sz="2400" dirty="0"/>
-          </a:p>
-        </p:txBody>
-      </p:sp>
-    </p:spTree>
-    <p:extLst>
-      <p:ext uri="{BB962C8B-B14F-4D97-AF65-F5344CB8AC3E}">
-        <p14:creationId xmlns:p14="http://schemas.microsoft.com/office/powerpoint/2010/main" val="1659362152"/>
-      </p:ext>
-    </p:extLst>
-  </p:cSld>
-  <p:clrMapOvr>
-    <a:masterClrMapping/>
-  </p:clrMapOvr>
-  <p:timing>
-    <p:tnLst>
-      <p:par>
-        <p:cTn id="1" dur="indefinite" restart="never" nodeType="tmRoot"/>
-      </p:par>
-    </p:tnLst>
-  </p:timing>
-</p:sld>
-</file>
-
 <file path=ppt/slides/slide9.xml><?xml version="1.0" encoding="utf-8"?>
 <p:sld xmlns:a="http://schemas.openxmlformats.org/drawingml/2006/main" xmlns:r="http://schemas.openxmlformats.org/officeDocument/2006/relationships" xmlns:p="http://schemas.openxmlformats.org/presentationml/2006/main">
   <p:cSld>
@@ -11437,7 +11600,7 @@
         </p:blipFill>
         <p:spPr>
           <a:xfrm>
-            <a:off x="9200479" y="230561"/>
+            <a:off x="8812551" y="276743"/>
             <a:ext cx="2688569" cy="652329"/>
           </a:xfrm>
           <a:prstGeom prst="rect">
@@ -11453,8 +11616,8 @@
         </p:nvSpPr>
         <p:spPr>
           <a:xfrm>
-            <a:off x="2267219" y="4190470"/>
-            <a:ext cx="5670562" cy="1446550"/>
+            <a:off x="1779216" y="1773382"/>
+            <a:ext cx="8288420" cy="5632311"/>
           </a:xfrm>
           <a:prstGeom prst="rect">
             <a:avLst/>
@@ -11467,181 +11630,144 @@
           </a:bodyPr>
           <a:lstStyle/>
           <a:p>
-            <a:r>
-              <a:rPr lang="en-US" sz="4400" dirty="0" smtClean="0">
-                <a:ln w="0"/>
-                <a:effectLst>
-                  <a:outerShdw blurRad="38100" dist="19050" dir="2700000" algn="tl" rotWithShape="0">
-                    <a:schemeClr val="dk1">
-                      <a:alpha val="40000"/>
-                    </a:schemeClr>
-                  </a:outerShdw>
-                </a:effectLst>
-              </a:rPr>
-              <a:t>04</a:t>
-            </a:r>
-          </a:p>
-          <a:p>
-            <a:r>
-              <a:rPr lang="en-US" sz="4400" dirty="0" smtClean="0">
-                <a:ln w="0"/>
-                <a:effectLst>
-                  <a:outerShdw blurRad="38100" dist="19050" dir="2700000" algn="tl" rotWithShape="0">
-                    <a:schemeClr val="dk1">
-                      <a:alpha val="40000"/>
-                    </a:schemeClr>
-                  </a:outerShdw>
-                </a:effectLst>
-              </a:rPr>
-              <a:t>CHALLENGES</a:t>
-            </a:r>
+            <a:pPr marL="342900" indent="-342900">
+              <a:buFont typeface="Wingdings" panose="05000000000000000000" pitchFamily="2" charset="2"/>
+              <a:buChar char="§"/>
+            </a:pPr>
+            <a:r>
+              <a:rPr lang="en-US" sz="2400" dirty="0" smtClean="0"/>
+              <a:t>Clear Idea About Designing A Web Portal/Application.</a:t>
+            </a:r>
+          </a:p>
+          <a:p>
+            <a:pPr marL="342900" indent="-342900">
+              <a:buFont typeface="Wingdings" panose="05000000000000000000" pitchFamily="2" charset="2"/>
+              <a:buChar char="§"/>
+            </a:pPr>
+            <a:endParaRPr lang="en-US" sz="2400" dirty="0" smtClean="0"/>
+          </a:p>
+          <a:p>
+            <a:pPr marL="342900" indent="-342900">
+              <a:buFont typeface="Wingdings" panose="05000000000000000000" pitchFamily="2" charset="2"/>
+              <a:buChar char="§"/>
+            </a:pPr>
+            <a:r>
+              <a:rPr lang="en-US" sz="2400" dirty="0" smtClean="0"/>
+              <a:t>Understood </a:t>
+            </a:r>
+            <a:r>
+              <a:rPr lang="en-US" sz="2400" dirty="0" smtClean="0"/>
+              <a:t>RestApi </a:t>
+            </a:r>
+            <a:r>
+              <a:rPr lang="en-US" sz="2400" dirty="0" smtClean="0"/>
+              <a:t>Integration.</a:t>
+            </a:r>
+          </a:p>
+          <a:p>
+            <a:pPr marL="342900" indent="-342900">
+              <a:buFont typeface="Wingdings" panose="05000000000000000000" pitchFamily="2" charset="2"/>
+              <a:buChar char="§"/>
+            </a:pPr>
+            <a:endParaRPr lang="en-US" sz="2400" dirty="0" smtClean="0"/>
+          </a:p>
+          <a:p>
+            <a:pPr marL="342900" indent="-342900">
+              <a:buFont typeface="Wingdings" panose="05000000000000000000" pitchFamily="2" charset="2"/>
+              <a:buChar char="§"/>
+            </a:pPr>
+            <a:r>
+              <a:rPr lang="en-US" sz="2400" dirty="0" smtClean="0"/>
+              <a:t>Understood Requirements Of Good UI Design.</a:t>
+            </a:r>
+          </a:p>
+          <a:p>
+            <a:pPr marL="342900" indent="-342900">
+              <a:buFont typeface="Wingdings" panose="05000000000000000000" pitchFamily="2" charset="2"/>
+              <a:buChar char="§"/>
+            </a:pPr>
+            <a:endParaRPr lang="en-US" sz="2400" dirty="0" smtClean="0"/>
+          </a:p>
+          <a:p>
+            <a:pPr marL="342900" indent="-342900">
+              <a:buFont typeface="Wingdings" panose="05000000000000000000" pitchFamily="2" charset="2"/>
+              <a:buChar char="§"/>
+            </a:pPr>
+            <a:r>
+              <a:rPr lang="en-US" sz="2400" dirty="0" smtClean="0"/>
+              <a:t>Understood The Advantages Of Angular Framework.</a:t>
+            </a:r>
+          </a:p>
+          <a:p>
+            <a:pPr marL="342900" indent="-342900">
+              <a:buFont typeface="Wingdings" panose="05000000000000000000" pitchFamily="2" charset="2"/>
+              <a:buChar char="§"/>
+            </a:pPr>
+            <a:endParaRPr lang="en-US" sz="2400" dirty="0"/>
+          </a:p>
+          <a:p>
+            <a:pPr marL="342900" indent="-342900">
+              <a:buFont typeface="Wingdings" panose="05000000000000000000" pitchFamily="2" charset="2"/>
+              <a:buChar char="§"/>
+            </a:pPr>
+            <a:r>
+              <a:rPr lang="en-US" sz="2400" dirty="0" smtClean="0"/>
+              <a:t>Understood How To Connect Different Services to Each Other Like MySQL ,STS and Angular.</a:t>
+            </a:r>
+          </a:p>
+          <a:p>
+            <a:pPr marL="342900" indent="-342900">
+              <a:buFont typeface="Wingdings" panose="05000000000000000000" pitchFamily="2" charset="2"/>
+              <a:buChar char="q"/>
+            </a:pPr>
+            <a:endParaRPr lang="en-US" sz="2400" dirty="0"/>
+          </a:p>
+          <a:p>
+            <a:pPr marL="342900" indent="-342900">
+              <a:buFont typeface="Wingdings" panose="05000000000000000000" pitchFamily="2" charset="2"/>
+              <a:buChar char="q"/>
+            </a:pPr>
+            <a:endParaRPr lang="en-US" sz="2400" dirty="0"/>
+          </a:p>
+          <a:p>
+            <a:pPr marL="342900" indent="-342900">
+              <a:buFont typeface="Wingdings" panose="05000000000000000000" pitchFamily="2" charset="2"/>
+              <a:buChar char="q"/>
+            </a:pPr>
+            <a:endParaRPr lang="en-US" sz="2400" dirty="0" smtClean="0"/>
+          </a:p>
+          <a:p>
+            <a:pPr marL="285750" indent="-285750">
+              <a:buFont typeface="Wingdings" panose="05000000000000000000" pitchFamily="2" charset="2"/>
+              <a:buChar char="q"/>
+            </a:pPr>
+            <a:endParaRPr lang="en-US" sz="2400" dirty="0"/>
+          </a:p>
+          <a:p>
+            <a:pPr marL="285750" indent="-285750">
+              <a:buFont typeface="Wingdings" panose="05000000000000000000" pitchFamily="2" charset="2"/>
+              <a:buChar char="q"/>
+            </a:pPr>
+            <a:endParaRPr lang="en-US" sz="2400" dirty="0"/>
           </a:p>
         </p:txBody>
       </p:sp>
     </p:spTree>
     <p:extLst>
       <p:ext uri="{BB962C8B-B14F-4D97-AF65-F5344CB8AC3E}">
-        <p14:creationId xmlns:p14="http://schemas.microsoft.com/office/powerpoint/2010/main" val="3076554432"/>
+        <p14:creationId xmlns:p14="http://schemas.microsoft.com/office/powerpoint/2010/main" val="1659362152"/>
       </p:ext>
     </p:extLst>
   </p:cSld>
   <p:clrMapOvr>
     <a:masterClrMapping/>
   </p:clrMapOvr>
-  <mc:AlternateContent xmlns:mc="http://schemas.openxmlformats.org/markup-compatibility/2006">
-    <mc:Choice xmlns:p14="http://schemas.microsoft.com/office/powerpoint/2010/main" Requires="p14">
-      <p:transition p14:dur="0"/>
-    </mc:Choice>
-    <mc:Fallback>
-      <p:transition/>
-    </mc:Fallback>
-  </mc:AlternateContent>
   <p:timing>
     <p:tnLst>
       <p:par>
-        <p:cTn id="1" dur="indefinite" restart="never" nodeType="tmRoot">
-          <p:childTnLst>
-            <p:seq concurrent="1" nextAc="seek">
-              <p:cTn id="2" dur="indefinite" nodeType="mainSeq">
-                <p:childTnLst>
-                  <p:par>
-                    <p:cTn id="3" fill="hold">
-                      <p:stCondLst>
-                        <p:cond delay="indefinite"/>
-                        <p:cond evt="onBegin" delay="0">
-                          <p:tn val="2"/>
-                        </p:cond>
-                      </p:stCondLst>
-                      <p:childTnLst>
-                        <p:par>
-                          <p:cTn id="4" fill="hold">
-                            <p:stCondLst>
-                              <p:cond delay="0"/>
-                            </p:stCondLst>
-                            <p:childTnLst>
-                              <p:par>
-                                <p:cTn id="5" presetID="2" presetClass="entr" presetSubtype="4" fill="hold" grpId="0" nodeType="withEffect">
-                                  <p:stCondLst>
-                                    <p:cond delay="0"/>
-                                  </p:stCondLst>
-                                  <p:childTnLst>
-                                    <p:set>
-                                      <p:cBhvr>
-                                        <p:cTn id="6" dur="1" fill="hold">
-                                          <p:stCondLst>
-                                            <p:cond delay="0"/>
-                                          </p:stCondLst>
-                                        </p:cTn>
-                                        <p:tgtEl>
-                                          <p:spTgt spid="4"/>
-                                        </p:tgtEl>
-                                        <p:attrNameLst>
-                                          <p:attrName>style.visibility</p:attrName>
-                                        </p:attrNameLst>
-                                      </p:cBhvr>
-                                      <p:to>
-                                        <p:strVal val="visible"/>
-                                      </p:to>
-                                    </p:set>
-                                    <p:anim calcmode="lin" valueType="num">
-                                      <p:cBhvr additive="base">
-                                        <p:cTn id="7" dur="500" fill="hold"/>
-                                        <p:tgtEl>
-                                          <p:spTgt spid="4"/>
-                                        </p:tgtEl>
-                                        <p:attrNameLst>
-                                          <p:attrName>ppt_x</p:attrName>
-                                        </p:attrNameLst>
-                                      </p:cBhvr>
-                                      <p:tavLst>
-                                        <p:tav tm="0">
-                                          <p:val>
-                                            <p:strVal val="#ppt_x"/>
-                                          </p:val>
-                                        </p:tav>
-                                        <p:tav tm="100000">
-                                          <p:val>
-                                            <p:strVal val="#ppt_x"/>
-                                          </p:val>
-                                        </p:tav>
-                                      </p:tavLst>
-                                    </p:anim>
-                                    <p:anim calcmode="lin" valueType="num">
-                                      <p:cBhvr additive="base">
-                                        <p:cTn id="8" dur="500" fill="hold"/>
-                                        <p:tgtEl>
-                                          <p:spTgt spid="4"/>
-                                        </p:tgtEl>
-                                        <p:attrNameLst>
-                                          <p:attrName>ppt_y</p:attrName>
-                                        </p:attrNameLst>
-                                      </p:cBhvr>
-                                      <p:tavLst>
-                                        <p:tav tm="0">
-                                          <p:val>
-                                            <p:strVal val="1+#ppt_h/2"/>
-                                          </p:val>
-                                        </p:tav>
-                                        <p:tav tm="100000">
-                                          <p:val>
-                                            <p:strVal val="#ppt_y"/>
-                                          </p:val>
-                                        </p:tav>
-                                      </p:tavLst>
-                                    </p:anim>
-                                  </p:childTnLst>
-                                </p:cTn>
-                              </p:par>
-                            </p:childTnLst>
-                          </p:cTn>
-                        </p:par>
-                      </p:childTnLst>
-                    </p:cTn>
-                  </p:par>
-                </p:childTnLst>
-              </p:cTn>
-              <p:prevCondLst>
-                <p:cond evt="onPrev" delay="0">
-                  <p:tgtEl>
-                    <p:sldTgt/>
-                  </p:tgtEl>
-                </p:cond>
-              </p:prevCondLst>
-              <p:nextCondLst>
-                <p:cond evt="onNext" delay="0">
-                  <p:tgtEl>
-                    <p:sldTgt/>
-                  </p:tgtEl>
-                </p:cond>
-              </p:nextCondLst>
-            </p:seq>
-          </p:childTnLst>
-        </p:cTn>
+        <p:cTn id="1" dur="indefinite" restart="never" nodeType="tmRoot"/>
       </p:par>
     </p:tnLst>
-    <p:bldLst>
-      <p:bldP spid="4" grpId="0"/>
-    </p:bldLst>
   </p:timing>
 </p:sld>
 </file>

--- a/MajorProject.pptx
+++ b/MajorProject.pptx
@@ -5,7 +5,7 @@
     <p:sldMasterId id="2147483648" r:id="rId1"/>
   </p:sldMasterIdLst>
   <p:notesMasterIdLst>
-    <p:notesMasterId r:id="rId23"/>
+    <p:notesMasterId r:id="rId22"/>
   </p:notesMasterIdLst>
   <p:sldIdLst>
     <p:sldId id="257" r:id="rId2"/>
@@ -13,22 +13,21 @@
     <p:sldId id="267" r:id="rId4"/>
     <p:sldId id="281" r:id="rId5"/>
     <p:sldId id="268" r:id="rId6"/>
-    <p:sldId id="286" r:id="rId7"/>
-    <p:sldId id="274" r:id="rId8"/>
-    <p:sldId id="282" r:id="rId9"/>
-    <p:sldId id="269" r:id="rId10"/>
-    <p:sldId id="283" r:id="rId11"/>
-    <p:sldId id="270" r:id="rId12"/>
-    <p:sldId id="284" r:id="rId13"/>
-    <p:sldId id="271" r:id="rId14"/>
-    <p:sldId id="285" r:id="rId15"/>
-    <p:sldId id="273" r:id="rId16"/>
-    <p:sldId id="277" r:id="rId17"/>
-    <p:sldId id="278" r:id="rId18"/>
-    <p:sldId id="279" r:id="rId19"/>
-    <p:sldId id="276" r:id="rId20"/>
-    <p:sldId id="275" r:id="rId21"/>
-    <p:sldId id="263" r:id="rId22"/>
+    <p:sldId id="274" r:id="rId7"/>
+    <p:sldId id="282" r:id="rId8"/>
+    <p:sldId id="269" r:id="rId9"/>
+    <p:sldId id="283" r:id="rId10"/>
+    <p:sldId id="270" r:id="rId11"/>
+    <p:sldId id="284" r:id="rId12"/>
+    <p:sldId id="271" r:id="rId13"/>
+    <p:sldId id="285" r:id="rId14"/>
+    <p:sldId id="273" r:id="rId15"/>
+    <p:sldId id="277" r:id="rId16"/>
+    <p:sldId id="278" r:id="rId17"/>
+    <p:sldId id="279" r:id="rId18"/>
+    <p:sldId id="276" r:id="rId19"/>
+    <p:sldId id="275" r:id="rId20"/>
+    <p:sldId id="263" r:id="rId21"/>
   </p:sldIdLst>
   <p:sldSz cx="12192000" cy="6858000"/>
   <p:notesSz cx="6858000" cy="9144000"/>
@@ -1383,7 +1382,7 @@
           <a:p>
             <a:fld id="{27C5FB0D-2D15-42EE-A55F-A16259431666}" type="datetimeFigureOut">
               <a:rPr lang="en-US" smtClean="0"/>
-              <a:t>8/8/2022</a:t>
+              <a:t>8/7/2022</a:t>
             </a:fld>
             <a:endParaRPr lang="en-US"/>
           </a:p>
@@ -1859,7 +1858,7 @@
     </p:spTree>
     <p:extLst>
       <p:ext uri="{BB962C8B-B14F-4D97-AF65-F5344CB8AC3E}">
-        <p14:creationId xmlns:p14="http://schemas.microsoft.com/office/powerpoint/2010/main" val="2711090138"/>
+        <p14:creationId xmlns:p14="http://schemas.microsoft.com/office/powerpoint/2010/main" val="1534785266"/>
       </p:ext>
     </p:extLst>
   </p:cSld>
@@ -1968,7 +1967,7 @@
     </p:spTree>
     <p:extLst>
       <p:ext uri="{BB962C8B-B14F-4D97-AF65-F5344CB8AC3E}">
-        <p14:creationId xmlns:p14="http://schemas.microsoft.com/office/powerpoint/2010/main" val="1534785266"/>
+        <p14:creationId xmlns:p14="http://schemas.microsoft.com/office/powerpoint/2010/main" val="3810833240"/>
       </p:ext>
     </p:extLst>
   </p:cSld>
@@ -2077,7 +2076,7 @@
     </p:spTree>
     <p:extLst>
       <p:ext uri="{BB962C8B-B14F-4D97-AF65-F5344CB8AC3E}">
-        <p14:creationId xmlns:p14="http://schemas.microsoft.com/office/powerpoint/2010/main" val="3810833240"/>
+        <p14:creationId xmlns:p14="http://schemas.microsoft.com/office/powerpoint/2010/main" val="969738262"/>
       </p:ext>
     </p:extLst>
   </p:cSld>
@@ -2186,7 +2185,7 @@
     </p:spTree>
     <p:extLst>
       <p:ext uri="{BB962C8B-B14F-4D97-AF65-F5344CB8AC3E}">
-        <p14:creationId xmlns:p14="http://schemas.microsoft.com/office/powerpoint/2010/main" val="969738262"/>
+        <p14:creationId xmlns:p14="http://schemas.microsoft.com/office/powerpoint/2010/main" val="64324967"/>
       </p:ext>
     </p:extLst>
   </p:cSld>
@@ -2295,7 +2294,7 @@
     </p:spTree>
     <p:extLst>
       <p:ext uri="{BB962C8B-B14F-4D97-AF65-F5344CB8AC3E}">
-        <p14:creationId xmlns:p14="http://schemas.microsoft.com/office/powerpoint/2010/main" val="64324967"/>
+        <p14:creationId xmlns:p14="http://schemas.microsoft.com/office/powerpoint/2010/main" val="719489353"/>
       </p:ext>
     </p:extLst>
   </p:cSld>
@@ -2404,7 +2403,7 @@
     </p:spTree>
     <p:extLst>
       <p:ext uri="{BB962C8B-B14F-4D97-AF65-F5344CB8AC3E}">
-        <p14:creationId xmlns:p14="http://schemas.microsoft.com/office/powerpoint/2010/main" val="719489353"/>
+        <p14:creationId xmlns:p14="http://schemas.microsoft.com/office/powerpoint/2010/main" val="714213225"/>
       </p:ext>
     </p:extLst>
   </p:cSld>
@@ -2513,7 +2512,7 @@
     </p:spTree>
     <p:extLst>
       <p:ext uri="{BB962C8B-B14F-4D97-AF65-F5344CB8AC3E}">
-        <p14:creationId xmlns:p14="http://schemas.microsoft.com/office/powerpoint/2010/main" val="714213225"/>
+        <p14:creationId xmlns:p14="http://schemas.microsoft.com/office/powerpoint/2010/main" val="3945283694"/>
       </p:ext>
     </p:extLst>
   </p:cSld>
@@ -2622,7 +2621,7 @@
     </p:spTree>
     <p:extLst>
       <p:ext uri="{BB962C8B-B14F-4D97-AF65-F5344CB8AC3E}">
-        <p14:creationId xmlns:p14="http://schemas.microsoft.com/office/powerpoint/2010/main" val="3945283694"/>
+        <p14:creationId xmlns:p14="http://schemas.microsoft.com/office/powerpoint/2010/main" val="207218535"/>
       </p:ext>
     </p:extLst>
   </p:cSld>
@@ -2731,7 +2730,7 @@
     </p:spTree>
     <p:extLst>
       <p:ext uri="{BB962C8B-B14F-4D97-AF65-F5344CB8AC3E}">
-        <p14:creationId xmlns:p14="http://schemas.microsoft.com/office/powerpoint/2010/main" val="207218535"/>
+        <p14:creationId xmlns:p14="http://schemas.microsoft.com/office/powerpoint/2010/main" val="2407059132"/>
       </p:ext>
     </p:extLst>
   </p:cSld>
@@ -2840,7 +2839,7 @@
     </p:spTree>
     <p:extLst>
       <p:ext uri="{BB962C8B-B14F-4D97-AF65-F5344CB8AC3E}">
-        <p14:creationId xmlns:p14="http://schemas.microsoft.com/office/powerpoint/2010/main" val="2407059132"/>
+        <p14:creationId xmlns:p14="http://schemas.microsoft.com/office/powerpoint/2010/main" val="3631176032"/>
       </p:ext>
     </p:extLst>
   </p:cSld>
@@ -2950,115 +2949,6 @@
     <p:extLst>
       <p:ext uri="{BB962C8B-B14F-4D97-AF65-F5344CB8AC3E}">
         <p14:creationId xmlns:p14="http://schemas.microsoft.com/office/powerpoint/2010/main" val="2855121128"/>
-      </p:ext>
-    </p:extLst>
-  </p:cSld>
-  <p:clrMapOvr>
-    <a:masterClrMapping/>
-  </p:clrMapOvr>
-</p:notes>
-</file>
-
-<file path=ppt/notesSlides/notesSlide20.xml><?xml version="1.0" encoding="utf-8"?>
-<p:notes xmlns:a="http://schemas.openxmlformats.org/drawingml/2006/main" xmlns:r="http://schemas.openxmlformats.org/officeDocument/2006/relationships" xmlns:p="http://schemas.openxmlformats.org/presentationml/2006/main" showMasterSp="0" showMasterPhAnim="0">
-  <p:cSld>
-    <p:spTree>
-      <p:nvGrpSpPr>
-        <p:cNvPr id="1" name="Shape 66"/>
-        <p:cNvGrpSpPr/>
-        <p:nvPr/>
-      </p:nvGrpSpPr>
-      <p:grpSpPr>
-        <a:xfrm>
-          <a:off x="0" y="0"/>
-          <a:ext cx="0" cy="0"/>
-          <a:chOff x="0" y="0"/>
-          <a:chExt cx="0" cy="0"/>
-        </a:xfrm>
-      </p:grpSpPr>
-      <p:sp>
-        <p:nvSpPr>
-          <p:cNvPr id="67" name="Google Shape;67;g35f391192_00:notes"/>
-          <p:cNvSpPr>
-            <a:spLocks noGrp="1" noRot="1" noChangeAspect="1"/>
-          </p:cNvSpPr>
-          <p:nvPr>
-            <p:ph type="sldImg" idx="2"/>
-          </p:nvPr>
-        </p:nvSpPr>
-        <p:spPr>
-          <a:xfrm>
-            <a:off x="381000" y="685800"/>
-            <a:ext cx="6096000" cy="3429000"/>
-          </a:xfrm>
-          <a:custGeom>
-            <a:avLst/>
-            <a:gdLst/>
-            <a:ahLst/>
-            <a:cxnLst/>
-            <a:rect l="l" t="t" r="r" b="b"/>
-            <a:pathLst>
-              <a:path w="120000" h="120000" extrusionOk="0">
-                <a:moveTo>
-                  <a:pt x="0" y="0"/>
-                </a:moveTo>
-                <a:lnTo>
-                  <a:pt x="120000" y="0"/>
-                </a:lnTo>
-                <a:lnTo>
-                  <a:pt x="120000" y="120000"/>
-                </a:lnTo>
-                <a:lnTo>
-                  <a:pt x="0" y="120000"/>
-                </a:lnTo>
-                <a:close/>
-              </a:path>
-            </a:pathLst>
-          </a:custGeom>
-        </p:spPr>
-      </p:sp>
-      <p:sp>
-        <p:nvSpPr>
-          <p:cNvPr id="68" name="Google Shape;68;g35f391192_00:notes"/>
-          <p:cNvSpPr txBox="1">
-            <a:spLocks noGrp="1"/>
-          </p:cNvSpPr>
-          <p:nvPr>
-            <p:ph type="body" idx="1"/>
-          </p:nvPr>
-        </p:nvSpPr>
-        <p:spPr>
-          <a:xfrm>
-            <a:off x="685800" y="4343400"/>
-            <a:ext cx="5486400" cy="4114800"/>
-          </a:xfrm>
-          <a:prstGeom prst="rect">
-            <a:avLst/>
-          </a:prstGeom>
-        </p:spPr>
-        <p:txBody>
-          <a:bodyPr spcFirstLastPara="1" wrap="square" lIns="91425" tIns="91425" rIns="91425" bIns="91425" anchor="t" anchorCtr="0">
-            <a:noAutofit/>
-          </a:bodyPr>
-          <a:lstStyle/>
-          <a:p>
-            <a:pPr marL="0" lvl="0" indent="0" algn="l" rtl="0">
-              <a:spcBef>
-                <a:spcPts val="0"/>
-              </a:spcBef>
-              <a:spcAft>
-                <a:spcPts val="0"/>
-              </a:spcAft>
-              <a:buNone/>
-            </a:pPr>
-            <a:endParaRPr/>
-          </a:p>
-        </p:txBody>
-      </p:sp>
-    </p:spTree>
-    <p:extLst>
-      <p:ext uri="{BB962C8B-B14F-4D97-AF65-F5344CB8AC3E}">
-        <p14:creationId xmlns:p14="http://schemas.microsoft.com/office/powerpoint/2010/main" val="3631176032"/>
       </p:ext>
     </p:extLst>
   </p:cSld>
@@ -3494,7 +3384,7 @@
     </p:spTree>
     <p:extLst>
       <p:ext uri="{BB962C8B-B14F-4D97-AF65-F5344CB8AC3E}">
-        <p14:creationId xmlns:p14="http://schemas.microsoft.com/office/powerpoint/2010/main" val="3196452720"/>
+        <p14:creationId xmlns:p14="http://schemas.microsoft.com/office/powerpoint/2010/main" val="278562626"/>
       </p:ext>
     </p:extLst>
   </p:cSld>
@@ -3603,7 +3493,7 @@
     </p:spTree>
     <p:extLst>
       <p:ext uri="{BB962C8B-B14F-4D97-AF65-F5344CB8AC3E}">
-        <p14:creationId xmlns:p14="http://schemas.microsoft.com/office/powerpoint/2010/main" val="278562626"/>
+        <p14:creationId xmlns:p14="http://schemas.microsoft.com/office/powerpoint/2010/main" val="2449994233"/>
       </p:ext>
     </p:extLst>
   </p:cSld>
@@ -3712,7 +3602,7 @@
     </p:spTree>
     <p:extLst>
       <p:ext uri="{BB962C8B-B14F-4D97-AF65-F5344CB8AC3E}">
-        <p14:creationId xmlns:p14="http://schemas.microsoft.com/office/powerpoint/2010/main" val="2449994233"/>
+        <p14:creationId xmlns:p14="http://schemas.microsoft.com/office/powerpoint/2010/main" val="382439620"/>
       </p:ext>
     </p:extLst>
   </p:cSld>
@@ -3821,7 +3711,7 @@
     </p:spTree>
     <p:extLst>
       <p:ext uri="{BB962C8B-B14F-4D97-AF65-F5344CB8AC3E}">
-        <p14:creationId xmlns:p14="http://schemas.microsoft.com/office/powerpoint/2010/main" val="382439620"/>
+        <p14:creationId xmlns:p14="http://schemas.microsoft.com/office/powerpoint/2010/main" val="2711090138"/>
       </p:ext>
     </p:extLst>
   </p:cSld>
@@ -3962,7 +3852,7 @@
           <a:p>
             <a:fld id="{297D71AF-9362-4C75-B6E0-ABF85A557A78}" type="datetimeFigureOut">
               <a:rPr lang="en-US" smtClean="0"/>
-              <a:t>8/8/2022</a:t>
+              <a:t>8/7/2022</a:t>
             </a:fld>
             <a:endParaRPr lang="en-US"/>
           </a:p>
@@ -4132,7 +4022,7 @@
           <a:p>
             <a:fld id="{297D71AF-9362-4C75-B6E0-ABF85A557A78}" type="datetimeFigureOut">
               <a:rPr lang="en-US" smtClean="0"/>
-              <a:t>8/8/2022</a:t>
+              <a:t>8/7/2022</a:t>
             </a:fld>
             <a:endParaRPr lang="en-US"/>
           </a:p>
@@ -4312,7 +4202,7 @@
           <a:p>
             <a:fld id="{297D71AF-9362-4C75-B6E0-ABF85A557A78}" type="datetimeFigureOut">
               <a:rPr lang="en-US" smtClean="0"/>
-              <a:t>8/8/2022</a:t>
+              <a:t>8/7/2022</a:t>
             </a:fld>
             <a:endParaRPr lang="en-US"/>
           </a:p>
@@ -4846,7 +4736,7 @@
           <a:p>
             <a:fld id="{297D71AF-9362-4C75-B6E0-ABF85A557A78}" type="datetimeFigureOut">
               <a:rPr lang="en-US" smtClean="0"/>
-              <a:t>8/8/2022</a:t>
+              <a:t>8/7/2022</a:t>
             </a:fld>
             <a:endParaRPr lang="en-US"/>
           </a:p>
@@ -5092,7 +4982,7 @@
           <a:p>
             <a:fld id="{297D71AF-9362-4C75-B6E0-ABF85A557A78}" type="datetimeFigureOut">
               <a:rPr lang="en-US" smtClean="0"/>
-              <a:t>8/8/2022</a:t>
+              <a:t>8/7/2022</a:t>
             </a:fld>
             <a:endParaRPr lang="en-US"/>
           </a:p>
@@ -5324,7 +5214,7 @@
           <a:p>
             <a:fld id="{297D71AF-9362-4C75-B6E0-ABF85A557A78}" type="datetimeFigureOut">
               <a:rPr lang="en-US" smtClean="0"/>
-              <a:t>8/8/2022</a:t>
+              <a:t>8/7/2022</a:t>
             </a:fld>
             <a:endParaRPr lang="en-US"/>
           </a:p>
@@ -5691,7 +5581,7 @@
           <a:p>
             <a:fld id="{297D71AF-9362-4C75-B6E0-ABF85A557A78}" type="datetimeFigureOut">
               <a:rPr lang="en-US" smtClean="0"/>
-              <a:t>8/8/2022</a:t>
+              <a:t>8/7/2022</a:t>
             </a:fld>
             <a:endParaRPr lang="en-US"/>
           </a:p>
@@ -5809,7 +5699,7 @@
           <a:p>
             <a:fld id="{297D71AF-9362-4C75-B6E0-ABF85A557A78}" type="datetimeFigureOut">
               <a:rPr lang="en-US" smtClean="0"/>
-              <a:t>8/8/2022</a:t>
+              <a:t>8/7/2022</a:t>
             </a:fld>
             <a:endParaRPr lang="en-US"/>
           </a:p>
@@ -5904,7 +5794,7 @@
           <a:p>
             <a:fld id="{297D71AF-9362-4C75-B6E0-ABF85A557A78}" type="datetimeFigureOut">
               <a:rPr lang="en-US" smtClean="0"/>
-              <a:t>8/8/2022</a:t>
+              <a:t>8/7/2022</a:t>
             </a:fld>
             <a:endParaRPr lang="en-US"/>
           </a:p>
@@ -6181,7 +6071,7 @@
           <a:p>
             <a:fld id="{297D71AF-9362-4C75-B6E0-ABF85A557A78}" type="datetimeFigureOut">
               <a:rPr lang="en-US" smtClean="0"/>
-              <a:t>8/8/2022</a:t>
+              <a:t>8/7/2022</a:t>
             </a:fld>
             <a:endParaRPr lang="en-US"/>
           </a:p>
@@ -6434,7 +6324,7 @@
           <a:p>
             <a:fld id="{297D71AF-9362-4C75-B6E0-ABF85A557A78}" type="datetimeFigureOut">
               <a:rPr lang="en-US" smtClean="0"/>
-              <a:t>8/8/2022</a:t>
+              <a:t>8/7/2022</a:t>
             </a:fld>
             <a:endParaRPr lang="en-US"/>
           </a:p>
@@ -6647,7 +6537,7 @@
           <a:p>
             <a:fld id="{297D71AF-9362-4C75-B6E0-ABF85A557A78}" type="datetimeFigureOut">
               <a:rPr lang="en-US" smtClean="0"/>
-              <a:t>8/8/2022</a:t>
+              <a:t>8/7/2022</a:t>
             </a:fld>
             <a:endParaRPr lang="en-US"/>
           </a:p>
@@ -7105,11 +6995,7 @@
             </a:br>
             <a:r>
               <a:rPr lang="en" sz="3200" b="0" dirty="0" smtClean="0"/>
-              <a:t>Sudhanshu </a:t>
-            </a:r>
-            <a:r>
-              <a:rPr lang="en" sz="3200" b="0" dirty="0" smtClean="0"/>
-              <a:t>Pal</a:t>
+              <a:t>Sudhashu Pal</a:t>
             </a:r>
             <a:r>
               <a:rPr lang="en" sz="3200" b="0" dirty="0"/>
@@ -7376,7 +7262,7 @@
         </p:blipFill>
         <p:spPr>
           <a:xfrm>
-            <a:off x="9200479" y="230561"/>
+            <a:off x="8812551" y="276743"/>
             <a:ext cx="2688569" cy="652329"/>
           </a:xfrm>
           <a:prstGeom prst="rect">
@@ -7392,7 +7278,256 @@
         </p:nvSpPr>
         <p:spPr>
           <a:xfrm>
-            <a:off x="2267219" y="4190470"/>
+            <a:off x="1721367" y="1987278"/>
+            <a:ext cx="8791074" cy="5539978"/>
+          </a:xfrm>
+          <a:prstGeom prst="rect">
+            <a:avLst/>
+          </a:prstGeom>
+          <a:noFill/>
+        </p:spPr>
+        <p:txBody>
+          <a:bodyPr wrap="square" rtlCol="0">
+            <a:spAutoFit/>
+          </a:bodyPr>
+          <a:lstStyle/>
+          <a:p>
+            <a:pPr marL="342900" indent="-342900">
+              <a:buFont typeface="Wingdings" panose="05000000000000000000" pitchFamily="2" charset="2"/>
+              <a:buChar char="§"/>
+            </a:pPr>
+            <a:r>
+              <a:rPr lang="en-US" sz="2400" dirty="0" smtClean="0"/>
+              <a:t>To Design The Appropriate Database.</a:t>
+            </a:r>
+          </a:p>
+          <a:p>
+            <a:endParaRPr lang="en-US" sz="2400" dirty="0" smtClean="0"/>
+          </a:p>
+          <a:p>
+            <a:pPr marL="342900" indent="-342900">
+              <a:buFont typeface="Wingdings" panose="05000000000000000000" pitchFamily="2" charset="2"/>
+              <a:buChar char="§"/>
+            </a:pPr>
+            <a:r>
+              <a:rPr lang="en-US" sz="2400" dirty="0" smtClean="0"/>
+              <a:t>To </a:t>
+            </a:r>
+            <a:r>
+              <a:rPr lang="en-US" sz="2400" dirty="0" smtClean="0"/>
+              <a:t>improve </a:t>
+            </a:r>
+            <a:r>
+              <a:rPr lang="en-US" sz="2400" dirty="0" smtClean="0"/>
+              <a:t>UI Design.</a:t>
+            </a:r>
+            <a:endParaRPr lang="en-US" sz="2400" dirty="0" smtClean="0"/>
+          </a:p>
+          <a:p>
+            <a:pPr marL="342900" indent="-342900">
+              <a:buFont typeface="Wingdings" panose="05000000000000000000" pitchFamily="2" charset="2"/>
+              <a:buChar char="§"/>
+            </a:pPr>
+            <a:endParaRPr lang="en-US" sz="2400" dirty="0"/>
+          </a:p>
+          <a:p>
+            <a:pPr marL="342900" indent="-342900">
+              <a:buFont typeface="Wingdings" panose="05000000000000000000" pitchFamily="2" charset="2"/>
+              <a:buChar char="§"/>
+            </a:pPr>
+            <a:r>
+              <a:rPr lang="en-US" sz="2400" dirty="0" smtClean="0"/>
+              <a:t>Allow vehicle owners to pay for </a:t>
+            </a:r>
+            <a:r>
+              <a:rPr lang="en-US" sz="2400" dirty="0" smtClean="0"/>
+              <a:t>Assigned </a:t>
+            </a:r>
+            <a:r>
+              <a:rPr lang="en-US" sz="2400" dirty="0" smtClean="0"/>
+              <a:t>challans only in due time.</a:t>
+            </a:r>
+          </a:p>
+          <a:p>
+            <a:pPr marL="342900" indent="-342900">
+              <a:buFont typeface="Wingdings" panose="05000000000000000000" pitchFamily="2" charset="2"/>
+              <a:buChar char="§"/>
+            </a:pPr>
+            <a:endParaRPr lang="en-US" sz="2400" dirty="0" smtClean="0"/>
+          </a:p>
+          <a:p>
+            <a:pPr marL="342900" indent="-342900">
+              <a:buFont typeface="Wingdings" panose="05000000000000000000" pitchFamily="2" charset="2"/>
+              <a:buChar char="§"/>
+            </a:pPr>
+            <a:r>
+              <a:rPr lang="en-US" sz="2400" dirty="0" smtClean="0"/>
+              <a:t>Maintaining data flow rate.</a:t>
+            </a:r>
+          </a:p>
+          <a:p>
+            <a:pPr marL="342900" indent="-342900">
+              <a:buFont typeface="Wingdings" panose="05000000000000000000" pitchFamily="2" charset="2"/>
+              <a:buChar char="§"/>
+            </a:pPr>
+            <a:endParaRPr lang="en-US" sz="2400" dirty="0"/>
+          </a:p>
+          <a:p>
+            <a:pPr marL="342900" indent="-342900">
+              <a:buFont typeface="Wingdings" panose="05000000000000000000" pitchFamily="2" charset="2"/>
+              <a:buChar char="§"/>
+            </a:pPr>
+            <a:r>
+              <a:rPr lang="en-US" sz="2400" dirty="0" smtClean="0"/>
+              <a:t>To provide g-map visualization on the basis of pin code.</a:t>
+            </a:r>
+          </a:p>
+          <a:p>
+            <a:pPr marL="342900" indent="-342900">
+              <a:buFont typeface="Wingdings" panose="05000000000000000000" pitchFamily="2" charset="2"/>
+              <a:buChar char="q"/>
+            </a:pPr>
+            <a:endParaRPr lang="en-US" sz="2400" dirty="0"/>
+          </a:p>
+          <a:p>
+            <a:pPr marL="342900" indent="-342900">
+              <a:buFont typeface="Wingdings" panose="05000000000000000000" pitchFamily="2" charset="2"/>
+              <a:buChar char="q"/>
+            </a:pPr>
+            <a:endParaRPr lang="en-US" sz="2400" dirty="0" smtClean="0"/>
+          </a:p>
+          <a:p>
+            <a:pPr marL="342900" indent="-342900">
+              <a:buFont typeface="Wingdings" panose="05000000000000000000" pitchFamily="2" charset="2"/>
+              <a:buChar char="q"/>
+            </a:pPr>
+            <a:endParaRPr lang="en-US" sz="2400" dirty="0"/>
+          </a:p>
+          <a:p>
+            <a:pPr marL="342900" indent="-342900">
+              <a:buFont typeface="Wingdings" panose="05000000000000000000" pitchFamily="2" charset="2"/>
+              <a:buChar char="q"/>
+            </a:pPr>
+            <a:endParaRPr lang="en-US" sz="2400" dirty="0"/>
+          </a:p>
+          <a:p>
+            <a:pPr marL="342900" indent="-342900">
+              <a:buFont typeface="Wingdings" panose="05000000000000000000" pitchFamily="2" charset="2"/>
+              <a:buChar char="q"/>
+            </a:pPr>
+            <a:endParaRPr lang="en-US" sz="2400" dirty="0" smtClean="0"/>
+          </a:p>
+          <a:p>
+            <a:endParaRPr lang="en-US" dirty="0"/>
+          </a:p>
+        </p:txBody>
+      </p:sp>
+    </p:spTree>
+    <p:extLst>
+      <p:ext uri="{BB962C8B-B14F-4D97-AF65-F5344CB8AC3E}">
+        <p14:creationId xmlns:p14="http://schemas.microsoft.com/office/powerpoint/2010/main" val="2092903419"/>
+      </p:ext>
+    </p:extLst>
+  </p:cSld>
+  <p:clrMapOvr>
+    <a:masterClrMapping/>
+  </p:clrMapOvr>
+  <p:timing>
+    <p:tnLst>
+      <p:par>
+        <p:cTn id="1" dur="indefinite" restart="never" nodeType="tmRoot"/>
+      </p:par>
+    </p:tnLst>
+  </p:timing>
+</p:sld>
+</file>
+
+<file path=ppt/slides/slide11.xml><?xml version="1.0" encoding="utf-8"?>
+<p:sld xmlns:a="http://schemas.openxmlformats.org/drawingml/2006/main" xmlns:r="http://schemas.openxmlformats.org/officeDocument/2006/relationships" xmlns:p="http://schemas.openxmlformats.org/presentationml/2006/main">
+  <p:cSld>
+    <p:spTree>
+      <p:nvGrpSpPr>
+        <p:cNvPr id="1" name="Shape 69"/>
+        <p:cNvGrpSpPr/>
+        <p:nvPr/>
+      </p:nvGrpSpPr>
+      <p:grpSpPr>
+        <a:xfrm>
+          <a:off x="0" y="0"/>
+          <a:ext cx="0" cy="0"/>
+          <a:chOff x="0" y="0"/>
+          <a:chExt cx="0" cy="0"/>
+        </a:xfrm>
+      </p:grpSpPr>
+      <p:pic>
+        <p:nvPicPr>
+          <p:cNvPr id="5" name="Picture 4"/>
+          <p:cNvPicPr>
+            <a:picLocks noChangeAspect="1"/>
+          </p:cNvPicPr>
+          <p:nvPr/>
+        </p:nvPicPr>
+        <p:blipFill>
+          <a:blip r:embed="rId3">
+            <a:extLst>
+              <a:ext uri="{28A0092B-C50C-407E-A947-70E740481C1C}">
+                <a14:useLocalDpi xmlns:a14="http://schemas.microsoft.com/office/drawing/2010/main" val="0"/>
+              </a:ext>
+            </a:extLst>
+          </a:blip>
+          <a:stretch>
+            <a:fillRect/>
+          </a:stretch>
+        </p:blipFill>
+        <p:spPr>
+          <a:xfrm>
+            <a:off x="23697" y="113696"/>
+            <a:ext cx="2243522" cy="1024217"/>
+          </a:xfrm>
+          <a:prstGeom prst="rect">
+            <a:avLst/>
+          </a:prstGeom>
+        </p:spPr>
+      </p:pic>
+      <p:pic>
+        <p:nvPicPr>
+          <p:cNvPr id="6" name="Picture 5"/>
+          <p:cNvPicPr>
+            <a:picLocks noChangeAspect="1"/>
+          </p:cNvPicPr>
+          <p:nvPr/>
+        </p:nvPicPr>
+        <p:blipFill>
+          <a:blip r:embed="rId4">
+            <a:extLst>
+              <a:ext uri="{28A0092B-C50C-407E-A947-70E740481C1C}">
+                <a14:useLocalDpi xmlns:a14="http://schemas.microsoft.com/office/drawing/2010/main" val="0"/>
+              </a:ext>
+            </a:extLst>
+          </a:blip>
+          <a:stretch>
+            <a:fillRect/>
+          </a:stretch>
+        </p:blipFill>
+        <p:spPr>
+          <a:xfrm>
+            <a:off x="9200479" y="230561"/>
+            <a:ext cx="2688569" cy="652329"/>
+          </a:xfrm>
+          <a:prstGeom prst="rect">
+            <a:avLst/>
+          </a:prstGeom>
+        </p:spPr>
+      </p:pic>
+      <p:sp>
+        <p:nvSpPr>
+          <p:cNvPr id="4" name="TextBox 3"/>
+          <p:cNvSpPr txBox="1"/>
+          <p:nvPr/>
+        </p:nvSpPr>
+        <p:spPr>
+          <a:xfrm>
+            <a:off x="2267219" y="4199707"/>
             <a:ext cx="5670562" cy="1446550"/>
           </a:xfrm>
           <a:prstGeom prst="rect">
@@ -7417,7 +7552,7 @@
                   </a:outerShdw>
                 </a:effectLst>
               </a:rPr>
-              <a:t>04</a:t>
+              <a:t>05</a:t>
             </a:r>
           </a:p>
           <a:p>
@@ -7432,7 +7567,7 @@
                   </a:outerShdw>
                 </a:effectLst>
               </a:rPr>
-              <a:t>CHALLENGES</a:t>
+              <a:t>STATISCTICS</a:t>
             </a:r>
           </a:p>
         </p:txBody>
@@ -7440,18 +7575,18 @@
     </p:spTree>
     <p:extLst>
       <p:ext uri="{BB962C8B-B14F-4D97-AF65-F5344CB8AC3E}">
-        <p14:creationId xmlns:p14="http://schemas.microsoft.com/office/powerpoint/2010/main" val="3076554432"/>
+        <p14:creationId xmlns:p14="http://schemas.microsoft.com/office/powerpoint/2010/main" val="2437040232"/>
       </p:ext>
     </p:extLst>
   </p:cSld>
   <p:clrMapOvr>
     <a:masterClrMapping/>
   </p:clrMapOvr>
-  <mc:AlternateContent xmlns:mc="http://schemas.openxmlformats.org/markup-compatibility/2006" xmlns:p14="http://schemas.microsoft.com/office/powerpoint/2010/main">
-    <mc:Choice Requires="p14">
+  <mc:AlternateContent xmlns:mc="http://schemas.openxmlformats.org/markup-compatibility/2006">
+    <mc:Choice xmlns:p14="http://schemas.microsoft.com/office/powerpoint/2010/main" Requires="p14">
       <p:transition p14:dur="0"/>
     </mc:Choice>
-    <mc:Fallback xmlns="">
+    <mc:Fallback>
       <p:transition/>
     </mc:Fallback>
   </mc:AlternateContent>
@@ -7585,7 +7720,160 @@
 </p:sld>
 </file>
 
-<file path=ppt/slides/slide11.xml><?xml version="1.0" encoding="utf-8"?>
+<file path=ppt/slides/slide12.xml><?xml version="1.0" encoding="utf-8"?>
+<p:sld xmlns:a="http://schemas.openxmlformats.org/drawingml/2006/main" xmlns:r="http://schemas.openxmlformats.org/officeDocument/2006/relationships" xmlns:p="http://schemas.openxmlformats.org/presentationml/2006/main" showMasterSp="0">
+  <p:cSld>
+    <p:bg>
+      <p:bgPr>
+        <a:gradFill>
+          <a:gsLst>
+            <a:gs pos="0">
+              <a:schemeClr val="accent1">
+                <a:lumMod val="5000"/>
+                <a:lumOff val="95000"/>
+              </a:schemeClr>
+            </a:gs>
+            <a:gs pos="74000">
+              <a:schemeClr val="accent1">
+                <a:lumMod val="45000"/>
+                <a:lumOff val="55000"/>
+              </a:schemeClr>
+            </a:gs>
+            <a:gs pos="83000">
+              <a:schemeClr val="accent1">
+                <a:lumMod val="45000"/>
+                <a:lumOff val="55000"/>
+              </a:schemeClr>
+            </a:gs>
+            <a:gs pos="100000">
+              <a:schemeClr val="accent1">
+                <a:lumMod val="30000"/>
+                <a:lumOff val="70000"/>
+              </a:schemeClr>
+            </a:gs>
+          </a:gsLst>
+          <a:lin ang="5400000" scaled="1"/>
+        </a:gradFill>
+        <a:effectLst/>
+      </p:bgPr>
+    </p:bg>
+    <p:spTree>
+      <p:nvGrpSpPr>
+        <p:cNvPr id="1" name="Shape 69"/>
+        <p:cNvGrpSpPr/>
+        <p:nvPr/>
+      </p:nvGrpSpPr>
+      <p:grpSpPr>
+        <a:xfrm>
+          <a:off x="0" y="0"/>
+          <a:ext cx="0" cy="0"/>
+          <a:chOff x="0" y="0"/>
+          <a:chExt cx="0" cy="0"/>
+        </a:xfrm>
+      </p:grpSpPr>
+      <p:pic>
+        <p:nvPicPr>
+          <p:cNvPr id="5" name="Picture 4"/>
+          <p:cNvPicPr>
+            <a:picLocks noChangeAspect="1"/>
+          </p:cNvPicPr>
+          <p:nvPr/>
+        </p:nvPicPr>
+        <p:blipFill>
+          <a:blip r:embed="rId3">
+            <a:extLst>
+              <a:ext uri="{28A0092B-C50C-407E-A947-70E740481C1C}">
+                <a14:useLocalDpi xmlns:a14="http://schemas.microsoft.com/office/drawing/2010/main" val="0"/>
+              </a:ext>
+            </a:extLst>
+          </a:blip>
+          <a:stretch>
+            <a:fillRect/>
+          </a:stretch>
+        </p:blipFill>
+        <p:spPr>
+          <a:xfrm>
+            <a:off x="23697" y="113696"/>
+            <a:ext cx="2243522" cy="1024217"/>
+          </a:xfrm>
+          <a:prstGeom prst="rect">
+            <a:avLst/>
+          </a:prstGeom>
+        </p:spPr>
+      </p:pic>
+      <p:pic>
+        <p:nvPicPr>
+          <p:cNvPr id="6" name="Picture 5"/>
+          <p:cNvPicPr>
+            <a:picLocks noChangeAspect="1"/>
+          </p:cNvPicPr>
+          <p:nvPr/>
+        </p:nvPicPr>
+        <p:blipFill>
+          <a:blip r:embed="rId4">
+            <a:extLst>
+              <a:ext uri="{28A0092B-C50C-407E-A947-70E740481C1C}">
+                <a14:useLocalDpi xmlns:a14="http://schemas.microsoft.com/office/drawing/2010/main" val="0"/>
+              </a:ext>
+            </a:extLst>
+          </a:blip>
+          <a:stretch>
+            <a:fillRect/>
+          </a:stretch>
+        </p:blipFill>
+        <p:spPr>
+          <a:xfrm>
+            <a:off x="8812551" y="276743"/>
+            <a:ext cx="2688569" cy="652329"/>
+          </a:xfrm>
+          <a:prstGeom prst="rect">
+            <a:avLst/>
+          </a:prstGeom>
+        </p:spPr>
+      </p:pic>
+      <p:graphicFrame>
+        <p:nvGraphicFramePr>
+          <p:cNvPr id="17" name="Chart 16"/>
+          <p:cNvGraphicFramePr/>
+          <p:nvPr>
+            <p:extLst>
+              <p:ext uri="{D42A27DB-BD31-4B8C-83A1-F6EECF244321}">
+                <p14:modId xmlns:p14="http://schemas.microsoft.com/office/powerpoint/2010/main" val="3438188215"/>
+              </p:ext>
+            </p:extLst>
+          </p:nvPr>
+        </p:nvGraphicFramePr>
+        <p:xfrm>
+          <a:off x="2032000" y="929072"/>
+          <a:ext cx="8331200" cy="5209261"/>
+        </p:xfrm>
+        <a:graphic>
+          <a:graphicData uri="http://schemas.openxmlformats.org/drawingml/2006/chart">
+            <c:chart xmlns:c="http://schemas.openxmlformats.org/drawingml/2006/chart" xmlns:r="http://schemas.openxmlformats.org/officeDocument/2006/relationships" r:id="rId5"/>
+          </a:graphicData>
+        </a:graphic>
+      </p:graphicFrame>
+    </p:spTree>
+    <p:extLst>
+      <p:ext uri="{BB962C8B-B14F-4D97-AF65-F5344CB8AC3E}">
+        <p14:creationId xmlns:p14="http://schemas.microsoft.com/office/powerpoint/2010/main" val="1740485523"/>
+      </p:ext>
+    </p:extLst>
+  </p:cSld>
+  <p:clrMapOvr>
+    <a:masterClrMapping/>
+  </p:clrMapOvr>
+  <p:timing>
+    <p:tnLst>
+      <p:par>
+        <p:cTn id="1" dur="indefinite" restart="never" nodeType="tmRoot"/>
+      </p:par>
+    </p:tnLst>
+  </p:timing>
+</p:sld>
+</file>
+
+<file path=ppt/slides/slide13.xml><?xml version="1.0" encoding="utf-8"?>
 <p:sld xmlns:a="http://schemas.openxmlformats.org/drawingml/2006/main" xmlns:r="http://schemas.openxmlformats.org/officeDocument/2006/relationships" xmlns:p="http://schemas.openxmlformats.org/presentationml/2006/main">
   <p:cSld>
     <p:spTree>
@@ -7654,7 +7942,7 @@
         </p:blipFill>
         <p:spPr>
           <a:xfrm>
-            <a:off x="8812551" y="276743"/>
+            <a:off x="9200479" y="230561"/>
             <a:ext cx="2688569" cy="652329"/>
           </a:xfrm>
           <a:prstGeom prst="rect">
@@ -7670,222 +7958,7 @@
         </p:nvSpPr>
         <p:spPr>
           <a:xfrm>
-            <a:off x="1721367" y="1987278"/>
-            <a:ext cx="8791074" cy="4801314"/>
-          </a:xfrm>
-          <a:prstGeom prst="rect">
-            <a:avLst/>
-          </a:prstGeom>
-          <a:noFill/>
-        </p:spPr>
-        <p:txBody>
-          <a:bodyPr wrap="square" rtlCol="0">
-            <a:spAutoFit/>
-          </a:bodyPr>
-          <a:lstStyle/>
-          <a:p>
-            <a:pPr marL="342900" indent="-342900">
-              <a:buFont typeface="Wingdings" panose="05000000000000000000" pitchFamily="2" charset="2"/>
-              <a:buChar char="§"/>
-            </a:pPr>
-            <a:r>
-              <a:rPr lang="en-US" sz="2400" dirty="0" smtClean="0"/>
-              <a:t>To Design The Appropriate Database.</a:t>
-            </a:r>
-          </a:p>
-          <a:p>
-            <a:endParaRPr lang="en-US" sz="2400" dirty="0"/>
-          </a:p>
-          <a:p>
-            <a:pPr marL="342900" indent="-342900">
-              <a:buFont typeface="Wingdings" panose="05000000000000000000" pitchFamily="2" charset="2"/>
-              <a:buChar char="§"/>
-            </a:pPr>
-            <a:r>
-              <a:rPr lang="en-US" sz="2400" dirty="0" smtClean="0"/>
-              <a:t>Allow vehicle owners to pay for Assigned challans only in due time.</a:t>
-            </a:r>
-          </a:p>
-          <a:p>
-            <a:pPr marL="342900" indent="-342900">
-              <a:buFont typeface="Wingdings" panose="05000000000000000000" pitchFamily="2" charset="2"/>
-              <a:buChar char="§"/>
-            </a:pPr>
-            <a:endParaRPr lang="en-US" sz="2400" dirty="0" smtClean="0"/>
-          </a:p>
-          <a:p>
-            <a:pPr marL="342900" indent="-342900">
-              <a:buFont typeface="Wingdings" panose="05000000000000000000" pitchFamily="2" charset="2"/>
-              <a:buChar char="§"/>
-            </a:pPr>
-            <a:r>
-              <a:rPr lang="en-US" sz="2400" dirty="0" smtClean="0"/>
-              <a:t>Maintaining data flow rate.</a:t>
-            </a:r>
-          </a:p>
-          <a:p>
-            <a:pPr marL="342900" indent="-342900">
-              <a:buFont typeface="Wingdings" panose="05000000000000000000" pitchFamily="2" charset="2"/>
-              <a:buChar char="§"/>
-            </a:pPr>
-            <a:endParaRPr lang="en-US" sz="2400" dirty="0"/>
-          </a:p>
-          <a:p>
-            <a:pPr marL="342900" indent="-342900">
-              <a:buFont typeface="Wingdings" panose="05000000000000000000" pitchFamily="2" charset="2"/>
-              <a:buChar char="§"/>
-            </a:pPr>
-            <a:r>
-              <a:rPr lang="en-US" sz="2400" dirty="0" smtClean="0"/>
-              <a:t>To provide g-map visualization on the basis of pin code.</a:t>
-            </a:r>
-          </a:p>
-          <a:p>
-            <a:pPr marL="342900" indent="-342900">
-              <a:buFont typeface="Wingdings" panose="05000000000000000000" pitchFamily="2" charset="2"/>
-              <a:buChar char="q"/>
-            </a:pPr>
-            <a:endParaRPr lang="en-US" sz="2400" dirty="0"/>
-          </a:p>
-          <a:p>
-            <a:pPr marL="342900" indent="-342900">
-              <a:buFont typeface="Wingdings" panose="05000000000000000000" pitchFamily="2" charset="2"/>
-              <a:buChar char="q"/>
-            </a:pPr>
-            <a:endParaRPr lang="en-US" sz="2400" dirty="0" smtClean="0"/>
-          </a:p>
-          <a:p>
-            <a:pPr marL="342900" indent="-342900">
-              <a:buFont typeface="Wingdings" panose="05000000000000000000" pitchFamily="2" charset="2"/>
-              <a:buChar char="q"/>
-            </a:pPr>
-            <a:endParaRPr lang="en-US" sz="2400" dirty="0"/>
-          </a:p>
-          <a:p>
-            <a:pPr marL="342900" indent="-342900">
-              <a:buFont typeface="Wingdings" panose="05000000000000000000" pitchFamily="2" charset="2"/>
-              <a:buChar char="q"/>
-            </a:pPr>
-            <a:endParaRPr lang="en-US" sz="2400" dirty="0"/>
-          </a:p>
-          <a:p>
-            <a:pPr marL="342900" indent="-342900">
-              <a:buFont typeface="Wingdings" panose="05000000000000000000" pitchFamily="2" charset="2"/>
-              <a:buChar char="q"/>
-            </a:pPr>
-            <a:endParaRPr lang="en-US" sz="2400" dirty="0" smtClean="0"/>
-          </a:p>
-          <a:p>
-            <a:endParaRPr lang="en-US" dirty="0"/>
-          </a:p>
-        </p:txBody>
-      </p:sp>
-    </p:spTree>
-    <p:extLst>
-      <p:ext uri="{BB962C8B-B14F-4D97-AF65-F5344CB8AC3E}">
-        <p14:creationId xmlns:p14="http://schemas.microsoft.com/office/powerpoint/2010/main" val="2092903419"/>
-      </p:ext>
-    </p:extLst>
-  </p:cSld>
-  <p:clrMapOvr>
-    <a:masterClrMapping/>
-  </p:clrMapOvr>
-  <p:timing>
-    <p:tnLst>
-      <p:par>
-        <p:cTn id="1" dur="indefinite" restart="never" nodeType="tmRoot"/>
-      </p:par>
-    </p:tnLst>
-  </p:timing>
-</p:sld>
-</file>
-
-<file path=ppt/slides/slide12.xml><?xml version="1.0" encoding="utf-8"?>
-<p:sld xmlns:a="http://schemas.openxmlformats.org/drawingml/2006/main" xmlns:r="http://schemas.openxmlformats.org/officeDocument/2006/relationships" xmlns:p="http://schemas.openxmlformats.org/presentationml/2006/main">
-  <p:cSld>
-    <p:spTree>
-      <p:nvGrpSpPr>
-        <p:cNvPr id="1" name="Shape 69"/>
-        <p:cNvGrpSpPr/>
-        <p:nvPr/>
-      </p:nvGrpSpPr>
-      <p:grpSpPr>
-        <a:xfrm>
-          <a:off x="0" y="0"/>
-          <a:ext cx="0" cy="0"/>
-          <a:chOff x="0" y="0"/>
-          <a:chExt cx="0" cy="0"/>
-        </a:xfrm>
-      </p:grpSpPr>
-      <p:pic>
-        <p:nvPicPr>
-          <p:cNvPr id="5" name="Picture 4"/>
-          <p:cNvPicPr>
-            <a:picLocks noChangeAspect="1"/>
-          </p:cNvPicPr>
-          <p:nvPr/>
-        </p:nvPicPr>
-        <p:blipFill>
-          <a:blip r:embed="rId3">
-            <a:extLst>
-              <a:ext uri="{28A0092B-C50C-407E-A947-70E740481C1C}">
-                <a14:useLocalDpi xmlns:a14="http://schemas.microsoft.com/office/drawing/2010/main" val="0"/>
-              </a:ext>
-            </a:extLst>
-          </a:blip>
-          <a:stretch>
-            <a:fillRect/>
-          </a:stretch>
-        </p:blipFill>
-        <p:spPr>
-          <a:xfrm>
-            <a:off x="23697" y="113696"/>
-            <a:ext cx="2243522" cy="1024217"/>
-          </a:xfrm>
-          <a:prstGeom prst="rect">
-            <a:avLst/>
-          </a:prstGeom>
-        </p:spPr>
-      </p:pic>
-      <p:pic>
-        <p:nvPicPr>
-          <p:cNvPr id="6" name="Picture 5"/>
-          <p:cNvPicPr>
-            <a:picLocks noChangeAspect="1"/>
-          </p:cNvPicPr>
-          <p:nvPr/>
-        </p:nvPicPr>
-        <p:blipFill>
-          <a:blip r:embed="rId4">
-            <a:extLst>
-              <a:ext uri="{28A0092B-C50C-407E-A947-70E740481C1C}">
-                <a14:useLocalDpi xmlns:a14="http://schemas.microsoft.com/office/drawing/2010/main" val="0"/>
-              </a:ext>
-            </a:extLst>
-          </a:blip>
-          <a:stretch>
-            <a:fillRect/>
-          </a:stretch>
-        </p:blipFill>
-        <p:spPr>
-          <a:xfrm>
-            <a:off x="9200479" y="230561"/>
-            <a:ext cx="2688569" cy="652329"/>
-          </a:xfrm>
-          <a:prstGeom prst="rect">
-            <a:avLst/>
-          </a:prstGeom>
-        </p:spPr>
-      </p:pic>
-      <p:sp>
-        <p:nvSpPr>
-          <p:cNvPr id="4" name="TextBox 3"/>
-          <p:cNvSpPr txBox="1"/>
-          <p:nvPr/>
-        </p:nvSpPr>
-        <p:spPr>
-          <a:xfrm>
-            <a:off x="2267219" y="4199707"/>
+            <a:off x="2267219" y="4494347"/>
             <a:ext cx="5670562" cy="1446550"/>
           </a:xfrm>
           <a:prstGeom prst="rect">
@@ -7910,7 +7983,7 @@
                   </a:outerShdw>
                 </a:effectLst>
               </a:rPr>
-              <a:t>05</a:t>
+              <a:t>06</a:t>
             </a:r>
           </a:p>
           <a:p>
@@ -7925,7 +7998,7 @@
                   </a:outerShdw>
                 </a:effectLst>
               </a:rPr>
-              <a:t>STATISCTICS</a:t>
+              <a:t>MOCKUPS</a:t>
             </a:r>
           </a:p>
         </p:txBody>
@@ -7933,18 +8006,18 @@
     </p:spTree>
     <p:extLst>
       <p:ext uri="{BB962C8B-B14F-4D97-AF65-F5344CB8AC3E}">
-        <p14:creationId xmlns:p14="http://schemas.microsoft.com/office/powerpoint/2010/main" val="2437040232"/>
+        <p14:creationId xmlns:p14="http://schemas.microsoft.com/office/powerpoint/2010/main" val="1315313416"/>
       </p:ext>
     </p:extLst>
   </p:cSld>
   <p:clrMapOvr>
     <a:masterClrMapping/>
   </p:clrMapOvr>
-  <mc:AlternateContent xmlns:mc="http://schemas.openxmlformats.org/markup-compatibility/2006" xmlns:p14="http://schemas.microsoft.com/office/powerpoint/2010/main">
-    <mc:Choice Requires="p14">
+  <mc:AlternateContent xmlns:mc="http://schemas.openxmlformats.org/markup-compatibility/2006">
+    <mc:Choice xmlns:p14="http://schemas.microsoft.com/office/powerpoint/2010/main" Requires="p14">
       <p:transition p14:dur="0"/>
     </mc:Choice>
-    <mc:Fallback xmlns="">
+    <mc:Fallback>
       <p:transition/>
     </mc:Fallback>
   </mc:AlternateContent>
@@ -8078,159 +8151,6 @@
 </p:sld>
 </file>
 
-<file path=ppt/slides/slide13.xml><?xml version="1.0" encoding="utf-8"?>
-<p:sld xmlns:a="http://schemas.openxmlformats.org/drawingml/2006/main" xmlns:r="http://schemas.openxmlformats.org/officeDocument/2006/relationships" xmlns:p="http://schemas.openxmlformats.org/presentationml/2006/main" showMasterSp="0">
-  <p:cSld>
-    <p:bg>
-      <p:bgPr>
-        <a:gradFill>
-          <a:gsLst>
-            <a:gs pos="0">
-              <a:schemeClr val="accent1">
-                <a:lumMod val="5000"/>
-                <a:lumOff val="95000"/>
-              </a:schemeClr>
-            </a:gs>
-            <a:gs pos="74000">
-              <a:schemeClr val="accent1">
-                <a:lumMod val="45000"/>
-                <a:lumOff val="55000"/>
-              </a:schemeClr>
-            </a:gs>
-            <a:gs pos="83000">
-              <a:schemeClr val="accent1">
-                <a:lumMod val="45000"/>
-                <a:lumOff val="55000"/>
-              </a:schemeClr>
-            </a:gs>
-            <a:gs pos="100000">
-              <a:schemeClr val="accent1">
-                <a:lumMod val="30000"/>
-                <a:lumOff val="70000"/>
-              </a:schemeClr>
-            </a:gs>
-          </a:gsLst>
-          <a:lin ang="5400000" scaled="1"/>
-        </a:gradFill>
-        <a:effectLst/>
-      </p:bgPr>
-    </p:bg>
-    <p:spTree>
-      <p:nvGrpSpPr>
-        <p:cNvPr id="1" name="Shape 69"/>
-        <p:cNvGrpSpPr/>
-        <p:nvPr/>
-      </p:nvGrpSpPr>
-      <p:grpSpPr>
-        <a:xfrm>
-          <a:off x="0" y="0"/>
-          <a:ext cx="0" cy="0"/>
-          <a:chOff x="0" y="0"/>
-          <a:chExt cx="0" cy="0"/>
-        </a:xfrm>
-      </p:grpSpPr>
-      <p:pic>
-        <p:nvPicPr>
-          <p:cNvPr id="5" name="Picture 4"/>
-          <p:cNvPicPr>
-            <a:picLocks noChangeAspect="1"/>
-          </p:cNvPicPr>
-          <p:nvPr/>
-        </p:nvPicPr>
-        <p:blipFill>
-          <a:blip r:embed="rId3">
-            <a:extLst>
-              <a:ext uri="{28A0092B-C50C-407E-A947-70E740481C1C}">
-                <a14:useLocalDpi xmlns:a14="http://schemas.microsoft.com/office/drawing/2010/main" val="0"/>
-              </a:ext>
-            </a:extLst>
-          </a:blip>
-          <a:stretch>
-            <a:fillRect/>
-          </a:stretch>
-        </p:blipFill>
-        <p:spPr>
-          <a:xfrm>
-            <a:off x="23697" y="113696"/>
-            <a:ext cx="2243522" cy="1024217"/>
-          </a:xfrm>
-          <a:prstGeom prst="rect">
-            <a:avLst/>
-          </a:prstGeom>
-        </p:spPr>
-      </p:pic>
-      <p:pic>
-        <p:nvPicPr>
-          <p:cNvPr id="6" name="Picture 5"/>
-          <p:cNvPicPr>
-            <a:picLocks noChangeAspect="1"/>
-          </p:cNvPicPr>
-          <p:nvPr/>
-        </p:nvPicPr>
-        <p:blipFill>
-          <a:blip r:embed="rId4">
-            <a:extLst>
-              <a:ext uri="{28A0092B-C50C-407E-A947-70E740481C1C}">
-                <a14:useLocalDpi xmlns:a14="http://schemas.microsoft.com/office/drawing/2010/main" val="0"/>
-              </a:ext>
-            </a:extLst>
-          </a:blip>
-          <a:stretch>
-            <a:fillRect/>
-          </a:stretch>
-        </p:blipFill>
-        <p:spPr>
-          <a:xfrm>
-            <a:off x="8812551" y="276743"/>
-            <a:ext cx="2688569" cy="652329"/>
-          </a:xfrm>
-          <a:prstGeom prst="rect">
-            <a:avLst/>
-          </a:prstGeom>
-        </p:spPr>
-      </p:pic>
-      <p:graphicFrame>
-        <p:nvGraphicFramePr>
-          <p:cNvPr id="17" name="Chart 16"/>
-          <p:cNvGraphicFramePr/>
-          <p:nvPr>
-            <p:extLst>
-              <p:ext uri="{D42A27DB-BD31-4B8C-83A1-F6EECF244321}">
-                <p14:modId xmlns:p14="http://schemas.microsoft.com/office/powerpoint/2010/main" val="3438188215"/>
-              </p:ext>
-            </p:extLst>
-          </p:nvPr>
-        </p:nvGraphicFramePr>
-        <p:xfrm>
-          <a:off x="2032000" y="929072"/>
-          <a:ext cx="8331200" cy="5209261"/>
-        </p:xfrm>
-        <a:graphic>
-          <a:graphicData uri="http://schemas.openxmlformats.org/drawingml/2006/chart">
-            <c:chart xmlns:c="http://schemas.openxmlformats.org/drawingml/2006/chart" xmlns:r="http://schemas.openxmlformats.org/officeDocument/2006/relationships" r:id="rId5"/>
-          </a:graphicData>
-        </a:graphic>
-      </p:graphicFrame>
-    </p:spTree>
-    <p:extLst>
-      <p:ext uri="{BB962C8B-B14F-4D97-AF65-F5344CB8AC3E}">
-        <p14:creationId xmlns:p14="http://schemas.microsoft.com/office/powerpoint/2010/main" val="1740485523"/>
-      </p:ext>
-    </p:extLst>
-  </p:cSld>
-  <p:clrMapOvr>
-    <a:masterClrMapping/>
-  </p:clrMapOvr>
-  <p:timing>
-    <p:tnLst>
-      <p:par>
-        <p:cTn id="1" dur="indefinite" restart="never" nodeType="tmRoot"/>
-      </p:par>
-    </p:tnLst>
-  </p:timing>
-</p:sld>
-</file>
-
 <file path=ppt/slides/slide14.xml><?xml version="1.0" encoding="utf-8"?>
 <p:sld xmlns:a="http://schemas.openxmlformats.org/drawingml/2006/main" xmlns:r="http://schemas.openxmlformats.org/officeDocument/2006/relationships" xmlns:p="http://schemas.openxmlformats.org/presentationml/2006/main">
   <p:cSld>
@@ -8300,7 +8220,7 @@
         </p:blipFill>
         <p:spPr>
           <a:xfrm>
-            <a:off x="9200479" y="230561"/>
+            <a:off x="8812551" y="276743"/>
             <a:ext cx="2688569" cy="652329"/>
           </a:xfrm>
           <a:prstGeom prst="rect">
@@ -8308,203 +8228,110 @@
           </a:prstGeom>
         </p:spPr>
       </p:pic>
-      <p:sp>
-        <p:nvSpPr>
-          <p:cNvPr id="4" name="TextBox 3"/>
-          <p:cNvSpPr txBox="1"/>
+      <p:pic>
+        <p:nvPicPr>
+          <p:cNvPr id="2" name="Picture 1"/>
+          <p:cNvPicPr>
+            <a:picLocks noChangeAspect="1"/>
+          </p:cNvPicPr>
           <p:nvPr/>
-        </p:nvSpPr>
-        <p:spPr>
-          <a:xfrm>
-            <a:off x="2267219" y="4494347"/>
-            <a:ext cx="5670562" cy="1446550"/>
+        </p:nvPicPr>
+        <p:blipFill>
+          <a:blip r:embed="rId5" cstate="print">
+            <a:extLst>
+              <a:ext uri="{28A0092B-C50C-407E-A947-70E740481C1C}">
+                <a14:useLocalDpi xmlns:a14="http://schemas.microsoft.com/office/drawing/2010/main" val="0"/>
+              </a:ext>
+            </a:extLst>
+          </a:blip>
+          <a:stretch>
+            <a:fillRect/>
+          </a:stretch>
+        </p:blipFill>
+        <p:spPr>
+          <a:xfrm>
+            <a:off x="2889552" y="929072"/>
+            <a:ext cx="5604762" cy="2470345"/>
           </a:xfrm>
           <a:prstGeom prst="rect">
             <a:avLst/>
           </a:prstGeom>
-          <a:noFill/>
-        </p:spPr>
-        <p:txBody>
-          <a:bodyPr wrap="square" rtlCol="0">
-            <a:spAutoFit/>
-          </a:bodyPr>
-          <a:lstStyle/>
-          <a:p>
-            <a:r>
-              <a:rPr lang="en-US" sz="4400" dirty="0" smtClean="0">
-                <a:ln w="0"/>
-                <a:effectLst>
-                  <a:outerShdw blurRad="38100" dist="19050" dir="2700000" algn="tl" rotWithShape="0">
-                    <a:schemeClr val="dk1">
-                      <a:alpha val="40000"/>
-                    </a:schemeClr>
-                  </a:outerShdw>
-                </a:effectLst>
-              </a:rPr>
-              <a:t>06</a:t>
-            </a:r>
-          </a:p>
-          <a:p>
-            <a:r>
-              <a:rPr lang="en-US" sz="4400" dirty="0" smtClean="0">
-                <a:ln w="0"/>
-                <a:effectLst>
-                  <a:outerShdw blurRad="38100" dist="19050" dir="2700000" algn="tl" rotWithShape="0">
-                    <a:schemeClr val="dk1">
-                      <a:alpha val="40000"/>
-                    </a:schemeClr>
-                  </a:outerShdw>
-                </a:effectLst>
-              </a:rPr>
-              <a:t>MOCKUPS</a:t>
-            </a:r>
-          </a:p>
-        </p:txBody>
-      </p:sp>
+          <a:ln w="38100" cap="sq">
+            <a:solidFill>
+              <a:srgbClr val="000000"/>
+            </a:solidFill>
+            <a:prstDash val="solid"/>
+            <a:miter lim="800000"/>
+          </a:ln>
+          <a:effectLst>
+            <a:outerShdw blurRad="50800" dist="38100" dir="2700000" algn="tl" rotWithShape="0">
+              <a:srgbClr val="000000">
+                <a:alpha val="43000"/>
+              </a:srgbClr>
+            </a:outerShdw>
+          </a:effectLst>
+        </p:spPr>
+      </p:pic>
+      <p:pic>
+        <p:nvPicPr>
+          <p:cNvPr id="3" name="Picture 2"/>
+          <p:cNvPicPr>
+            <a:picLocks noChangeAspect="1"/>
+          </p:cNvPicPr>
+          <p:nvPr/>
+        </p:nvPicPr>
+        <p:blipFill>
+          <a:blip r:embed="rId6" cstate="print">
+            <a:extLst>
+              <a:ext uri="{28A0092B-C50C-407E-A947-70E740481C1C}">
+                <a14:useLocalDpi xmlns:a14="http://schemas.microsoft.com/office/drawing/2010/main" val="0"/>
+              </a:ext>
+            </a:extLst>
+          </a:blip>
+          <a:stretch>
+            <a:fillRect/>
+          </a:stretch>
+        </p:blipFill>
+        <p:spPr>
+          <a:xfrm>
+            <a:off x="2903054" y="3851564"/>
+            <a:ext cx="5591260" cy="2499796"/>
+          </a:xfrm>
+          <a:prstGeom prst="rect">
+            <a:avLst/>
+          </a:prstGeom>
+          <a:ln w="38100" cap="sq">
+            <a:solidFill>
+              <a:srgbClr val="000000"/>
+            </a:solidFill>
+            <a:prstDash val="solid"/>
+            <a:miter lim="800000"/>
+          </a:ln>
+          <a:effectLst>
+            <a:outerShdw blurRad="50800" dist="38100" dir="2700000" algn="tl" rotWithShape="0">
+              <a:srgbClr val="000000">
+                <a:alpha val="43000"/>
+              </a:srgbClr>
+            </a:outerShdw>
+          </a:effectLst>
+        </p:spPr>
+      </p:pic>
     </p:spTree>
     <p:extLst>
       <p:ext uri="{BB962C8B-B14F-4D97-AF65-F5344CB8AC3E}">
-        <p14:creationId xmlns:p14="http://schemas.microsoft.com/office/powerpoint/2010/main" val="1315313416"/>
+        <p14:creationId xmlns:p14="http://schemas.microsoft.com/office/powerpoint/2010/main" val="480723295"/>
       </p:ext>
     </p:extLst>
   </p:cSld>
   <p:clrMapOvr>
     <a:masterClrMapping/>
   </p:clrMapOvr>
-  <mc:AlternateContent xmlns:mc="http://schemas.openxmlformats.org/markup-compatibility/2006" xmlns:p14="http://schemas.microsoft.com/office/powerpoint/2010/main">
-    <mc:Choice Requires="p14">
-      <p:transition p14:dur="0"/>
-    </mc:Choice>
-    <mc:Fallback xmlns="">
-      <p:transition/>
-    </mc:Fallback>
-  </mc:AlternateContent>
   <p:timing>
     <p:tnLst>
       <p:par>
-        <p:cTn id="1" dur="indefinite" restart="never" nodeType="tmRoot">
-          <p:childTnLst>
-            <p:seq concurrent="1" nextAc="seek">
-              <p:cTn id="2" dur="indefinite" nodeType="mainSeq">
-                <p:childTnLst>
-                  <p:par>
-                    <p:cTn id="3" fill="hold">
-                      <p:stCondLst>
-                        <p:cond delay="indefinite"/>
-                        <p:cond evt="onBegin" delay="0">
-                          <p:tn val="2"/>
-                        </p:cond>
-                      </p:stCondLst>
-                      <p:childTnLst>
-                        <p:par>
-                          <p:cTn id="4" fill="hold">
-                            <p:stCondLst>
-                              <p:cond delay="0"/>
-                            </p:stCondLst>
-                            <p:childTnLst>
-                              <p:par>
-                                <p:cTn id="5" presetID="2" presetClass="entr" presetSubtype="4" fill="hold" grpId="0" nodeType="withEffect">
-                                  <p:stCondLst>
-                                    <p:cond delay="0"/>
-                                  </p:stCondLst>
-                                  <p:childTnLst>
-                                    <p:set>
-                                      <p:cBhvr>
-                                        <p:cTn id="6" dur="1" fill="hold">
-                                          <p:stCondLst>
-                                            <p:cond delay="0"/>
-                                          </p:stCondLst>
-                                        </p:cTn>
-                                        <p:tgtEl>
-                                          <p:spTgt spid="4"/>
-                                        </p:tgtEl>
-                                        <p:attrNameLst>
-                                          <p:attrName>style.visibility</p:attrName>
-                                        </p:attrNameLst>
-                                      </p:cBhvr>
-                                      <p:to>
-                                        <p:strVal val="visible"/>
-                                      </p:to>
-                                    </p:set>
-                                    <p:anim calcmode="lin" valueType="num">
-                                      <p:cBhvr additive="base">
-                                        <p:cTn id="7" dur="500" fill="hold"/>
-                                        <p:tgtEl>
-                                          <p:spTgt spid="4"/>
-                                        </p:tgtEl>
-                                        <p:attrNameLst>
-                                          <p:attrName>ppt_x</p:attrName>
-                                        </p:attrNameLst>
-                                      </p:cBhvr>
-                                      <p:tavLst>
-                                        <p:tav tm="0">
-                                          <p:val>
-                                            <p:strVal val="#ppt_x"/>
-                                          </p:val>
-                                        </p:tav>
-                                        <p:tav tm="100000">
-                                          <p:val>
-                                            <p:strVal val="#ppt_x"/>
-                                          </p:val>
-                                        </p:tav>
-                                      </p:tavLst>
-                                    </p:anim>
-                                    <p:anim calcmode="lin" valueType="num">
-                                      <p:cBhvr additive="base">
-                                        <p:cTn id="8" dur="500" fill="hold"/>
-                                        <p:tgtEl>
-                                          <p:spTgt spid="4"/>
-                                        </p:tgtEl>
-                                        <p:attrNameLst>
-                                          <p:attrName>ppt_y</p:attrName>
-                                        </p:attrNameLst>
-                                      </p:cBhvr>
-                                      <p:tavLst>
-                                        <p:tav tm="0">
-                                          <p:val>
-                                            <p:strVal val="1+#ppt_h/2"/>
-                                          </p:val>
-                                        </p:tav>
-                                        <p:tav tm="100000">
-                                          <p:val>
-                                            <p:strVal val="#ppt_y"/>
-                                          </p:val>
-                                        </p:tav>
-                                      </p:tavLst>
-                                    </p:anim>
-                                  </p:childTnLst>
-                                </p:cTn>
-                              </p:par>
-                            </p:childTnLst>
-                          </p:cTn>
-                        </p:par>
-                      </p:childTnLst>
-                    </p:cTn>
-                  </p:par>
-                </p:childTnLst>
-              </p:cTn>
-              <p:prevCondLst>
-                <p:cond evt="onPrev" delay="0">
-                  <p:tgtEl>
-                    <p:sldTgt/>
-                  </p:tgtEl>
-                </p:cond>
-              </p:prevCondLst>
-              <p:nextCondLst>
-                <p:cond evt="onNext" delay="0">
-                  <p:tgtEl>
-                    <p:sldTgt/>
-                  </p:tgtEl>
-                </p:cond>
-              </p:nextCondLst>
-            </p:seq>
-          </p:childTnLst>
-        </p:cTn>
+        <p:cTn id="1" dur="indefinite" restart="never" nodeType="tmRoot"/>
       </p:par>
     </p:tnLst>
-    <p:bldLst>
-      <p:bldP spid="4" grpId="0"/>
-    </p:bldLst>
   </p:timing>
 </p:sld>
 </file>
@@ -8608,8 +8435,8 @@
         </p:blipFill>
         <p:spPr>
           <a:xfrm>
-            <a:off x="2889552" y="929072"/>
-            <a:ext cx="5604762" cy="2470345"/>
+            <a:off x="2267219" y="1103860"/>
+            <a:ext cx="6530109" cy="2806014"/>
           </a:xfrm>
           <a:prstGeom prst="rect">
             <a:avLst/>
@@ -8652,8 +8479,8 @@
         </p:blipFill>
         <p:spPr>
           <a:xfrm>
-            <a:off x="2903054" y="3851564"/>
-            <a:ext cx="5591260" cy="2499796"/>
+            <a:off x="2267220" y="4112370"/>
+            <a:ext cx="6545332" cy="2593104"/>
           </a:xfrm>
           <a:prstGeom prst="rect">
             <a:avLst/>
@@ -8677,7 +8504,7 @@
     </p:spTree>
     <p:extLst>
       <p:ext uri="{BB962C8B-B14F-4D97-AF65-F5344CB8AC3E}">
-        <p14:creationId xmlns:p14="http://schemas.microsoft.com/office/powerpoint/2010/main" val="480723295"/>
+        <p14:creationId xmlns:p14="http://schemas.microsoft.com/office/powerpoint/2010/main" val="2399702132"/>
       </p:ext>
     </p:extLst>
   </p:cSld>
@@ -8793,8 +8620,8 @@
         </p:blipFill>
         <p:spPr>
           <a:xfrm>
-            <a:off x="2267219" y="1103860"/>
-            <a:ext cx="6530109" cy="2806014"/>
+            <a:off x="2680931" y="1016001"/>
+            <a:ext cx="5717907" cy="2673956"/>
           </a:xfrm>
           <a:prstGeom prst="rect">
             <a:avLst/>
@@ -8837,8 +8664,8 @@
         </p:blipFill>
         <p:spPr>
           <a:xfrm>
-            <a:off x="2267220" y="4112370"/>
-            <a:ext cx="6545332" cy="2593104"/>
+            <a:off x="2680931" y="3901069"/>
+            <a:ext cx="5717907" cy="2739876"/>
           </a:xfrm>
           <a:prstGeom prst="rect">
             <a:avLst/>
@@ -8862,7 +8689,7 @@
     </p:spTree>
     <p:extLst>
       <p:ext uri="{BB962C8B-B14F-4D97-AF65-F5344CB8AC3E}">
-        <p14:creationId xmlns:p14="http://schemas.microsoft.com/office/powerpoint/2010/main" val="2399702132"/>
+        <p14:creationId xmlns:p14="http://schemas.microsoft.com/office/powerpoint/2010/main" val="707336617"/>
       </p:ext>
     </p:extLst>
   </p:cSld>
@@ -8978,8 +8805,8 @@
         </p:blipFill>
         <p:spPr>
           <a:xfrm>
-            <a:off x="2680931" y="1016001"/>
-            <a:ext cx="5717907" cy="2673956"/>
+            <a:off x="2267219" y="1137913"/>
+            <a:ext cx="7026295" cy="2627278"/>
           </a:xfrm>
           <a:prstGeom prst="rect">
             <a:avLst/>
@@ -9022,8 +8849,8 @@
         </p:blipFill>
         <p:spPr>
           <a:xfrm>
-            <a:off x="2680931" y="3901069"/>
-            <a:ext cx="5717907" cy="2739876"/>
+            <a:off x="2228118" y="4112702"/>
+            <a:ext cx="7104496" cy="2569807"/>
           </a:xfrm>
           <a:prstGeom prst="rect">
             <a:avLst/>
@@ -9047,7 +8874,7 @@
     </p:spTree>
     <p:extLst>
       <p:ext uri="{BB962C8B-B14F-4D97-AF65-F5344CB8AC3E}">
-        <p14:creationId xmlns:p14="http://schemas.microsoft.com/office/powerpoint/2010/main" val="707336617"/>
+        <p14:creationId xmlns:p14="http://schemas.microsoft.com/office/powerpoint/2010/main" val="49470548"/>
       </p:ext>
     </p:extLst>
   </p:cSld>
@@ -9143,7 +8970,7 @@
       </p:pic>
       <p:pic>
         <p:nvPicPr>
-          <p:cNvPr id="2" name="Picture 1"/>
+          <p:cNvPr id="3" name="Picture 2"/>
           <p:cNvPicPr>
             <a:picLocks noChangeAspect="1"/>
           </p:cNvPicPr>
@@ -9163,8 +8990,8 @@
         </p:blipFill>
         <p:spPr>
           <a:xfrm>
-            <a:off x="2267219" y="1137913"/>
-            <a:ext cx="7026295" cy="2627278"/>
+            <a:off x="2535655" y="1036312"/>
+            <a:ext cx="6479036" cy="2732123"/>
           </a:xfrm>
           <a:prstGeom prst="rect">
             <a:avLst/>
@@ -9187,7 +9014,7 @@
       </p:pic>
       <p:pic>
         <p:nvPicPr>
-          <p:cNvPr id="3" name="Picture 2"/>
+          <p:cNvPr id="4" name="Picture 3"/>
           <p:cNvPicPr>
             <a:picLocks noChangeAspect="1"/>
           </p:cNvPicPr>
@@ -9207,8 +9034,8 @@
         </p:blipFill>
         <p:spPr>
           <a:xfrm>
-            <a:off x="2228118" y="4112702"/>
-            <a:ext cx="7104496" cy="2569807"/>
+            <a:off x="2535655" y="4064762"/>
+            <a:ext cx="6479036" cy="2594656"/>
           </a:xfrm>
           <a:prstGeom prst="rect">
             <a:avLst/>
@@ -9232,7 +9059,7 @@
     </p:spTree>
     <p:extLst>
       <p:ext uri="{BB962C8B-B14F-4D97-AF65-F5344CB8AC3E}">
-        <p14:creationId xmlns:p14="http://schemas.microsoft.com/office/powerpoint/2010/main" val="49470548"/>
+        <p14:creationId xmlns:p14="http://schemas.microsoft.com/office/powerpoint/2010/main" val="1960619832"/>
       </p:ext>
     </p:extLst>
   </p:cSld>
@@ -9328,7 +9155,7 @@
       </p:pic>
       <p:pic>
         <p:nvPicPr>
-          <p:cNvPr id="3" name="Picture 2"/>
+          <p:cNvPr id="2" name="Picture 1"/>
           <p:cNvPicPr>
             <a:picLocks noChangeAspect="1"/>
           </p:cNvPicPr>
@@ -9348,8 +9175,8 @@
         </p:blipFill>
         <p:spPr>
           <a:xfrm>
-            <a:off x="2535655" y="1036312"/>
-            <a:ext cx="6479036" cy="2732123"/>
+            <a:off x="2186398" y="1045799"/>
+            <a:ext cx="6976076" cy="2633339"/>
           </a:xfrm>
           <a:prstGeom prst="rect">
             <a:avLst/>
@@ -9372,7 +9199,7 @@
       </p:pic>
       <p:pic>
         <p:nvPicPr>
-          <p:cNvPr id="4" name="Picture 3"/>
+          <p:cNvPr id="3" name="Picture 2"/>
           <p:cNvPicPr>
             <a:picLocks noChangeAspect="1"/>
           </p:cNvPicPr>
@@ -9392,8 +9219,8 @@
         </p:blipFill>
         <p:spPr>
           <a:xfrm>
-            <a:off x="2535655" y="4064762"/>
-            <a:ext cx="6479036" cy="2594656"/>
+            <a:off x="2186398" y="3795865"/>
+            <a:ext cx="6976076" cy="2688313"/>
           </a:xfrm>
           <a:prstGeom prst="rect">
             <a:avLst/>
@@ -9417,7 +9244,7 @@
     </p:spTree>
     <p:extLst>
       <p:ext uri="{BB962C8B-B14F-4D97-AF65-F5344CB8AC3E}">
-        <p14:creationId xmlns:p14="http://schemas.microsoft.com/office/powerpoint/2010/main" val="1960619832"/>
+        <p14:creationId xmlns:p14="http://schemas.microsoft.com/office/powerpoint/2010/main" val="2898717642"/>
       </p:ext>
     </p:extLst>
   </p:cSld>
@@ -9567,11 +9394,11 @@
   <p:clrMapOvr>
     <a:masterClrMapping/>
   </p:clrMapOvr>
-  <mc:AlternateContent xmlns:mc="http://schemas.openxmlformats.org/markup-compatibility/2006" xmlns:p14="http://schemas.microsoft.com/office/powerpoint/2010/main">
-    <mc:Choice Requires="p14">
+  <mc:AlternateContent xmlns:mc="http://schemas.openxmlformats.org/markup-compatibility/2006">
+    <mc:Choice xmlns:p14="http://schemas.microsoft.com/office/powerpoint/2010/main" Requires="p14">
       <p:transition p14:dur="10"/>
     </mc:Choice>
-    <mc:Fallback xmlns="">
+    <mc:Fallback>
       <p:transition/>
     </mc:Fallback>
   </mc:AlternateContent>
@@ -9715,191 +9542,6 @@
   <p:cSld>
     <p:spTree>
       <p:nvGrpSpPr>
-        <p:cNvPr id="1" name="Shape 69"/>
-        <p:cNvGrpSpPr/>
-        <p:nvPr/>
-      </p:nvGrpSpPr>
-      <p:grpSpPr>
-        <a:xfrm>
-          <a:off x="0" y="0"/>
-          <a:ext cx="0" cy="0"/>
-          <a:chOff x="0" y="0"/>
-          <a:chExt cx="0" cy="0"/>
-        </a:xfrm>
-      </p:grpSpPr>
-      <p:pic>
-        <p:nvPicPr>
-          <p:cNvPr id="5" name="Picture 4"/>
-          <p:cNvPicPr>
-            <a:picLocks noChangeAspect="1"/>
-          </p:cNvPicPr>
-          <p:nvPr/>
-        </p:nvPicPr>
-        <p:blipFill>
-          <a:blip r:embed="rId3">
-            <a:extLst>
-              <a:ext uri="{28A0092B-C50C-407E-A947-70E740481C1C}">
-                <a14:useLocalDpi xmlns:a14="http://schemas.microsoft.com/office/drawing/2010/main" val="0"/>
-              </a:ext>
-            </a:extLst>
-          </a:blip>
-          <a:stretch>
-            <a:fillRect/>
-          </a:stretch>
-        </p:blipFill>
-        <p:spPr>
-          <a:xfrm>
-            <a:off x="23697" y="113696"/>
-            <a:ext cx="2243522" cy="1024217"/>
-          </a:xfrm>
-          <a:prstGeom prst="rect">
-            <a:avLst/>
-          </a:prstGeom>
-        </p:spPr>
-      </p:pic>
-      <p:pic>
-        <p:nvPicPr>
-          <p:cNvPr id="6" name="Picture 5"/>
-          <p:cNvPicPr>
-            <a:picLocks noChangeAspect="1"/>
-          </p:cNvPicPr>
-          <p:nvPr/>
-        </p:nvPicPr>
-        <p:blipFill>
-          <a:blip r:embed="rId4">
-            <a:extLst>
-              <a:ext uri="{28A0092B-C50C-407E-A947-70E740481C1C}">
-                <a14:useLocalDpi xmlns:a14="http://schemas.microsoft.com/office/drawing/2010/main" val="0"/>
-              </a:ext>
-            </a:extLst>
-          </a:blip>
-          <a:stretch>
-            <a:fillRect/>
-          </a:stretch>
-        </p:blipFill>
-        <p:spPr>
-          <a:xfrm>
-            <a:off x="8812551" y="276743"/>
-            <a:ext cx="2688569" cy="652329"/>
-          </a:xfrm>
-          <a:prstGeom prst="rect">
-            <a:avLst/>
-          </a:prstGeom>
-        </p:spPr>
-      </p:pic>
-      <p:pic>
-        <p:nvPicPr>
-          <p:cNvPr id="2" name="Picture 1"/>
-          <p:cNvPicPr>
-            <a:picLocks noChangeAspect="1"/>
-          </p:cNvPicPr>
-          <p:nvPr/>
-        </p:nvPicPr>
-        <p:blipFill>
-          <a:blip r:embed="rId5" cstate="print">
-            <a:extLst>
-              <a:ext uri="{28A0092B-C50C-407E-A947-70E740481C1C}">
-                <a14:useLocalDpi xmlns:a14="http://schemas.microsoft.com/office/drawing/2010/main" val="0"/>
-              </a:ext>
-            </a:extLst>
-          </a:blip>
-          <a:stretch>
-            <a:fillRect/>
-          </a:stretch>
-        </p:blipFill>
-        <p:spPr>
-          <a:xfrm>
-            <a:off x="2186398" y="1045799"/>
-            <a:ext cx="6976076" cy="2633339"/>
-          </a:xfrm>
-          <a:prstGeom prst="rect">
-            <a:avLst/>
-          </a:prstGeom>
-          <a:ln w="38100" cap="sq">
-            <a:solidFill>
-              <a:srgbClr val="000000"/>
-            </a:solidFill>
-            <a:prstDash val="solid"/>
-            <a:miter lim="800000"/>
-          </a:ln>
-          <a:effectLst>
-            <a:outerShdw blurRad="50800" dist="38100" dir="2700000" algn="tl" rotWithShape="0">
-              <a:srgbClr val="000000">
-                <a:alpha val="43000"/>
-              </a:srgbClr>
-            </a:outerShdw>
-          </a:effectLst>
-        </p:spPr>
-      </p:pic>
-      <p:pic>
-        <p:nvPicPr>
-          <p:cNvPr id="3" name="Picture 2"/>
-          <p:cNvPicPr>
-            <a:picLocks noChangeAspect="1"/>
-          </p:cNvPicPr>
-          <p:nvPr/>
-        </p:nvPicPr>
-        <p:blipFill>
-          <a:blip r:embed="rId6" cstate="print">
-            <a:extLst>
-              <a:ext uri="{28A0092B-C50C-407E-A947-70E740481C1C}">
-                <a14:useLocalDpi xmlns:a14="http://schemas.microsoft.com/office/drawing/2010/main" val="0"/>
-              </a:ext>
-            </a:extLst>
-          </a:blip>
-          <a:stretch>
-            <a:fillRect/>
-          </a:stretch>
-        </p:blipFill>
-        <p:spPr>
-          <a:xfrm>
-            <a:off x="2186398" y="3795865"/>
-            <a:ext cx="6976076" cy="2688313"/>
-          </a:xfrm>
-          <a:prstGeom prst="rect">
-            <a:avLst/>
-          </a:prstGeom>
-          <a:ln w="38100" cap="sq">
-            <a:solidFill>
-              <a:srgbClr val="000000"/>
-            </a:solidFill>
-            <a:prstDash val="solid"/>
-            <a:miter lim="800000"/>
-          </a:ln>
-          <a:effectLst>
-            <a:outerShdw blurRad="50800" dist="38100" dir="2700000" algn="tl" rotWithShape="0">
-              <a:srgbClr val="000000">
-                <a:alpha val="43000"/>
-              </a:srgbClr>
-            </a:outerShdw>
-          </a:effectLst>
-        </p:spPr>
-      </p:pic>
-    </p:spTree>
-    <p:extLst>
-      <p:ext uri="{BB962C8B-B14F-4D97-AF65-F5344CB8AC3E}">
-        <p14:creationId xmlns:p14="http://schemas.microsoft.com/office/powerpoint/2010/main" val="2898717642"/>
-      </p:ext>
-    </p:extLst>
-  </p:cSld>
-  <p:clrMapOvr>
-    <a:masterClrMapping/>
-  </p:clrMapOvr>
-  <p:timing>
-    <p:tnLst>
-      <p:par>
-        <p:cTn id="1" dur="indefinite" restart="never" nodeType="tmRoot"/>
-      </p:par>
-    </p:tnLst>
-  </p:timing>
-</p:sld>
-</file>
-
-<file path=ppt/slides/slide21.xml><?xml version="1.0" encoding="utf-8"?>
-<p:sld xmlns:a="http://schemas.openxmlformats.org/drawingml/2006/main" xmlns:r="http://schemas.openxmlformats.org/officeDocument/2006/relationships" xmlns:p="http://schemas.openxmlformats.org/presentationml/2006/main">
-  <p:cSld>
-    <p:spTree>
-      <p:nvGrpSpPr>
         <p:cNvPr id="1" name=""/>
         <p:cNvGrpSpPr/>
         <p:nvPr/>
@@ -10092,7 +9734,11 @@
             </a:pPr>
             <a:r>
               <a:rPr lang="en-US" sz="2400" dirty="0" smtClean="0"/>
-              <a:t> A  Portal for </a:t>
+              <a:t> A </a:t>
+            </a:r>
+            <a:r>
+              <a:rPr lang="en-US" sz="2400" dirty="0" smtClean="0"/>
+              <a:t> Portal for </a:t>
             </a:r>
             <a:r>
               <a:rPr lang="en-US" sz="2400" dirty="0"/>
@@ -10138,8 +9784,17 @@
             </a:pPr>
             <a:r>
               <a:rPr lang="en-US" sz="2400" dirty="0" smtClean="0"/>
-              <a:t>Purpose to implement Online challan is to minimize the  effort and load of both the Police and Users in doing the operations.</a:t>
-            </a:r>
+              <a:t>Purpose</a:t>
+            </a:r>
+            <a:r>
+              <a:rPr lang="en-US" sz="2400" dirty="0" smtClean="0"/>
+              <a:t> to imple</a:t>
+            </a:r>
+            <a:r>
+              <a:rPr lang="en-US" sz="2400" dirty="0" smtClean="0"/>
+              <a:t>ment Online challan is to minimize the  effort and load of both the Police and Users in doing the operations.</a:t>
+            </a:r>
+            <a:endParaRPr lang="en-US" sz="2400" dirty="0" smtClean="0"/>
           </a:p>
           <a:p>
             <a:pPr marL="342900" indent="-342900">
@@ -10155,7 +9810,15 @@
             </a:pPr>
             <a:r>
               <a:rPr lang="en-US" sz="2400" dirty="0" smtClean="0"/>
-              <a:t> For that we have </a:t>
+              <a:t> </a:t>
+            </a:r>
+            <a:r>
+              <a:rPr lang="en-US" sz="2400" dirty="0" smtClean="0"/>
+              <a:t>For that we </a:t>
+            </a:r>
+            <a:r>
+              <a:rPr lang="en-US" sz="2400" dirty="0" smtClean="0"/>
+              <a:t>have </a:t>
             </a:r>
             <a:r>
               <a:rPr lang="en-US" sz="2400" dirty="0"/>
@@ -10171,7 +9834,11 @@
             </a:r>
             <a:r>
               <a:rPr lang="en-US" sz="2400" dirty="0" smtClean="0"/>
-              <a:t>Login for Traffic </a:t>
+              <a:t>Login for</a:t>
+            </a:r>
+            <a:r>
+              <a:rPr lang="en-US" sz="2400" dirty="0" smtClean="0"/>
+              <a:t> Traffic </a:t>
             </a:r>
             <a:r>
               <a:rPr lang="en-US" sz="2400" dirty="0"/>
@@ -10217,7 +9884,11 @@
             </a:r>
             <a:r>
               <a:rPr lang="en-US" sz="2400" dirty="0" smtClean="0"/>
-              <a:t>roof.</a:t>
+              <a:t>roof</a:t>
+            </a:r>
+            <a:r>
+              <a:rPr lang="en-US" sz="2400" dirty="0" smtClean="0"/>
+              <a:t>.</a:t>
             </a:r>
           </a:p>
           <a:p>
@@ -10409,11 +10080,11 @@
   <p:clrMapOvr>
     <a:masterClrMapping/>
   </p:clrMapOvr>
-  <mc:AlternateContent xmlns:mc="http://schemas.openxmlformats.org/markup-compatibility/2006" xmlns:p14="http://schemas.microsoft.com/office/powerpoint/2010/main">
-    <mc:Choice Requires="p14">
+  <mc:AlternateContent xmlns:mc="http://schemas.openxmlformats.org/markup-compatibility/2006">
+    <mc:Choice xmlns:p14="http://schemas.microsoft.com/office/powerpoint/2010/main" Requires="p14">
       <p:transition p14:dur="0"/>
     </mc:Choice>
-    <mc:Fallback xmlns="">
+    <mc:Fallback>
       <p:transition/>
     </mc:Fallback>
   </mc:AlternateContent>
@@ -10652,8 +10323,25 @@
             </a:pPr>
             <a:r>
               <a:rPr lang="en-US" sz="2400" dirty="0" smtClean="0"/>
-              <a:t>Analysis of the Requirements needed in Design and Data Flow.</a:t>
-            </a:r>
+              <a:t>Analysis of the </a:t>
+            </a:r>
+            <a:r>
+              <a:rPr lang="en-US" sz="2400" dirty="0" smtClean="0"/>
+              <a:t>R</a:t>
+            </a:r>
+            <a:r>
+              <a:rPr lang="en-US" sz="2400" dirty="0" smtClean="0"/>
+              <a:t>equirements </a:t>
+            </a:r>
+            <a:r>
+              <a:rPr lang="en-US" sz="2400" dirty="0" smtClean="0"/>
+              <a:t>needed in </a:t>
+            </a:r>
+            <a:r>
+              <a:rPr lang="en-US" sz="2400" dirty="0" smtClean="0"/>
+              <a:t>Design and Data Flow.</a:t>
+            </a:r>
+            <a:endParaRPr lang="en-US" sz="2400" dirty="0" smtClean="0"/>
           </a:p>
           <a:p>
             <a:pPr marL="342900" indent="-342900">
@@ -10669,7 +10357,11 @@
             </a:pPr>
             <a:r>
               <a:rPr lang="en-US" sz="2400" dirty="0" smtClean="0"/>
-              <a:t>Designed ER  diagram and Database, Angular </a:t>
+              <a:t>Designed ER  </a:t>
+            </a:r>
+            <a:r>
+              <a:rPr lang="en-US" sz="2400" dirty="0" smtClean="0"/>
+              <a:t>diagram and Database, Angular </a:t>
             </a:r>
             <a:r>
               <a:rPr lang="en-US" sz="2400" dirty="0"/>
@@ -10677,7 +10369,19 @@
             </a:r>
             <a:r>
               <a:rPr lang="en-US" sz="2400" dirty="0" smtClean="0"/>
-              <a:t>ndpoints and flow chart  of Portal.</a:t>
+              <a:t>ndpoints </a:t>
+            </a:r>
+            <a:r>
+              <a:rPr lang="en-US" sz="2400" dirty="0" smtClean="0"/>
+              <a:t>and flow chart  of </a:t>
+            </a:r>
+            <a:r>
+              <a:rPr lang="en-US" sz="2400" dirty="0" smtClean="0"/>
+              <a:t>Portal</a:t>
+            </a:r>
+            <a:r>
+              <a:rPr lang="en-US" sz="2400" dirty="0" smtClean="0"/>
+              <a:t>.</a:t>
             </a:r>
           </a:p>
           <a:p>
@@ -10696,6 +10400,7 @@
               <a:rPr lang="en-US" sz="2400" dirty="0" smtClean="0"/>
               <a:t>Generated Three Main Components </a:t>
             </a:r>
+            <a:endParaRPr lang="en-US" sz="2400" dirty="0" smtClean="0"/>
           </a:p>
           <a:p>
             <a:pPr>
@@ -10719,8 +10424,13 @@
             </a:r>
             <a:r>
               <a:rPr lang="en-US" sz="2000" dirty="0" smtClean="0"/>
-              <a:t>  Welcome Page</a:t>
-            </a:r>
+              <a:t>  </a:t>
+            </a:r>
+            <a:r>
+              <a:rPr lang="en-US" sz="2000" dirty="0" smtClean="0"/>
+              <a:t>Welcome Page</a:t>
+            </a:r>
+            <a:endParaRPr lang="en-US" sz="2000" dirty="0" smtClean="0"/>
           </a:p>
           <a:p>
             <a:pPr marL="800100" lvl="1" indent="-342900">
@@ -10736,7 +10446,15 @@
             </a:r>
             <a:r>
               <a:rPr lang="en-US" sz="2000" dirty="0" smtClean="0"/>
-              <a:t>   Police Homepage</a:t>
+              <a:t>   </a:t>
+            </a:r>
+            <a:r>
+              <a:rPr lang="en-US" sz="2000" dirty="0" smtClean="0"/>
+              <a:t>Police </a:t>
+            </a:r>
+            <a:r>
+              <a:rPr lang="en-US" sz="2000" dirty="0" smtClean="0"/>
+              <a:t>Homepage</a:t>
             </a:r>
           </a:p>
           <a:p>
@@ -10753,7 +10471,15 @@
             </a:r>
             <a:r>
               <a:rPr lang="en-US" sz="2000" dirty="0" smtClean="0"/>
-              <a:t>   Vehicle owner page</a:t>
+              <a:t>   </a:t>
+            </a:r>
+            <a:r>
+              <a:rPr lang="en-US" sz="2000" dirty="0" smtClean="0"/>
+              <a:t>Vehicle </a:t>
+            </a:r>
+            <a:r>
+              <a:rPr lang="en-US" sz="2000" dirty="0" smtClean="0"/>
+              <a:t>owner page</a:t>
             </a:r>
           </a:p>
           <a:p>
@@ -10899,40 +10625,222 @@
           </a:prstGeom>
         </p:spPr>
       </p:pic>
-      <p:pic>
-        <p:nvPicPr>
-          <p:cNvPr id="2" name="Picture 1"/>
-          <p:cNvPicPr>
-            <a:picLocks noChangeAspect="1"/>
-          </p:cNvPicPr>
+      <p:sp>
+        <p:nvSpPr>
+          <p:cNvPr id="7" name="TextBox 6"/>
+          <p:cNvSpPr txBox="1"/>
           <p:nvPr/>
-        </p:nvPicPr>
-        <p:blipFill>
-          <a:blip r:embed="rId5">
-            <a:extLst>
-              <a:ext uri="{28A0092B-C50C-407E-A947-70E740481C1C}">
-                <a14:useLocalDpi xmlns:a14="http://schemas.microsoft.com/office/drawing/2010/main" val="0"/>
-              </a:ext>
-            </a:extLst>
-          </a:blip>
-          <a:stretch>
-            <a:fillRect/>
-          </a:stretch>
-        </p:blipFill>
-        <p:spPr>
-          <a:xfrm>
-            <a:off x="2017387" y="1400055"/>
-            <a:ext cx="7048862" cy="4667490"/>
+        </p:nvSpPr>
+        <p:spPr>
+          <a:xfrm>
+            <a:off x="2448782" y="762817"/>
+            <a:ext cx="8095981" cy="7663636"/>
           </a:xfrm>
           <a:prstGeom prst="rect">
             <a:avLst/>
           </a:prstGeom>
-        </p:spPr>
-      </p:pic>
+          <a:noFill/>
+        </p:spPr>
+        <p:txBody>
+          <a:bodyPr wrap="square" rtlCol="0">
+            <a:spAutoFit/>
+          </a:bodyPr>
+          <a:lstStyle/>
+          <a:p>
+            <a:pPr marL="514350" indent="-514350">
+              <a:buAutoNum type="arabicPeriod"/>
+            </a:pPr>
+            <a:r>
+              <a:rPr lang="en-US" sz="2800" b="1" dirty="0" smtClean="0"/>
+              <a:t>Welcome Component</a:t>
+            </a:r>
+          </a:p>
+          <a:p>
+            <a:pPr marL="971550" lvl="1" indent="-514350">
+              <a:buFont typeface="Wingdings" panose="05000000000000000000" pitchFamily="2" charset="2"/>
+              <a:buChar char="§"/>
+            </a:pPr>
+            <a:r>
+              <a:rPr lang="en-US" sz="2400" dirty="0" smtClean="0"/>
+              <a:t>Police log in</a:t>
+            </a:r>
+          </a:p>
+          <a:p>
+            <a:pPr marL="971550" lvl="1" indent="-514350">
+              <a:buFont typeface="Wingdings" panose="05000000000000000000" pitchFamily="2" charset="2"/>
+              <a:buChar char="§"/>
+            </a:pPr>
+            <a:r>
+              <a:rPr lang="en-US" sz="2400" dirty="0" smtClean="0"/>
+              <a:t>Vehicle owner log in</a:t>
+            </a:r>
+          </a:p>
+          <a:p>
+            <a:endParaRPr lang="en-US" dirty="0" smtClean="0"/>
+          </a:p>
+          <a:p>
+            <a:r>
+              <a:rPr lang="en-US" sz="2800" b="1" dirty="0" smtClean="0"/>
+              <a:t>2. Police Home Page</a:t>
+            </a:r>
+          </a:p>
+          <a:p>
+            <a:pPr marL="971550" lvl="1" indent="-514350">
+              <a:buFont typeface="Wingdings" panose="05000000000000000000" pitchFamily="2" charset="2"/>
+              <a:buChar char="§"/>
+            </a:pPr>
+            <a:r>
+              <a:rPr lang="en-US" sz="2400" dirty="0" smtClean="0"/>
+              <a:t>View Issued Challan</a:t>
+            </a:r>
+          </a:p>
+          <a:p>
+            <a:pPr marL="971550" lvl="1" indent="-514350">
+              <a:buFont typeface="Wingdings" panose="05000000000000000000" pitchFamily="2" charset="2"/>
+              <a:buChar char="§"/>
+            </a:pPr>
+            <a:r>
+              <a:rPr lang="en-US" sz="2400" dirty="0" smtClean="0"/>
+              <a:t>View Disputed Challan</a:t>
+            </a:r>
+          </a:p>
+          <a:p>
+            <a:pPr marL="971550" lvl="1" indent="-514350">
+              <a:buFont typeface="Wingdings" panose="05000000000000000000" pitchFamily="2" charset="2"/>
+              <a:buChar char="§"/>
+            </a:pPr>
+            <a:r>
+              <a:rPr lang="en-US" sz="2400" dirty="0" smtClean="0"/>
+              <a:t>View Paid Challan</a:t>
+            </a:r>
+          </a:p>
+          <a:p>
+            <a:pPr marL="971550" lvl="1" indent="-514350">
+              <a:buFont typeface="Wingdings" panose="05000000000000000000" pitchFamily="2" charset="2"/>
+              <a:buChar char="§"/>
+            </a:pPr>
+            <a:r>
+              <a:rPr lang="en-US" sz="2400" dirty="0" smtClean="0"/>
+              <a:t>View Violation Report</a:t>
+            </a:r>
+          </a:p>
+          <a:p>
+            <a:pPr marL="971550" lvl="1" indent="-514350">
+              <a:buFont typeface="Wingdings" panose="05000000000000000000" pitchFamily="2" charset="2"/>
+              <a:buChar char="§"/>
+            </a:pPr>
+            <a:r>
+              <a:rPr lang="en-US" sz="2400" dirty="0" smtClean="0"/>
+              <a:t>Generate New Challan</a:t>
+            </a:r>
+          </a:p>
+          <a:p>
+            <a:pPr marL="971550" lvl="1" indent="-514350">
+              <a:buFont typeface="Wingdings" panose="05000000000000000000" pitchFamily="2" charset="2"/>
+              <a:buChar char="§"/>
+            </a:pPr>
+            <a:endParaRPr lang="en-US" sz="2400" dirty="0" smtClean="0"/>
+          </a:p>
+          <a:p>
+            <a:r>
+              <a:rPr lang="en-US" sz="2800" b="1" dirty="0"/>
+              <a:t>3. Vehicle Log </a:t>
+            </a:r>
+            <a:r>
+              <a:rPr lang="en-US" sz="2800" b="1" dirty="0" smtClean="0"/>
+              <a:t>in</a:t>
+            </a:r>
+            <a:endParaRPr lang="en-US" b="1" dirty="0"/>
+          </a:p>
+          <a:p>
+            <a:pPr marL="971550" lvl="1" indent="-514350">
+              <a:buFont typeface="Wingdings" panose="05000000000000000000" pitchFamily="2" charset="2"/>
+              <a:buChar char="§"/>
+            </a:pPr>
+            <a:r>
+              <a:rPr lang="en-US" sz="2400" dirty="0"/>
+              <a:t>View </a:t>
+            </a:r>
+            <a:r>
+              <a:rPr lang="en-US" sz="2400" dirty="0" smtClean="0"/>
+              <a:t>challans</a:t>
+            </a:r>
+            <a:endParaRPr lang="en-US" dirty="0"/>
+          </a:p>
+          <a:p>
+            <a:pPr marL="1371600" lvl="2" indent="-457200">
+              <a:buFont typeface="Wingdings" panose="05000000000000000000" pitchFamily="2" charset="2"/>
+              <a:buChar char="§"/>
+            </a:pPr>
+            <a:r>
+              <a:rPr lang="en-US" dirty="0"/>
+              <a:t>Raise a </a:t>
+            </a:r>
+            <a:r>
+              <a:rPr lang="en-US" dirty="0" smtClean="0"/>
+              <a:t>dispute</a:t>
+            </a:r>
+            <a:endParaRPr lang="en-US" dirty="0"/>
+          </a:p>
+          <a:p>
+            <a:pPr marL="1371600" lvl="2" indent="-457200">
+              <a:buFont typeface="Wingdings" panose="05000000000000000000" pitchFamily="2" charset="2"/>
+              <a:buChar char="§"/>
+            </a:pPr>
+            <a:r>
+              <a:rPr lang="en-US" dirty="0"/>
+              <a:t>To </a:t>
+            </a:r>
+            <a:r>
+              <a:rPr lang="en-US" dirty="0" smtClean="0"/>
+              <a:t>Pay</a:t>
+            </a:r>
+            <a:endParaRPr lang="en-US" dirty="0" smtClean="0"/>
+          </a:p>
+          <a:p>
+            <a:pPr marL="742950" lvl="1" indent="-285750">
+              <a:buFont typeface="Wingdings" panose="05000000000000000000" pitchFamily="2" charset="2"/>
+              <a:buChar char="§"/>
+            </a:pPr>
+            <a:r>
+              <a:rPr lang="en-US" b="1" dirty="0" smtClean="0"/>
+              <a:t>   </a:t>
+            </a:r>
+            <a:r>
+              <a:rPr lang="en-US" b="1" dirty="0" smtClean="0"/>
+              <a:t>Guidelines</a:t>
+            </a:r>
+            <a:endParaRPr lang="en-US" b="1" dirty="0"/>
+          </a:p>
+          <a:p>
+            <a:pPr marL="514350" indent="-514350">
+              <a:buAutoNum type="alphaLcPeriod"/>
+            </a:pPr>
+            <a:endParaRPr lang="en-US" dirty="0"/>
+          </a:p>
+          <a:p>
+            <a:pPr lvl="1"/>
+            <a:endParaRPr lang="en-US" sz="2400" dirty="0" smtClean="0"/>
+          </a:p>
+          <a:p>
+            <a:pPr lvl="1"/>
+            <a:endParaRPr lang="en-US" sz="2400" dirty="0" smtClean="0"/>
+          </a:p>
+          <a:p>
+            <a:pPr marL="514350" indent="-514350">
+              <a:buAutoNum type="alphaLcPeriod"/>
+            </a:pPr>
+            <a:endParaRPr lang="en-US" dirty="0" smtClean="0"/>
+          </a:p>
+          <a:p>
+            <a:endParaRPr lang="en-US" dirty="0"/>
+          </a:p>
+        </p:txBody>
+      </p:sp>
     </p:spTree>
     <p:extLst>
       <p:ext uri="{BB962C8B-B14F-4D97-AF65-F5344CB8AC3E}">
-        <p14:creationId xmlns:p14="http://schemas.microsoft.com/office/powerpoint/2010/main" val="2267890543"/>
+        <p14:creationId xmlns:p14="http://schemas.microsoft.com/office/powerpoint/2010/main" val="2532784210"/>
       </p:ext>
     </p:extLst>
   </p:cSld>
@@ -11018,310 +10926,6 @@
         </p:blipFill>
         <p:spPr>
           <a:xfrm>
-            <a:off x="8812551" y="276743"/>
-            <a:ext cx="2688569" cy="652329"/>
-          </a:xfrm>
-          <a:prstGeom prst="rect">
-            <a:avLst/>
-          </a:prstGeom>
-        </p:spPr>
-      </p:pic>
-      <p:sp>
-        <p:nvSpPr>
-          <p:cNvPr id="7" name="TextBox 6"/>
-          <p:cNvSpPr txBox="1"/>
-          <p:nvPr/>
-        </p:nvSpPr>
-        <p:spPr>
-          <a:xfrm>
-            <a:off x="2448782" y="762817"/>
-            <a:ext cx="8095981" cy="7663636"/>
-          </a:xfrm>
-          <a:prstGeom prst="rect">
-            <a:avLst/>
-          </a:prstGeom>
-          <a:noFill/>
-        </p:spPr>
-        <p:txBody>
-          <a:bodyPr wrap="square" rtlCol="0">
-            <a:spAutoFit/>
-          </a:bodyPr>
-          <a:lstStyle/>
-          <a:p>
-            <a:pPr marL="514350" indent="-514350">
-              <a:buAutoNum type="arabicPeriod"/>
-            </a:pPr>
-            <a:r>
-              <a:rPr lang="en-US" sz="2800" b="1" dirty="0" smtClean="0"/>
-              <a:t>Welcome Component</a:t>
-            </a:r>
-          </a:p>
-          <a:p>
-            <a:pPr marL="971550" lvl="1" indent="-514350">
-              <a:buFont typeface="Wingdings" panose="05000000000000000000" pitchFamily="2" charset="2"/>
-              <a:buChar char="§"/>
-            </a:pPr>
-            <a:r>
-              <a:rPr lang="en-US" sz="2400" dirty="0" smtClean="0"/>
-              <a:t>Police log in</a:t>
-            </a:r>
-          </a:p>
-          <a:p>
-            <a:pPr marL="971550" lvl="1" indent="-514350">
-              <a:buFont typeface="Wingdings" panose="05000000000000000000" pitchFamily="2" charset="2"/>
-              <a:buChar char="§"/>
-            </a:pPr>
-            <a:r>
-              <a:rPr lang="en-US" sz="2400" dirty="0" smtClean="0"/>
-              <a:t>Vehicle owner log in</a:t>
-            </a:r>
-          </a:p>
-          <a:p>
-            <a:endParaRPr lang="en-US" dirty="0" smtClean="0"/>
-          </a:p>
-          <a:p>
-            <a:r>
-              <a:rPr lang="en-US" sz="2800" b="1" dirty="0" smtClean="0"/>
-              <a:t>2. Police Home Page</a:t>
-            </a:r>
-          </a:p>
-          <a:p>
-            <a:pPr marL="971550" lvl="1" indent="-514350">
-              <a:buFont typeface="Wingdings" panose="05000000000000000000" pitchFamily="2" charset="2"/>
-              <a:buChar char="§"/>
-            </a:pPr>
-            <a:r>
-              <a:rPr lang="en-US" sz="2400" dirty="0" smtClean="0"/>
-              <a:t>View Issued Challan</a:t>
-            </a:r>
-          </a:p>
-          <a:p>
-            <a:pPr marL="971550" lvl="1" indent="-514350">
-              <a:buFont typeface="Wingdings" panose="05000000000000000000" pitchFamily="2" charset="2"/>
-              <a:buChar char="§"/>
-            </a:pPr>
-            <a:r>
-              <a:rPr lang="en-US" sz="2400" dirty="0" smtClean="0"/>
-              <a:t>View Disputed Challan</a:t>
-            </a:r>
-          </a:p>
-          <a:p>
-            <a:pPr marL="971550" lvl="1" indent="-514350">
-              <a:buFont typeface="Wingdings" panose="05000000000000000000" pitchFamily="2" charset="2"/>
-              <a:buChar char="§"/>
-            </a:pPr>
-            <a:r>
-              <a:rPr lang="en-US" sz="2400" dirty="0" smtClean="0"/>
-              <a:t>View Paid Challan</a:t>
-            </a:r>
-          </a:p>
-          <a:p>
-            <a:pPr marL="971550" lvl="1" indent="-514350">
-              <a:buFont typeface="Wingdings" panose="05000000000000000000" pitchFamily="2" charset="2"/>
-              <a:buChar char="§"/>
-            </a:pPr>
-            <a:r>
-              <a:rPr lang="en-US" sz="2400" dirty="0" smtClean="0"/>
-              <a:t>View Violation Report</a:t>
-            </a:r>
-          </a:p>
-          <a:p>
-            <a:pPr marL="971550" lvl="1" indent="-514350">
-              <a:buFont typeface="Wingdings" panose="05000000000000000000" pitchFamily="2" charset="2"/>
-              <a:buChar char="§"/>
-            </a:pPr>
-            <a:r>
-              <a:rPr lang="en-US" sz="2400" dirty="0" smtClean="0"/>
-              <a:t>Generate New Challan</a:t>
-            </a:r>
-          </a:p>
-          <a:p>
-            <a:pPr marL="971550" lvl="1" indent="-514350">
-              <a:buFont typeface="Wingdings" panose="05000000000000000000" pitchFamily="2" charset="2"/>
-              <a:buChar char="§"/>
-            </a:pPr>
-            <a:endParaRPr lang="en-US" sz="2400" dirty="0" smtClean="0"/>
-          </a:p>
-          <a:p>
-            <a:r>
-              <a:rPr lang="en-US" sz="2800" b="1" dirty="0"/>
-              <a:t>3. Vehicle Log </a:t>
-            </a:r>
-            <a:r>
-              <a:rPr lang="en-US" sz="2800" b="1" dirty="0" smtClean="0"/>
-              <a:t>in</a:t>
-            </a:r>
-            <a:endParaRPr lang="en-US" b="1" dirty="0"/>
-          </a:p>
-          <a:p>
-            <a:pPr marL="971550" lvl="1" indent="-514350">
-              <a:buFont typeface="Wingdings" panose="05000000000000000000" pitchFamily="2" charset="2"/>
-              <a:buChar char="§"/>
-            </a:pPr>
-            <a:r>
-              <a:rPr lang="en-US" sz="2400" dirty="0"/>
-              <a:t>View </a:t>
-            </a:r>
-            <a:r>
-              <a:rPr lang="en-US" sz="2400" dirty="0" smtClean="0"/>
-              <a:t>challans</a:t>
-            </a:r>
-            <a:endParaRPr lang="en-US" dirty="0"/>
-          </a:p>
-          <a:p>
-            <a:pPr marL="1371600" lvl="2" indent="-457200">
-              <a:buFont typeface="Wingdings" panose="05000000000000000000" pitchFamily="2" charset="2"/>
-              <a:buChar char="§"/>
-            </a:pPr>
-            <a:r>
-              <a:rPr lang="en-US" dirty="0"/>
-              <a:t>Raise a </a:t>
-            </a:r>
-            <a:r>
-              <a:rPr lang="en-US" dirty="0" smtClean="0"/>
-              <a:t>dispute</a:t>
-            </a:r>
-            <a:endParaRPr lang="en-US" dirty="0"/>
-          </a:p>
-          <a:p>
-            <a:pPr marL="1371600" lvl="2" indent="-457200">
-              <a:buFont typeface="Wingdings" panose="05000000000000000000" pitchFamily="2" charset="2"/>
-              <a:buChar char="§"/>
-            </a:pPr>
-            <a:r>
-              <a:rPr lang="en-US" dirty="0"/>
-              <a:t>To </a:t>
-            </a:r>
-            <a:r>
-              <a:rPr lang="en-US" dirty="0" smtClean="0"/>
-              <a:t>Pay</a:t>
-            </a:r>
-          </a:p>
-          <a:p>
-            <a:pPr marL="742950" lvl="1" indent="-285750">
-              <a:buFont typeface="Wingdings" panose="05000000000000000000" pitchFamily="2" charset="2"/>
-              <a:buChar char="§"/>
-            </a:pPr>
-            <a:r>
-              <a:rPr lang="en-US" b="1" dirty="0" smtClean="0"/>
-              <a:t>   Guidelines</a:t>
-            </a:r>
-            <a:endParaRPr lang="en-US" b="1" dirty="0"/>
-          </a:p>
-          <a:p>
-            <a:pPr marL="514350" indent="-514350">
-              <a:buAutoNum type="alphaLcPeriod"/>
-            </a:pPr>
-            <a:endParaRPr lang="en-US" dirty="0"/>
-          </a:p>
-          <a:p>
-            <a:pPr lvl="1"/>
-            <a:endParaRPr lang="en-US" sz="2400" dirty="0" smtClean="0"/>
-          </a:p>
-          <a:p>
-            <a:pPr lvl="1"/>
-            <a:endParaRPr lang="en-US" sz="2400" dirty="0" smtClean="0"/>
-          </a:p>
-          <a:p>
-            <a:pPr marL="514350" indent="-514350">
-              <a:buAutoNum type="alphaLcPeriod"/>
-            </a:pPr>
-            <a:endParaRPr lang="en-US" dirty="0" smtClean="0"/>
-          </a:p>
-          <a:p>
-            <a:endParaRPr lang="en-US" dirty="0"/>
-          </a:p>
-        </p:txBody>
-      </p:sp>
-    </p:spTree>
-    <p:extLst>
-      <p:ext uri="{BB962C8B-B14F-4D97-AF65-F5344CB8AC3E}">
-        <p14:creationId xmlns:p14="http://schemas.microsoft.com/office/powerpoint/2010/main" val="2532784210"/>
-      </p:ext>
-    </p:extLst>
-  </p:cSld>
-  <p:clrMapOvr>
-    <a:masterClrMapping/>
-  </p:clrMapOvr>
-  <p:timing>
-    <p:tnLst>
-      <p:par>
-        <p:cTn id="1" dur="indefinite" restart="never" nodeType="tmRoot"/>
-      </p:par>
-    </p:tnLst>
-  </p:timing>
-</p:sld>
-</file>
-
-<file path=ppt/slides/slide8.xml><?xml version="1.0" encoding="utf-8"?>
-<p:sld xmlns:a="http://schemas.openxmlformats.org/drawingml/2006/main" xmlns:r="http://schemas.openxmlformats.org/officeDocument/2006/relationships" xmlns:p="http://schemas.openxmlformats.org/presentationml/2006/main">
-  <p:cSld>
-    <p:spTree>
-      <p:nvGrpSpPr>
-        <p:cNvPr id="1" name="Shape 69"/>
-        <p:cNvGrpSpPr/>
-        <p:nvPr/>
-      </p:nvGrpSpPr>
-      <p:grpSpPr>
-        <a:xfrm>
-          <a:off x="0" y="0"/>
-          <a:ext cx="0" cy="0"/>
-          <a:chOff x="0" y="0"/>
-          <a:chExt cx="0" cy="0"/>
-        </a:xfrm>
-      </p:grpSpPr>
-      <p:pic>
-        <p:nvPicPr>
-          <p:cNvPr id="5" name="Picture 4"/>
-          <p:cNvPicPr>
-            <a:picLocks noChangeAspect="1"/>
-          </p:cNvPicPr>
-          <p:nvPr/>
-        </p:nvPicPr>
-        <p:blipFill>
-          <a:blip r:embed="rId3">
-            <a:extLst>
-              <a:ext uri="{28A0092B-C50C-407E-A947-70E740481C1C}">
-                <a14:useLocalDpi xmlns:a14="http://schemas.microsoft.com/office/drawing/2010/main" val="0"/>
-              </a:ext>
-            </a:extLst>
-          </a:blip>
-          <a:stretch>
-            <a:fillRect/>
-          </a:stretch>
-        </p:blipFill>
-        <p:spPr>
-          <a:xfrm>
-            <a:off x="23697" y="113696"/>
-            <a:ext cx="2243522" cy="1024217"/>
-          </a:xfrm>
-          <a:prstGeom prst="rect">
-            <a:avLst/>
-          </a:prstGeom>
-        </p:spPr>
-      </p:pic>
-      <p:pic>
-        <p:nvPicPr>
-          <p:cNvPr id="6" name="Picture 5"/>
-          <p:cNvPicPr>
-            <a:picLocks noChangeAspect="1"/>
-          </p:cNvPicPr>
-          <p:nvPr/>
-        </p:nvPicPr>
-        <p:blipFill>
-          <a:blip r:embed="rId4">
-            <a:extLst>
-              <a:ext uri="{28A0092B-C50C-407E-A947-70E740481C1C}">
-                <a14:useLocalDpi xmlns:a14="http://schemas.microsoft.com/office/drawing/2010/main" val="0"/>
-              </a:ext>
-            </a:extLst>
-          </a:blip>
-          <a:stretch>
-            <a:fillRect/>
-          </a:stretch>
-        </p:blipFill>
-        <p:spPr>
-          <a:xfrm>
             <a:off x="9200479" y="230561"/>
             <a:ext cx="2688569" cy="652329"/>
           </a:xfrm>
@@ -11393,11 +10997,11 @@
   <p:clrMapOvr>
     <a:masterClrMapping/>
   </p:clrMapOvr>
-  <mc:AlternateContent xmlns:mc="http://schemas.openxmlformats.org/markup-compatibility/2006" xmlns:p14="http://schemas.microsoft.com/office/powerpoint/2010/main">
-    <mc:Choice Requires="p14">
+  <mc:AlternateContent xmlns:mc="http://schemas.openxmlformats.org/markup-compatibility/2006">
+    <mc:Choice xmlns:p14="http://schemas.microsoft.com/office/powerpoint/2010/main" Requires="p14">
       <p:transition p14:dur="0"/>
     </mc:Choice>
-    <mc:Fallback xmlns="">
+    <mc:Fallback>
       <p:transition/>
     </mc:Fallback>
   </mc:AlternateContent>
@@ -11531,6 +11135,239 @@
 </p:sld>
 </file>
 
+<file path=ppt/slides/slide8.xml><?xml version="1.0" encoding="utf-8"?>
+<p:sld xmlns:a="http://schemas.openxmlformats.org/drawingml/2006/main" xmlns:r="http://schemas.openxmlformats.org/officeDocument/2006/relationships" xmlns:p="http://schemas.openxmlformats.org/presentationml/2006/main">
+  <p:cSld>
+    <p:spTree>
+      <p:nvGrpSpPr>
+        <p:cNvPr id="1" name="Shape 69"/>
+        <p:cNvGrpSpPr/>
+        <p:nvPr/>
+      </p:nvGrpSpPr>
+      <p:grpSpPr>
+        <a:xfrm>
+          <a:off x="0" y="0"/>
+          <a:ext cx="0" cy="0"/>
+          <a:chOff x="0" y="0"/>
+          <a:chExt cx="0" cy="0"/>
+        </a:xfrm>
+      </p:grpSpPr>
+      <p:pic>
+        <p:nvPicPr>
+          <p:cNvPr id="5" name="Picture 4"/>
+          <p:cNvPicPr>
+            <a:picLocks noChangeAspect="1"/>
+          </p:cNvPicPr>
+          <p:nvPr/>
+        </p:nvPicPr>
+        <p:blipFill>
+          <a:blip r:embed="rId3">
+            <a:extLst>
+              <a:ext uri="{28A0092B-C50C-407E-A947-70E740481C1C}">
+                <a14:useLocalDpi xmlns:a14="http://schemas.microsoft.com/office/drawing/2010/main" val="0"/>
+              </a:ext>
+            </a:extLst>
+          </a:blip>
+          <a:stretch>
+            <a:fillRect/>
+          </a:stretch>
+        </p:blipFill>
+        <p:spPr>
+          <a:xfrm>
+            <a:off x="23697" y="113696"/>
+            <a:ext cx="2243522" cy="1024217"/>
+          </a:xfrm>
+          <a:prstGeom prst="rect">
+            <a:avLst/>
+          </a:prstGeom>
+        </p:spPr>
+      </p:pic>
+      <p:pic>
+        <p:nvPicPr>
+          <p:cNvPr id="6" name="Picture 5"/>
+          <p:cNvPicPr>
+            <a:picLocks noChangeAspect="1"/>
+          </p:cNvPicPr>
+          <p:nvPr/>
+        </p:nvPicPr>
+        <p:blipFill>
+          <a:blip r:embed="rId4">
+            <a:extLst>
+              <a:ext uri="{28A0092B-C50C-407E-A947-70E740481C1C}">
+                <a14:useLocalDpi xmlns:a14="http://schemas.microsoft.com/office/drawing/2010/main" val="0"/>
+              </a:ext>
+            </a:extLst>
+          </a:blip>
+          <a:stretch>
+            <a:fillRect/>
+          </a:stretch>
+        </p:blipFill>
+        <p:spPr>
+          <a:xfrm>
+            <a:off x="8812551" y="276743"/>
+            <a:ext cx="2688569" cy="652329"/>
+          </a:xfrm>
+          <a:prstGeom prst="rect">
+            <a:avLst/>
+          </a:prstGeom>
+        </p:spPr>
+      </p:pic>
+      <p:sp>
+        <p:nvSpPr>
+          <p:cNvPr id="4" name="TextBox 3"/>
+          <p:cNvSpPr txBox="1"/>
+          <p:nvPr/>
+        </p:nvSpPr>
+        <p:spPr>
+          <a:xfrm>
+            <a:off x="1779216" y="1773382"/>
+            <a:ext cx="8288420" cy="5632311"/>
+          </a:xfrm>
+          <a:prstGeom prst="rect">
+            <a:avLst/>
+          </a:prstGeom>
+          <a:noFill/>
+        </p:spPr>
+        <p:txBody>
+          <a:bodyPr wrap="square" rtlCol="0">
+            <a:spAutoFit/>
+          </a:bodyPr>
+          <a:lstStyle/>
+          <a:p>
+            <a:pPr marL="342900" indent="-342900">
+              <a:buFont typeface="Wingdings" panose="05000000000000000000" pitchFamily="2" charset="2"/>
+              <a:buChar char="§"/>
+            </a:pPr>
+            <a:r>
+              <a:rPr lang="en-US" sz="2400" dirty="0" smtClean="0"/>
+              <a:t>Clear Idea About Designing A Web Portal/Application.</a:t>
+            </a:r>
+          </a:p>
+          <a:p>
+            <a:pPr marL="342900" indent="-342900">
+              <a:buFont typeface="Wingdings" panose="05000000000000000000" pitchFamily="2" charset="2"/>
+              <a:buChar char="§"/>
+            </a:pPr>
+            <a:endParaRPr lang="en-US" sz="2400" dirty="0" smtClean="0"/>
+          </a:p>
+          <a:p>
+            <a:pPr marL="342900" indent="-342900">
+              <a:buFont typeface="Wingdings" panose="05000000000000000000" pitchFamily="2" charset="2"/>
+              <a:buChar char="§"/>
+            </a:pPr>
+            <a:r>
+              <a:rPr lang="en-US" sz="2400" dirty="0" smtClean="0"/>
+              <a:t>Understood Api Integration.</a:t>
+            </a:r>
+          </a:p>
+          <a:p>
+            <a:pPr marL="342900" indent="-342900">
+              <a:buFont typeface="Wingdings" panose="05000000000000000000" pitchFamily="2" charset="2"/>
+              <a:buChar char="§"/>
+            </a:pPr>
+            <a:endParaRPr lang="en-US" sz="2400" dirty="0" smtClean="0"/>
+          </a:p>
+          <a:p>
+            <a:pPr marL="342900" indent="-342900">
+              <a:buFont typeface="Wingdings" panose="05000000000000000000" pitchFamily="2" charset="2"/>
+              <a:buChar char="§"/>
+            </a:pPr>
+            <a:r>
+              <a:rPr lang="en-US" sz="2400" dirty="0" smtClean="0"/>
+              <a:t>Understood Requirements Of Good UI Design.</a:t>
+            </a:r>
+          </a:p>
+          <a:p>
+            <a:pPr marL="342900" indent="-342900">
+              <a:buFont typeface="Wingdings" panose="05000000000000000000" pitchFamily="2" charset="2"/>
+              <a:buChar char="§"/>
+            </a:pPr>
+            <a:endParaRPr lang="en-US" sz="2400" dirty="0" smtClean="0"/>
+          </a:p>
+          <a:p>
+            <a:pPr marL="342900" indent="-342900">
+              <a:buFont typeface="Wingdings" panose="05000000000000000000" pitchFamily="2" charset="2"/>
+              <a:buChar char="§"/>
+            </a:pPr>
+            <a:r>
+              <a:rPr lang="en-US" sz="2400" dirty="0" smtClean="0"/>
+              <a:t>Understood The Advantages Of Angular Framework.</a:t>
+            </a:r>
+          </a:p>
+          <a:p>
+            <a:pPr marL="342900" indent="-342900">
+              <a:buFont typeface="Wingdings" panose="05000000000000000000" pitchFamily="2" charset="2"/>
+              <a:buChar char="§"/>
+            </a:pPr>
+            <a:endParaRPr lang="en-US" sz="2400" dirty="0"/>
+          </a:p>
+          <a:p>
+            <a:pPr marL="342900" indent="-342900">
+              <a:buFont typeface="Wingdings" panose="05000000000000000000" pitchFamily="2" charset="2"/>
+              <a:buChar char="§"/>
+            </a:pPr>
+            <a:r>
+              <a:rPr lang="en-US" sz="2400" dirty="0" smtClean="0"/>
+              <a:t>Understood How To Connect Different Services to Each Other Like MySQL ,STS and Angular.</a:t>
+            </a:r>
+          </a:p>
+          <a:p>
+            <a:pPr marL="342900" indent="-342900">
+              <a:buFont typeface="Wingdings" panose="05000000000000000000" pitchFamily="2" charset="2"/>
+              <a:buChar char="q"/>
+            </a:pPr>
+            <a:endParaRPr lang="en-US" sz="2400" dirty="0"/>
+          </a:p>
+          <a:p>
+            <a:pPr marL="342900" indent="-342900">
+              <a:buFont typeface="Wingdings" panose="05000000000000000000" pitchFamily="2" charset="2"/>
+              <a:buChar char="q"/>
+            </a:pPr>
+            <a:endParaRPr lang="en-US" sz="2400" dirty="0"/>
+          </a:p>
+          <a:p>
+            <a:pPr marL="342900" indent="-342900">
+              <a:buFont typeface="Wingdings" panose="05000000000000000000" pitchFamily="2" charset="2"/>
+              <a:buChar char="q"/>
+            </a:pPr>
+            <a:endParaRPr lang="en-US" sz="2400" dirty="0" smtClean="0"/>
+          </a:p>
+          <a:p>
+            <a:pPr marL="285750" indent="-285750">
+              <a:buFont typeface="Wingdings" panose="05000000000000000000" pitchFamily="2" charset="2"/>
+              <a:buChar char="q"/>
+            </a:pPr>
+            <a:endParaRPr lang="en-US" sz="2400" dirty="0"/>
+          </a:p>
+          <a:p>
+            <a:pPr marL="285750" indent="-285750">
+              <a:buFont typeface="Wingdings" panose="05000000000000000000" pitchFamily="2" charset="2"/>
+              <a:buChar char="q"/>
+            </a:pPr>
+            <a:endParaRPr lang="en-US" sz="2400" dirty="0"/>
+          </a:p>
+        </p:txBody>
+      </p:sp>
+    </p:spTree>
+    <p:extLst>
+      <p:ext uri="{BB962C8B-B14F-4D97-AF65-F5344CB8AC3E}">
+        <p14:creationId xmlns:p14="http://schemas.microsoft.com/office/powerpoint/2010/main" val="1659362152"/>
+      </p:ext>
+    </p:extLst>
+  </p:cSld>
+  <p:clrMapOvr>
+    <a:masterClrMapping/>
+  </p:clrMapOvr>
+  <p:timing>
+    <p:tnLst>
+      <p:par>
+        <p:cTn id="1" dur="indefinite" restart="never" nodeType="tmRoot"/>
+      </p:par>
+    </p:tnLst>
+  </p:timing>
+</p:sld>
+</file>
+
 <file path=ppt/slides/slide9.xml><?xml version="1.0" encoding="utf-8"?>
 <p:sld xmlns:a="http://schemas.openxmlformats.org/drawingml/2006/main" xmlns:r="http://schemas.openxmlformats.org/officeDocument/2006/relationships" xmlns:p="http://schemas.openxmlformats.org/presentationml/2006/main">
   <p:cSld>
@@ -11600,7 +11437,7 @@
         </p:blipFill>
         <p:spPr>
           <a:xfrm>
-            <a:off x="8812551" y="276743"/>
+            <a:off x="9200479" y="230561"/>
             <a:ext cx="2688569" cy="652329"/>
           </a:xfrm>
           <a:prstGeom prst="rect">
@@ -11616,8 +11453,8 @@
         </p:nvSpPr>
         <p:spPr>
           <a:xfrm>
-            <a:off x="1779216" y="1773382"/>
-            <a:ext cx="8288420" cy="5632311"/>
+            <a:off x="2267219" y="4190470"/>
+            <a:ext cx="5670562" cy="1446550"/>
           </a:xfrm>
           <a:prstGeom prst="rect">
             <a:avLst/>
@@ -11630,144 +11467,181 @@
           </a:bodyPr>
           <a:lstStyle/>
           <a:p>
-            <a:pPr marL="342900" indent="-342900">
-              <a:buFont typeface="Wingdings" panose="05000000000000000000" pitchFamily="2" charset="2"/>
-              <a:buChar char="§"/>
-            </a:pPr>
-            <a:r>
-              <a:rPr lang="en-US" sz="2400" dirty="0" smtClean="0"/>
-              <a:t>Clear Idea About Designing A Web Portal/Application.</a:t>
-            </a:r>
-          </a:p>
-          <a:p>
-            <a:pPr marL="342900" indent="-342900">
-              <a:buFont typeface="Wingdings" panose="05000000000000000000" pitchFamily="2" charset="2"/>
-              <a:buChar char="§"/>
-            </a:pPr>
-            <a:endParaRPr lang="en-US" sz="2400" dirty="0" smtClean="0"/>
-          </a:p>
-          <a:p>
-            <a:pPr marL="342900" indent="-342900">
-              <a:buFont typeface="Wingdings" panose="05000000000000000000" pitchFamily="2" charset="2"/>
-              <a:buChar char="§"/>
-            </a:pPr>
-            <a:r>
-              <a:rPr lang="en-US" sz="2400" dirty="0" smtClean="0"/>
-              <a:t>Understood </a:t>
-            </a:r>
-            <a:r>
-              <a:rPr lang="en-US" sz="2400" dirty="0" smtClean="0"/>
-              <a:t>RestApi </a:t>
-            </a:r>
-            <a:r>
-              <a:rPr lang="en-US" sz="2400" dirty="0" smtClean="0"/>
-              <a:t>Integration.</a:t>
-            </a:r>
-          </a:p>
-          <a:p>
-            <a:pPr marL="342900" indent="-342900">
-              <a:buFont typeface="Wingdings" panose="05000000000000000000" pitchFamily="2" charset="2"/>
-              <a:buChar char="§"/>
-            </a:pPr>
-            <a:endParaRPr lang="en-US" sz="2400" dirty="0" smtClean="0"/>
-          </a:p>
-          <a:p>
-            <a:pPr marL="342900" indent="-342900">
-              <a:buFont typeface="Wingdings" panose="05000000000000000000" pitchFamily="2" charset="2"/>
-              <a:buChar char="§"/>
-            </a:pPr>
-            <a:r>
-              <a:rPr lang="en-US" sz="2400" dirty="0" smtClean="0"/>
-              <a:t>Understood Requirements Of Good UI Design.</a:t>
-            </a:r>
-          </a:p>
-          <a:p>
-            <a:pPr marL="342900" indent="-342900">
-              <a:buFont typeface="Wingdings" panose="05000000000000000000" pitchFamily="2" charset="2"/>
-              <a:buChar char="§"/>
-            </a:pPr>
-            <a:endParaRPr lang="en-US" sz="2400" dirty="0" smtClean="0"/>
-          </a:p>
-          <a:p>
-            <a:pPr marL="342900" indent="-342900">
-              <a:buFont typeface="Wingdings" panose="05000000000000000000" pitchFamily="2" charset="2"/>
-              <a:buChar char="§"/>
-            </a:pPr>
-            <a:r>
-              <a:rPr lang="en-US" sz="2400" dirty="0" smtClean="0"/>
-              <a:t>Understood The Advantages Of Angular Framework.</a:t>
-            </a:r>
-          </a:p>
-          <a:p>
-            <a:pPr marL="342900" indent="-342900">
-              <a:buFont typeface="Wingdings" panose="05000000000000000000" pitchFamily="2" charset="2"/>
-              <a:buChar char="§"/>
-            </a:pPr>
-            <a:endParaRPr lang="en-US" sz="2400" dirty="0"/>
-          </a:p>
-          <a:p>
-            <a:pPr marL="342900" indent="-342900">
-              <a:buFont typeface="Wingdings" panose="05000000000000000000" pitchFamily="2" charset="2"/>
-              <a:buChar char="§"/>
-            </a:pPr>
-            <a:r>
-              <a:rPr lang="en-US" sz="2400" dirty="0" smtClean="0"/>
-              <a:t>Understood How To Connect Different Services to Each Other Like MySQL ,STS and Angular.</a:t>
-            </a:r>
-          </a:p>
-          <a:p>
-            <a:pPr marL="342900" indent="-342900">
-              <a:buFont typeface="Wingdings" panose="05000000000000000000" pitchFamily="2" charset="2"/>
-              <a:buChar char="q"/>
-            </a:pPr>
-            <a:endParaRPr lang="en-US" sz="2400" dirty="0"/>
-          </a:p>
-          <a:p>
-            <a:pPr marL="342900" indent="-342900">
-              <a:buFont typeface="Wingdings" panose="05000000000000000000" pitchFamily="2" charset="2"/>
-              <a:buChar char="q"/>
-            </a:pPr>
-            <a:endParaRPr lang="en-US" sz="2400" dirty="0"/>
-          </a:p>
-          <a:p>
-            <a:pPr marL="342900" indent="-342900">
-              <a:buFont typeface="Wingdings" panose="05000000000000000000" pitchFamily="2" charset="2"/>
-              <a:buChar char="q"/>
-            </a:pPr>
-            <a:endParaRPr lang="en-US" sz="2400" dirty="0" smtClean="0"/>
-          </a:p>
-          <a:p>
-            <a:pPr marL="285750" indent="-285750">
-              <a:buFont typeface="Wingdings" panose="05000000000000000000" pitchFamily="2" charset="2"/>
-              <a:buChar char="q"/>
-            </a:pPr>
-            <a:endParaRPr lang="en-US" sz="2400" dirty="0"/>
-          </a:p>
-          <a:p>
-            <a:pPr marL="285750" indent="-285750">
-              <a:buFont typeface="Wingdings" panose="05000000000000000000" pitchFamily="2" charset="2"/>
-              <a:buChar char="q"/>
-            </a:pPr>
-            <a:endParaRPr lang="en-US" sz="2400" dirty="0"/>
+            <a:r>
+              <a:rPr lang="en-US" sz="4400" dirty="0" smtClean="0">
+                <a:ln w="0"/>
+                <a:effectLst>
+                  <a:outerShdw blurRad="38100" dist="19050" dir="2700000" algn="tl" rotWithShape="0">
+                    <a:schemeClr val="dk1">
+                      <a:alpha val="40000"/>
+                    </a:schemeClr>
+                  </a:outerShdw>
+                </a:effectLst>
+              </a:rPr>
+              <a:t>04</a:t>
+            </a:r>
+          </a:p>
+          <a:p>
+            <a:r>
+              <a:rPr lang="en-US" sz="4400" dirty="0" smtClean="0">
+                <a:ln w="0"/>
+                <a:effectLst>
+                  <a:outerShdw blurRad="38100" dist="19050" dir="2700000" algn="tl" rotWithShape="0">
+                    <a:schemeClr val="dk1">
+                      <a:alpha val="40000"/>
+                    </a:schemeClr>
+                  </a:outerShdw>
+                </a:effectLst>
+              </a:rPr>
+              <a:t>CHALLENGES</a:t>
+            </a:r>
           </a:p>
         </p:txBody>
       </p:sp>
     </p:spTree>
     <p:extLst>
       <p:ext uri="{BB962C8B-B14F-4D97-AF65-F5344CB8AC3E}">
-        <p14:creationId xmlns:p14="http://schemas.microsoft.com/office/powerpoint/2010/main" val="1659362152"/>
+        <p14:creationId xmlns:p14="http://schemas.microsoft.com/office/powerpoint/2010/main" val="3076554432"/>
       </p:ext>
     </p:extLst>
   </p:cSld>
   <p:clrMapOvr>
     <a:masterClrMapping/>
   </p:clrMapOvr>
+  <mc:AlternateContent xmlns:mc="http://schemas.openxmlformats.org/markup-compatibility/2006">
+    <mc:Choice xmlns:p14="http://schemas.microsoft.com/office/powerpoint/2010/main" Requires="p14">
+      <p:transition p14:dur="0"/>
+    </mc:Choice>
+    <mc:Fallback>
+      <p:transition/>
+    </mc:Fallback>
+  </mc:AlternateContent>
   <p:timing>
     <p:tnLst>
       <p:par>
-        <p:cTn id="1" dur="indefinite" restart="never" nodeType="tmRoot"/>
+        <p:cTn id="1" dur="indefinite" restart="never" nodeType="tmRoot">
+          <p:childTnLst>
+            <p:seq concurrent="1" nextAc="seek">
+              <p:cTn id="2" dur="indefinite" nodeType="mainSeq">
+                <p:childTnLst>
+                  <p:par>
+                    <p:cTn id="3" fill="hold">
+                      <p:stCondLst>
+                        <p:cond delay="indefinite"/>
+                        <p:cond evt="onBegin" delay="0">
+                          <p:tn val="2"/>
+                        </p:cond>
+                      </p:stCondLst>
+                      <p:childTnLst>
+                        <p:par>
+                          <p:cTn id="4" fill="hold">
+                            <p:stCondLst>
+                              <p:cond delay="0"/>
+                            </p:stCondLst>
+                            <p:childTnLst>
+                              <p:par>
+                                <p:cTn id="5" presetID="2" presetClass="entr" presetSubtype="4" fill="hold" grpId="0" nodeType="withEffect">
+                                  <p:stCondLst>
+                                    <p:cond delay="0"/>
+                                  </p:stCondLst>
+                                  <p:childTnLst>
+                                    <p:set>
+                                      <p:cBhvr>
+                                        <p:cTn id="6" dur="1" fill="hold">
+                                          <p:stCondLst>
+                                            <p:cond delay="0"/>
+                                          </p:stCondLst>
+                                        </p:cTn>
+                                        <p:tgtEl>
+                                          <p:spTgt spid="4"/>
+                                        </p:tgtEl>
+                                        <p:attrNameLst>
+                                          <p:attrName>style.visibility</p:attrName>
+                                        </p:attrNameLst>
+                                      </p:cBhvr>
+                                      <p:to>
+                                        <p:strVal val="visible"/>
+                                      </p:to>
+                                    </p:set>
+                                    <p:anim calcmode="lin" valueType="num">
+                                      <p:cBhvr additive="base">
+                                        <p:cTn id="7" dur="500" fill="hold"/>
+                                        <p:tgtEl>
+                                          <p:spTgt spid="4"/>
+                                        </p:tgtEl>
+                                        <p:attrNameLst>
+                                          <p:attrName>ppt_x</p:attrName>
+                                        </p:attrNameLst>
+                                      </p:cBhvr>
+                                      <p:tavLst>
+                                        <p:tav tm="0">
+                                          <p:val>
+                                            <p:strVal val="#ppt_x"/>
+                                          </p:val>
+                                        </p:tav>
+                                        <p:tav tm="100000">
+                                          <p:val>
+                                            <p:strVal val="#ppt_x"/>
+                                          </p:val>
+                                        </p:tav>
+                                      </p:tavLst>
+                                    </p:anim>
+                                    <p:anim calcmode="lin" valueType="num">
+                                      <p:cBhvr additive="base">
+                                        <p:cTn id="8" dur="500" fill="hold"/>
+                                        <p:tgtEl>
+                                          <p:spTgt spid="4"/>
+                                        </p:tgtEl>
+                                        <p:attrNameLst>
+                                          <p:attrName>ppt_y</p:attrName>
+                                        </p:attrNameLst>
+                                      </p:cBhvr>
+                                      <p:tavLst>
+                                        <p:tav tm="0">
+                                          <p:val>
+                                            <p:strVal val="1+#ppt_h/2"/>
+                                          </p:val>
+                                        </p:tav>
+                                        <p:tav tm="100000">
+                                          <p:val>
+                                            <p:strVal val="#ppt_y"/>
+                                          </p:val>
+                                        </p:tav>
+                                      </p:tavLst>
+                                    </p:anim>
+                                  </p:childTnLst>
+                                </p:cTn>
+                              </p:par>
+                            </p:childTnLst>
+                          </p:cTn>
+                        </p:par>
+                      </p:childTnLst>
+                    </p:cTn>
+                  </p:par>
+                </p:childTnLst>
+              </p:cTn>
+              <p:prevCondLst>
+                <p:cond evt="onPrev" delay="0">
+                  <p:tgtEl>
+                    <p:sldTgt/>
+                  </p:tgtEl>
+                </p:cond>
+              </p:prevCondLst>
+              <p:nextCondLst>
+                <p:cond evt="onNext" delay="0">
+                  <p:tgtEl>
+                    <p:sldTgt/>
+                  </p:tgtEl>
+                </p:cond>
+              </p:nextCondLst>
+            </p:seq>
+          </p:childTnLst>
+        </p:cTn>
       </p:par>
     </p:tnLst>
+    <p:bldLst>
+      <p:bldP spid="4" grpId="0"/>
+    </p:bldLst>
   </p:timing>
 </p:sld>
 </file>
